--- a/2014270243_오재욱_알고리즘_개인과제.pptx
+++ b/2014270243_오재욱_알고리즘_개인과제.pptx
@@ -13,8 +13,8 @@
     <p:sldId id="257" r:id="rId4"/>
     <p:sldId id="258" r:id="rId5"/>
     <p:sldId id="260" r:id="rId6"/>
-    <p:sldId id="261" r:id="rId7"/>
-    <p:sldId id="266" r:id="rId8"/>
+    <p:sldId id="266" r:id="rId7"/>
+    <p:sldId id="267" r:id="rId8"/>
     <p:sldId id="263" r:id="rId9"/>
     <p:sldId id="262" r:id="rId10"/>
     <p:sldId id="264" r:id="rId11"/>
@@ -24,7 +24,7 @@
   <p:notesSz cx="6858000" cy="9144000"/>
   <p:embeddedFontLst>
     <p:embeddedFont>
-      <p:font typeface="Malgun Gothic" panose="020B0503020000020004" pitchFamily="34" charset="-127"/>
+      <p:font typeface="Malgun Gothic" panose="020B0503020000020004" pitchFamily="50" charset="-127"/>
       <p:regular r:id="rId14"/>
       <p:bold r:id="rId15"/>
     </p:embeddedFont>
@@ -264,3900 +264,6 @@
     </p:ext>
   </p:extLst>
 </p:presentation>
-</file>
-
-<file path=ppt/diagrams/colors1.xml><?xml version="1.0" encoding="utf-8"?>
-<dgm:colorsDef xmlns:dgm="http://schemas.openxmlformats.org/drawingml/2006/diagram" xmlns:a="http://schemas.openxmlformats.org/drawingml/2006/main" uniqueId="urn:microsoft.com/office/officeart/2005/8/colors/accent1_2">
-  <dgm:title val=""/>
-  <dgm:desc val=""/>
-  <dgm:catLst>
-    <dgm:cat type="accent1" pri="11200"/>
-  </dgm:catLst>
-  <dgm:styleLbl name="node0">
-    <dgm:fillClrLst meth="repeat">
-      <a:schemeClr val="accent1"/>
-    </dgm:fillClrLst>
-    <dgm:linClrLst meth="repeat">
-      <a:schemeClr val="lt1"/>
-    </dgm:linClrLst>
-    <dgm:effectClrLst/>
-    <dgm:txLinClrLst/>
-    <dgm:txFillClrLst/>
-    <dgm:txEffectClrLst/>
-  </dgm:styleLbl>
-  <dgm:styleLbl name="alignNode1">
-    <dgm:fillClrLst meth="repeat">
-      <a:schemeClr val="accent1"/>
-    </dgm:fillClrLst>
-    <dgm:linClrLst meth="repeat">
-      <a:schemeClr val="accent1"/>
-    </dgm:linClrLst>
-    <dgm:effectClrLst/>
-    <dgm:txLinClrLst/>
-    <dgm:txFillClrLst/>
-    <dgm:txEffectClrLst/>
-  </dgm:styleLbl>
-  <dgm:styleLbl name="node1">
-    <dgm:fillClrLst meth="repeat">
-      <a:schemeClr val="accent1"/>
-    </dgm:fillClrLst>
-    <dgm:linClrLst meth="repeat">
-      <a:schemeClr val="lt1"/>
-    </dgm:linClrLst>
-    <dgm:effectClrLst/>
-    <dgm:txLinClrLst/>
-    <dgm:txFillClrLst/>
-    <dgm:txEffectClrLst/>
-  </dgm:styleLbl>
-  <dgm:styleLbl name="lnNode1">
-    <dgm:fillClrLst meth="repeat">
-      <a:schemeClr val="accent1"/>
-    </dgm:fillClrLst>
-    <dgm:linClrLst meth="repeat">
-      <a:schemeClr val="lt1"/>
-    </dgm:linClrLst>
-    <dgm:effectClrLst/>
-    <dgm:txLinClrLst/>
-    <dgm:txFillClrLst/>
-    <dgm:txEffectClrLst/>
-  </dgm:styleLbl>
-  <dgm:styleLbl name="vennNode1">
-    <dgm:fillClrLst meth="repeat">
-      <a:schemeClr val="accent1">
-        <a:alpha val="50000"/>
-      </a:schemeClr>
-    </dgm:fillClrLst>
-    <dgm:linClrLst meth="repeat">
-      <a:schemeClr val="lt1"/>
-    </dgm:linClrLst>
-    <dgm:effectClrLst/>
-    <dgm:txLinClrLst/>
-    <dgm:txFillClrLst/>
-    <dgm:txEffectClrLst/>
-  </dgm:styleLbl>
-  <dgm:styleLbl name="node2">
-    <dgm:fillClrLst meth="repeat">
-      <a:schemeClr val="accent1"/>
-    </dgm:fillClrLst>
-    <dgm:linClrLst meth="repeat">
-      <a:schemeClr val="lt1"/>
-    </dgm:linClrLst>
-    <dgm:effectClrLst/>
-    <dgm:txLinClrLst/>
-    <dgm:txFillClrLst/>
-    <dgm:txEffectClrLst/>
-  </dgm:styleLbl>
-  <dgm:styleLbl name="node3">
-    <dgm:fillClrLst meth="repeat">
-      <a:schemeClr val="accent1"/>
-    </dgm:fillClrLst>
-    <dgm:linClrLst meth="repeat">
-      <a:schemeClr val="lt1"/>
-    </dgm:linClrLst>
-    <dgm:effectClrLst/>
-    <dgm:txLinClrLst/>
-    <dgm:txFillClrLst/>
-    <dgm:txEffectClrLst/>
-  </dgm:styleLbl>
-  <dgm:styleLbl name="node4">
-    <dgm:fillClrLst meth="repeat">
-      <a:schemeClr val="accent1"/>
-    </dgm:fillClrLst>
-    <dgm:linClrLst meth="repeat">
-      <a:schemeClr val="lt1"/>
-    </dgm:linClrLst>
-    <dgm:effectClrLst/>
-    <dgm:txLinClrLst/>
-    <dgm:txFillClrLst/>
-    <dgm:txEffectClrLst/>
-  </dgm:styleLbl>
-  <dgm:styleLbl name="fgImgPlace1">
-    <dgm:fillClrLst meth="repeat">
-      <a:schemeClr val="accent1">
-        <a:tint val="50000"/>
-      </a:schemeClr>
-    </dgm:fillClrLst>
-    <dgm:linClrLst meth="repeat">
-      <a:schemeClr val="lt1"/>
-    </dgm:linClrLst>
-    <dgm:effectClrLst/>
-    <dgm:txLinClrLst/>
-    <dgm:txFillClrLst meth="repeat">
-      <a:schemeClr val="lt1"/>
-    </dgm:txFillClrLst>
-    <dgm:txEffectClrLst/>
-  </dgm:styleLbl>
-  <dgm:styleLbl name="alignImgPlace1">
-    <dgm:fillClrLst meth="repeat">
-      <a:schemeClr val="accent1">
-        <a:tint val="50000"/>
-      </a:schemeClr>
-    </dgm:fillClrLst>
-    <dgm:linClrLst meth="repeat">
-      <a:schemeClr val="lt1"/>
-    </dgm:linClrLst>
-    <dgm:effectClrLst/>
-    <dgm:txLinClrLst/>
-    <dgm:txFillClrLst meth="repeat">
-      <a:schemeClr val="lt1"/>
-    </dgm:txFillClrLst>
-    <dgm:txEffectClrLst/>
-  </dgm:styleLbl>
-  <dgm:styleLbl name="bgImgPlace1">
-    <dgm:fillClrLst meth="repeat">
-      <a:schemeClr val="accent1">
-        <a:tint val="50000"/>
-      </a:schemeClr>
-    </dgm:fillClrLst>
-    <dgm:linClrLst meth="repeat">
-      <a:schemeClr val="lt1"/>
-    </dgm:linClrLst>
-    <dgm:effectClrLst/>
-    <dgm:txLinClrLst/>
-    <dgm:txFillClrLst meth="repeat">
-      <a:schemeClr val="lt1"/>
-    </dgm:txFillClrLst>
-    <dgm:txEffectClrLst/>
-  </dgm:styleLbl>
-  <dgm:styleLbl name="sibTrans2D1">
-    <dgm:fillClrLst meth="repeat">
-      <a:schemeClr val="accent1">
-        <a:tint val="60000"/>
-      </a:schemeClr>
-    </dgm:fillClrLst>
-    <dgm:linClrLst meth="repeat">
-      <a:schemeClr val="accent1">
-        <a:tint val="60000"/>
-      </a:schemeClr>
-    </dgm:linClrLst>
-    <dgm:effectClrLst/>
-    <dgm:txLinClrLst/>
-    <dgm:txFillClrLst/>
-    <dgm:txEffectClrLst/>
-  </dgm:styleLbl>
-  <dgm:styleLbl name="fgSibTrans2D1">
-    <dgm:fillClrLst meth="repeat">
-      <a:schemeClr val="accent1">
-        <a:tint val="60000"/>
-      </a:schemeClr>
-    </dgm:fillClrLst>
-    <dgm:linClrLst meth="repeat">
-      <a:schemeClr val="accent1">
-        <a:tint val="60000"/>
-      </a:schemeClr>
-    </dgm:linClrLst>
-    <dgm:effectClrLst/>
-    <dgm:txLinClrLst/>
-    <dgm:txFillClrLst/>
-    <dgm:txEffectClrLst/>
-  </dgm:styleLbl>
-  <dgm:styleLbl name="bgSibTrans2D1">
-    <dgm:fillClrLst meth="repeat">
-      <a:schemeClr val="accent1">
-        <a:tint val="60000"/>
-      </a:schemeClr>
-    </dgm:fillClrLst>
-    <dgm:linClrLst meth="repeat">
-      <a:schemeClr val="accent1">
-        <a:tint val="60000"/>
-      </a:schemeClr>
-    </dgm:linClrLst>
-    <dgm:effectClrLst/>
-    <dgm:txLinClrLst/>
-    <dgm:txFillClrLst/>
-    <dgm:txEffectClrLst/>
-  </dgm:styleLbl>
-  <dgm:styleLbl name="sibTrans1D1">
-    <dgm:fillClrLst meth="repeat">
-      <a:schemeClr val="accent1"/>
-    </dgm:fillClrLst>
-    <dgm:linClrLst meth="repeat">
-      <a:schemeClr val="accent1"/>
-    </dgm:linClrLst>
-    <dgm:effectClrLst/>
-    <dgm:txLinClrLst/>
-    <dgm:txFillClrLst meth="repeat">
-      <a:schemeClr val="tx1"/>
-    </dgm:txFillClrLst>
-    <dgm:txEffectClrLst/>
-  </dgm:styleLbl>
-  <dgm:styleLbl name="callout">
-    <dgm:fillClrLst meth="repeat">
-      <a:schemeClr val="accent1"/>
-    </dgm:fillClrLst>
-    <dgm:linClrLst meth="repeat">
-      <a:schemeClr val="accent1">
-        <a:tint val="50000"/>
-      </a:schemeClr>
-    </dgm:linClrLst>
-    <dgm:effectClrLst/>
-    <dgm:txLinClrLst/>
-    <dgm:txFillClrLst meth="repeat">
-      <a:schemeClr val="tx1"/>
-    </dgm:txFillClrLst>
-    <dgm:txEffectClrLst/>
-  </dgm:styleLbl>
-  <dgm:styleLbl name="asst0">
-    <dgm:fillClrLst meth="repeat">
-      <a:schemeClr val="accent1"/>
-    </dgm:fillClrLst>
-    <dgm:linClrLst meth="repeat">
-      <a:schemeClr val="lt1"/>
-    </dgm:linClrLst>
-    <dgm:effectClrLst/>
-    <dgm:txLinClrLst/>
-    <dgm:txFillClrLst/>
-    <dgm:txEffectClrLst/>
-  </dgm:styleLbl>
-  <dgm:styleLbl name="asst1">
-    <dgm:fillClrLst meth="repeat">
-      <a:schemeClr val="accent1"/>
-    </dgm:fillClrLst>
-    <dgm:linClrLst meth="repeat">
-      <a:schemeClr val="lt1"/>
-    </dgm:linClrLst>
-    <dgm:effectClrLst/>
-    <dgm:txLinClrLst/>
-    <dgm:txFillClrLst/>
-    <dgm:txEffectClrLst/>
-  </dgm:styleLbl>
-  <dgm:styleLbl name="asst2">
-    <dgm:fillClrLst meth="repeat">
-      <a:schemeClr val="accent1"/>
-    </dgm:fillClrLst>
-    <dgm:linClrLst meth="repeat">
-      <a:schemeClr val="lt1"/>
-    </dgm:linClrLst>
-    <dgm:effectClrLst/>
-    <dgm:txLinClrLst/>
-    <dgm:txFillClrLst/>
-    <dgm:txEffectClrLst/>
-  </dgm:styleLbl>
-  <dgm:styleLbl name="asst3">
-    <dgm:fillClrLst meth="repeat">
-      <a:schemeClr val="accent1"/>
-    </dgm:fillClrLst>
-    <dgm:linClrLst meth="repeat">
-      <a:schemeClr val="lt1"/>
-    </dgm:linClrLst>
-    <dgm:effectClrLst/>
-    <dgm:txLinClrLst/>
-    <dgm:txFillClrLst/>
-    <dgm:txEffectClrLst/>
-  </dgm:styleLbl>
-  <dgm:styleLbl name="asst4">
-    <dgm:fillClrLst meth="repeat">
-      <a:schemeClr val="accent1"/>
-    </dgm:fillClrLst>
-    <dgm:linClrLst meth="repeat">
-      <a:schemeClr val="lt1"/>
-    </dgm:linClrLst>
-    <dgm:effectClrLst/>
-    <dgm:txLinClrLst/>
-    <dgm:txFillClrLst/>
-    <dgm:txEffectClrLst/>
-  </dgm:styleLbl>
-  <dgm:styleLbl name="parChTrans2D1">
-    <dgm:fillClrLst meth="repeat">
-      <a:schemeClr val="accent1">
-        <a:tint val="60000"/>
-      </a:schemeClr>
-    </dgm:fillClrLst>
-    <dgm:linClrLst meth="repeat">
-      <a:schemeClr val="accent1">
-        <a:tint val="60000"/>
-      </a:schemeClr>
-    </dgm:linClrLst>
-    <dgm:effectClrLst/>
-    <dgm:txLinClrLst/>
-    <dgm:txFillClrLst meth="repeat">
-      <a:schemeClr val="lt1"/>
-    </dgm:txFillClrLst>
-    <dgm:txEffectClrLst/>
-  </dgm:styleLbl>
-  <dgm:styleLbl name="parChTrans2D2">
-    <dgm:fillClrLst meth="repeat">
-      <a:schemeClr val="accent1"/>
-    </dgm:fillClrLst>
-    <dgm:linClrLst meth="repeat">
-      <a:schemeClr val="accent1"/>
-    </dgm:linClrLst>
-    <dgm:effectClrLst/>
-    <dgm:txLinClrLst/>
-    <dgm:txFillClrLst meth="repeat">
-      <a:schemeClr val="lt1"/>
-    </dgm:txFillClrLst>
-    <dgm:txEffectClrLst/>
-  </dgm:styleLbl>
-  <dgm:styleLbl name="parChTrans2D3">
-    <dgm:fillClrLst meth="repeat">
-      <a:schemeClr val="accent1"/>
-    </dgm:fillClrLst>
-    <dgm:linClrLst meth="repeat">
-      <a:schemeClr val="accent1"/>
-    </dgm:linClrLst>
-    <dgm:effectClrLst/>
-    <dgm:txLinClrLst/>
-    <dgm:txFillClrLst meth="repeat">
-      <a:schemeClr val="lt1"/>
-    </dgm:txFillClrLst>
-    <dgm:txEffectClrLst/>
-  </dgm:styleLbl>
-  <dgm:styleLbl name="parChTrans2D4">
-    <dgm:fillClrLst meth="repeat">
-      <a:schemeClr val="accent1"/>
-    </dgm:fillClrLst>
-    <dgm:linClrLst meth="repeat">
-      <a:schemeClr val="accent1"/>
-    </dgm:linClrLst>
-    <dgm:effectClrLst/>
-    <dgm:txLinClrLst/>
-    <dgm:txFillClrLst meth="repeat">
-      <a:schemeClr val="lt1"/>
-    </dgm:txFillClrLst>
-    <dgm:txEffectClrLst/>
-  </dgm:styleLbl>
-  <dgm:styleLbl name="parChTrans1D1">
-    <dgm:fillClrLst meth="repeat">
-      <a:schemeClr val="accent1"/>
-    </dgm:fillClrLst>
-    <dgm:linClrLst meth="repeat">
-      <a:schemeClr val="accent1">
-        <a:shade val="60000"/>
-      </a:schemeClr>
-    </dgm:linClrLst>
-    <dgm:effectClrLst/>
-    <dgm:txLinClrLst/>
-    <dgm:txFillClrLst meth="repeat">
-      <a:schemeClr val="tx1"/>
-    </dgm:txFillClrLst>
-    <dgm:txEffectClrLst/>
-  </dgm:styleLbl>
-  <dgm:styleLbl name="parChTrans1D2">
-    <dgm:fillClrLst meth="repeat">
-      <a:schemeClr val="accent1"/>
-    </dgm:fillClrLst>
-    <dgm:linClrLst meth="repeat">
-      <a:schemeClr val="accent1">
-        <a:shade val="60000"/>
-      </a:schemeClr>
-    </dgm:linClrLst>
-    <dgm:effectClrLst/>
-    <dgm:txLinClrLst/>
-    <dgm:txFillClrLst meth="repeat">
-      <a:schemeClr val="tx1"/>
-    </dgm:txFillClrLst>
-    <dgm:txEffectClrLst/>
-  </dgm:styleLbl>
-  <dgm:styleLbl name="parChTrans1D3">
-    <dgm:fillClrLst meth="repeat">
-      <a:schemeClr val="accent1"/>
-    </dgm:fillClrLst>
-    <dgm:linClrLst meth="repeat">
-      <a:schemeClr val="accent1">
-        <a:shade val="80000"/>
-      </a:schemeClr>
-    </dgm:linClrLst>
-    <dgm:effectClrLst/>
-    <dgm:txLinClrLst/>
-    <dgm:txFillClrLst meth="repeat">
-      <a:schemeClr val="tx1"/>
-    </dgm:txFillClrLst>
-    <dgm:txEffectClrLst/>
-  </dgm:styleLbl>
-  <dgm:styleLbl name="parChTrans1D4">
-    <dgm:fillClrLst meth="repeat">
-      <a:schemeClr val="accent1"/>
-    </dgm:fillClrLst>
-    <dgm:linClrLst meth="repeat">
-      <a:schemeClr val="accent1">
-        <a:shade val="80000"/>
-      </a:schemeClr>
-    </dgm:linClrLst>
-    <dgm:effectClrLst/>
-    <dgm:txLinClrLst/>
-    <dgm:txFillClrLst meth="repeat">
-      <a:schemeClr val="tx1"/>
-    </dgm:txFillClrLst>
-    <dgm:txEffectClrLst/>
-  </dgm:styleLbl>
-  <dgm:styleLbl name="fgAcc1">
-    <dgm:fillClrLst meth="repeat">
-      <a:schemeClr val="lt1">
-        <a:alpha val="90000"/>
-      </a:schemeClr>
-    </dgm:fillClrLst>
-    <dgm:linClrLst meth="repeat">
-      <a:schemeClr val="accent1"/>
-    </dgm:linClrLst>
-    <dgm:effectClrLst/>
-    <dgm:txLinClrLst/>
-    <dgm:txFillClrLst meth="repeat">
-      <a:schemeClr val="dk1"/>
-    </dgm:txFillClrLst>
-    <dgm:txEffectClrLst/>
-  </dgm:styleLbl>
-  <dgm:styleLbl name="conFgAcc1">
-    <dgm:fillClrLst meth="repeat">
-      <a:schemeClr val="lt1">
-        <a:alpha val="90000"/>
-      </a:schemeClr>
-    </dgm:fillClrLst>
-    <dgm:linClrLst meth="repeat">
-      <a:schemeClr val="accent1"/>
-    </dgm:linClrLst>
-    <dgm:effectClrLst/>
-    <dgm:txLinClrLst/>
-    <dgm:txFillClrLst meth="repeat">
-      <a:schemeClr val="dk1"/>
-    </dgm:txFillClrLst>
-    <dgm:txEffectClrLst/>
-  </dgm:styleLbl>
-  <dgm:styleLbl name="alignAcc1">
-    <dgm:fillClrLst meth="repeat">
-      <a:schemeClr val="lt1">
-        <a:alpha val="90000"/>
-      </a:schemeClr>
-    </dgm:fillClrLst>
-    <dgm:linClrLst meth="repeat">
-      <a:schemeClr val="accent1"/>
-    </dgm:linClrLst>
-    <dgm:effectClrLst/>
-    <dgm:txLinClrLst/>
-    <dgm:txFillClrLst meth="repeat">
-      <a:schemeClr val="dk1"/>
-    </dgm:txFillClrLst>
-    <dgm:txEffectClrLst/>
-  </dgm:styleLbl>
-  <dgm:styleLbl name="trAlignAcc1">
-    <dgm:fillClrLst meth="repeat">
-      <a:schemeClr val="lt1">
-        <a:alpha val="40000"/>
-      </a:schemeClr>
-    </dgm:fillClrLst>
-    <dgm:linClrLst meth="repeat">
-      <a:schemeClr val="accent1"/>
-    </dgm:linClrLst>
-    <dgm:effectClrLst/>
-    <dgm:txLinClrLst/>
-    <dgm:txFillClrLst meth="repeat">
-      <a:schemeClr val="dk1"/>
-    </dgm:txFillClrLst>
-    <dgm:txEffectClrLst/>
-  </dgm:styleLbl>
-  <dgm:styleLbl name="bgAcc1">
-    <dgm:fillClrLst meth="repeat">
-      <a:schemeClr val="lt1">
-        <a:alpha val="90000"/>
-      </a:schemeClr>
-    </dgm:fillClrLst>
-    <dgm:linClrLst meth="repeat">
-      <a:schemeClr val="accent1"/>
-    </dgm:linClrLst>
-    <dgm:effectClrLst/>
-    <dgm:txLinClrLst/>
-    <dgm:txFillClrLst meth="repeat">
-      <a:schemeClr val="dk1"/>
-    </dgm:txFillClrLst>
-    <dgm:txEffectClrLst/>
-  </dgm:styleLbl>
-  <dgm:styleLbl name="solidFgAcc1">
-    <dgm:fillClrLst meth="repeat">
-      <a:schemeClr val="lt1"/>
-    </dgm:fillClrLst>
-    <dgm:linClrLst meth="repeat">
-      <a:schemeClr val="accent1"/>
-    </dgm:linClrLst>
-    <dgm:effectClrLst/>
-    <dgm:txLinClrLst/>
-    <dgm:txFillClrLst meth="repeat">
-      <a:schemeClr val="dk1"/>
-    </dgm:txFillClrLst>
-    <dgm:txEffectClrLst/>
-  </dgm:styleLbl>
-  <dgm:styleLbl name="solidAlignAcc1">
-    <dgm:fillClrLst meth="repeat">
-      <a:schemeClr val="lt1"/>
-    </dgm:fillClrLst>
-    <dgm:linClrLst meth="repeat">
-      <a:schemeClr val="accent1"/>
-    </dgm:linClrLst>
-    <dgm:effectClrLst/>
-    <dgm:txLinClrLst/>
-    <dgm:txFillClrLst meth="repeat">
-      <a:schemeClr val="dk1"/>
-    </dgm:txFillClrLst>
-    <dgm:txEffectClrLst/>
-  </dgm:styleLbl>
-  <dgm:styleLbl name="solidBgAcc1">
-    <dgm:fillClrLst meth="repeat">
-      <a:schemeClr val="lt1"/>
-    </dgm:fillClrLst>
-    <dgm:linClrLst meth="repeat">
-      <a:schemeClr val="accent1"/>
-    </dgm:linClrLst>
-    <dgm:effectClrLst/>
-    <dgm:txLinClrLst/>
-    <dgm:txFillClrLst meth="repeat">
-      <a:schemeClr val="dk1"/>
-    </dgm:txFillClrLst>
-    <dgm:txEffectClrLst/>
-  </dgm:styleLbl>
-  <dgm:styleLbl name="fgAccFollowNode1">
-    <dgm:fillClrLst meth="repeat">
-      <a:schemeClr val="accent1">
-        <a:alpha val="90000"/>
-        <a:tint val="40000"/>
-      </a:schemeClr>
-    </dgm:fillClrLst>
-    <dgm:linClrLst meth="repeat">
-      <a:schemeClr val="accent1">
-        <a:alpha val="90000"/>
-        <a:tint val="40000"/>
-      </a:schemeClr>
-    </dgm:linClrLst>
-    <dgm:effectClrLst/>
-    <dgm:txLinClrLst/>
-    <dgm:txFillClrLst meth="repeat">
-      <a:schemeClr val="dk1"/>
-    </dgm:txFillClrLst>
-    <dgm:txEffectClrLst/>
-  </dgm:styleLbl>
-  <dgm:styleLbl name="alignAccFollowNode1">
-    <dgm:fillClrLst meth="repeat">
-      <a:schemeClr val="accent1">
-        <a:alpha val="90000"/>
-        <a:tint val="40000"/>
-      </a:schemeClr>
-    </dgm:fillClrLst>
-    <dgm:linClrLst meth="repeat">
-      <a:schemeClr val="accent1">
-        <a:alpha val="90000"/>
-        <a:tint val="40000"/>
-      </a:schemeClr>
-    </dgm:linClrLst>
-    <dgm:effectClrLst/>
-    <dgm:txLinClrLst/>
-    <dgm:txFillClrLst meth="repeat">
-      <a:schemeClr val="dk1"/>
-    </dgm:txFillClrLst>
-    <dgm:txEffectClrLst/>
-  </dgm:styleLbl>
-  <dgm:styleLbl name="bgAccFollowNode1">
-    <dgm:fillClrLst meth="repeat">
-      <a:schemeClr val="accent1">
-        <a:alpha val="90000"/>
-        <a:tint val="40000"/>
-      </a:schemeClr>
-    </dgm:fillClrLst>
-    <dgm:linClrLst meth="repeat">
-      <a:schemeClr val="accent1">
-        <a:alpha val="90000"/>
-        <a:tint val="40000"/>
-      </a:schemeClr>
-    </dgm:linClrLst>
-    <dgm:effectClrLst/>
-    <dgm:txLinClrLst/>
-    <dgm:txFillClrLst meth="repeat">
-      <a:schemeClr val="dk1"/>
-    </dgm:txFillClrLst>
-    <dgm:txEffectClrLst/>
-  </dgm:styleLbl>
-  <dgm:styleLbl name="fgAcc0">
-    <dgm:fillClrLst meth="repeat">
-      <a:schemeClr val="lt1">
-        <a:alpha val="90000"/>
-      </a:schemeClr>
-    </dgm:fillClrLst>
-    <dgm:linClrLst meth="repeat">
-      <a:schemeClr val="accent1"/>
-    </dgm:linClrLst>
-    <dgm:effectClrLst/>
-    <dgm:txLinClrLst/>
-    <dgm:txFillClrLst meth="repeat">
-      <a:schemeClr val="dk1"/>
-    </dgm:txFillClrLst>
-    <dgm:txEffectClrLst/>
-  </dgm:styleLbl>
-  <dgm:styleLbl name="fgAcc2">
-    <dgm:fillClrLst meth="repeat">
-      <a:schemeClr val="lt1">
-        <a:alpha val="90000"/>
-      </a:schemeClr>
-    </dgm:fillClrLst>
-    <dgm:linClrLst meth="repeat">
-      <a:schemeClr val="accent1"/>
-    </dgm:linClrLst>
-    <dgm:effectClrLst/>
-    <dgm:txLinClrLst/>
-    <dgm:txFillClrLst meth="repeat">
-      <a:schemeClr val="dk1"/>
-    </dgm:txFillClrLst>
-    <dgm:txEffectClrLst/>
-  </dgm:styleLbl>
-  <dgm:styleLbl name="fgAcc3">
-    <dgm:fillClrLst meth="repeat">
-      <a:schemeClr val="lt1">
-        <a:alpha val="90000"/>
-      </a:schemeClr>
-    </dgm:fillClrLst>
-    <dgm:linClrLst meth="repeat">
-      <a:schemeClr val="accent1"/>
-    </dgm:linClrLst>
-    <dgm:effectClrLst/>
-    <dgm:txLinClrLst/>
-    <dgm:txFillClrLst meth="repeat">
-      <a:schemeClr val="dk1"/>
-    </dgm:txFillClrLst>
-    <dgm:txEffectClrLst/>
-  </dgm:styleLbl>
-  <dgm:styleLbl name="fgAcc4">
-    <dgm:fillClrLst meth="repeat">
-      <a:schemeClr val="lt1">
-        <a:alpha val="90000"/>
-      </a:schemeClr>
-    </dgm:fillClrLst>
-    <dgm:linClrLst meth="repeat">
-      <a:schemeClr val="accent1"/>
-    </dgm:linClrLst>
-    <dgm:effectClrLst/>
-    <dgm:txLinClrLst/>
-    <dgm:txFillClrLst meth="repeat">
-      <a:schemeClr val="dk1"/>
-    </dgm:txFillClrLst>
-    <dgm:txEffectClrLst/>
-  </dgm:styleLbl>
-  <dgm:styleLbl name="bgShp">
-    <dgm:fillClrLst meth="repeat">
-      <a:schemeClr val="accent1">
-        <a:tint val="40000"/>
-      </a:schemeClr>
-    </dgm:fillClrLst>
-    <dgm:linClrLst meth="repeat">
-      <a:schemeClr val="accent1"/>
-    </dgm:linClrLst>
-    <dgm:effectClrLst/>
-    <dgm:txLinClrLst/>
-    <dgm:txFillClrLst meth="repeat">
-      <a:schemeClr val="dk1"/>
-    </dgm:txFillClrLst>
-    <dgm:txEffectClrLst/>
-  </dgm:styleLbl>
-  <dgm:styleLbl name="dkBgShp">
-    <dgm:fillClrLst meth="repeat">
-      <a:schemeClr val="accent1">
-        <a:shade val="80000"/>
-      </a:schemeClr>
-    </dgm:fillClrLst>
-    <dgm:linClrLst meth="repeat">
-      <a:schemeClr val="accent1"/>
-    </dgm:linClrLst>
-    <dgm:effectClrLst/>
-    <dgm:txLinClrLst/>
-    <dgm:txFillClrLst meth="repeat">
-      <a:schemeClr val="lt1"/>
-    </dgm:txFillClrLst>
-    <dgm:txEffectClrLst/>
-  </dgm:styleLbl>
-  <dgm:styleLbl name="trBgShp">
-    <dgm:fillClrLst meth="repeat">
-      <a:schemeClr val="accent1">
-        <a:tint val="50000"/>
-        <a:alpha val="40000"/>
-      </a:schemeClr>
-    </dgm:fillClrLst>
-    <dgm:linClrLst meth="repeat">
-      <a:schemeClr val="accent1"/>
-    </dgm:linClrLst>
-    <dgm:effectClrLst/>
-    <dgm:txLinClrLst/>
-    <dgm:txFillClrLst meth="repeat">
-      <a:schemeClr val="lt1"/>
-    </dgm:txFillClrLst>
-    <dgm:txEffectClrLst/>
-  </dgm:styleLbl>
-  <dgm:styleLbl name="fgShp">
-    <dgm:fillClrLst meth="repeat">
-      <a:schemeClr val="accent1">
-        <a:tint val="60000"/>
-      </a:schemeClr>
-    </dgm:fillClrLst>
-    <dgm:linClrLst meth="repeat">
-      <a:schemeClr val="lt1"/>
-    </dgm:linClrLst>
-    <dgm:effectClrLst/>
-    <dgm:txLinClrLst/>
-    <dgm:txFillClrLst meth="repeat">
-      <a:schemeClr val="dk1"/>
-    </dgm:txFillClrLst>
-    <dgm:txEffectClrLst/>
-  </dgm:styleLbl>
-  <dgm:styleLbl name="revTx">
-    <dgm:fillClrLst meth="repeat">
-      <a:schemeClr val="lt1">
-        <a:alpha val="0"/>
-      </a:schemeClr>
-    </dgm:fillClrLst>
-    <dgm:linClrLst meth="repeat">
-      <a:schemeClr val="dk1">
-        <a:alpha val="0"/>
-      </a:schemeClr>
-    </dgm:linClrLst>
-    <dgm:effectClrLst/>
-    <dgm:txLinClrLst/>
-    <dgm:txFillClrLst meth="repeat">
-      <a:schemeClr val="tx1"/>
-    </dgm:txFillClrLst>
-    <dgm:txEffectClrLst/>
-  </dgm:styleLbl>
-</dgm:colorsDef>
-</file>
-
-<file path=ppt/diagrams/data1.xml><?xml version="1.0" encoding="utf-8"?>
-<dgm:dataModel xmlns:dgm="http://schemas.openxmlformats.org/drawingml/2006/diagram" xmlns:a="http://schemas.openxmlformats.org/drawingml/2006/main">
-  <dgm:ptLst>
-    <dgm:pt modelId="{C1C5CD19-5814-5849-87F6-5EC4666BF004}" type="doc">
-      <dgm:prSet loTypeId="urn:microsoft.com/office/officeart/2005/8/layout/list1" loCatId="" qsTypeId="urn:microsoft.com/office/officeart/2005/8/quickstyle/simple1" qsCatId="simple" csTypeId="urn:microsoft.com/office/officeart/2005/8/colors/accent1_2" csCatId="accent1" phldr="1"/>
-      <dgm:spPr/>
-      <dgm:t>
-        <a:bodyPr/>
-        <a:lstStyle/>
-        <a:p>
-          <a:pPr latinLnBrk="1"/>
-          <a:endParaRPr lang="ko-KR" altLang="en-US"/>
-        </a:p>
-      </dgm:t>
-    </dgm:pt>
-    <dgm:pt modelId="{ED6B0982-8978-A143-BC5C-249DB1D2F70C}">
-      <dgm:prSet phldrT="[텍스트]"/>
-      <dgm:spPr/>
-      <dgm:t>
-        <a:bodyPr/>
-        <a:lstStyle/>
-        <a:p>
-          <a:pPr latinLnBrk="1">
-            <a:buClr>
-              <a:srgbClr val="000000"/>
-            </a:buClr>
-            <a:buSzPts val="2400"/>
-            <a:buFont typeface="arial"/>
-            <a:buAutoNum type="arabicPeriod"/>
-          </a:pPr>
-          <a:r>
-            <a:rPr lang="en-US" altLang="ko-KR">
-              <a:solidFill>
-                <a:srgbClr val="FFFF00"/>
-              </a:solidFill>
-              <a:latin typeface="arial"/>
-              <a:ea typeface="arial"/>
-              <a:cs typeface="arial"/>
-              <a:sym typeface="arial"/>
-            </a:rPr>
-            <a:t>%(</a:t>
-          </a:r>
-          <a:r>
-            <a:rPr lang="ko-KR" altLang="en-US">
-              <a:solidFill>
-                <a:srgbClr val="FFFF00"/>
-              </a:solidFill>
-              <a:latin typeface="arial"/>
-              <a:ea typeface="arial"/>
-              <a:cs typeface="arial"/>
-              <a:sym typeface="arial"/>
-            </a:rPr>
-            <a:t>나머지 연산자</a:t>
-          </a:r>
-          <a:r>
-            <a:rPr lang="en-US" altLang="ko-KR">
-              <a:solidFill>
-                <a:srgbClr val="FFFF00"/>
-              </a:solidFill>
-              <a:latin typeface="arial"/>
-              <a:ea typeface="arial"/>
-              <a:cs typeface="arial"/>
-              <a:sym typeface="arial"/>
-            </a:rPr>
-            <a:t>),</a:t>
-          </a:r>
-          <a:r>
-            <a:rPr lang="ko-KR" altLang="en-US">
-              <a:solidFill>
-                <a:srgbClr val="FFFF00"/>
-              </a:solidFill>
-              <a:latin typeface="arial"/>
-              <a:ea typeface="arial"/>
-              <a:cs typeface="arial"/>
-              <a:sym typeface="arial"/>
-            </a:rPr>
-            <a:t> </a:t>
-          </a:r>
-          <a:r>
-            <a:rPr lang="en-US" altLang="ko-KR">
-              <a:solidFill>
-                <a:srgbClr val="FFFF00"/>
-              </a:solidFill>
-              <a:latin typeface="arial"/>
-              <a:ea typeface="arial"/>
-              <a:cs typeface="arial"/>
-              <a:sym typeface="arial"/>
-            </a:rPr>
-            <a:t>bool</a:t>
-          </a:r>
-          <a:r>
-            <a:rPr lang="ko-KR" altLang="en-US">
-              <a:solidFill>
-                <a:srgbClr val="FFFF00"/>
-              </a:solidFill>
-              <a:latin typeface="arial"/>
-              <a:ea typeface="arial"/>
-              <a:cs typeface="arial"/>
-              <a:sym typeface="arial"/>
-            </a:rPr>
-            <a:t>형 변수 선언</a:t>
-          </a:r>
-          <a:r>
-            <a:rPr lang="en-US" altLang="ko-KR">
-              <a:solidFill>
-                <a:srgbClr val="FFFF00"/>
-              </a:solidFill>
-              <a:latin typeface="arial"/>
-              <a:ea typeface="arial"/>
-              <a:cs typeface="arial"/>
-              <a:sym typeface="arial"/>
-            </a:rPr>
-            <a:t>(</a:t>
-          </a:r>
-          <a:r>
-            <a:rPr lang="ko-KR" altLang="en-US">
-              <a:solidFill>
-                <a:srgbClr val="FFFF00"/>
-              </a:solidFill>
-              <a:latin typeface="arial"/>
-              <a:ea typeface="arial"/>
-              <a:cs typeface="arial"/>
-              <a:sym typeface="arial"/>
-            </a:rPr>
-            <a:t>소수 판별</a:t>
-          </a:r>
-          <a:r>
-            <a:rPr lang="en-US" altLang="ko-KR">
-              <a:solidFill>
-                <a:srgbClr val="FFFF00"/>
-              </a:solidFill>
-              <a:latin typeface="arial"/>
-              <a:ea typeface="arial"/>
-              <a:cs typeface="arial"/>
-              <a:sym typeface="arial"/>
-            </a:rPr>
-            <a:t>)</a:t>
-          </a:r>
-          <a:endParaRPr lang="ko-KR" altLang="en-US">
-            <a:solidFill>
-              <a:srgbClr val="FFFF00"/>
-            </a:solidFill>
-          </a:endParaRPr>
-        </a:p>
-      </dgm:t>
-    </dgm:pt>
-    <dgm:pt modelId="{CDE618BB-80FF-DC48-9AE5-4CAAD3359DDE}" type="parTrans" cxnId="{F33669EF-DBEE-E24F-9BCA-75F63E7C3ECD}">
-      <dgm:prSet/>
-      <dgm:spPr/>
-      <dgm:t>
-        <a:bodyPr/>
-        <a:lstStyle/>
-        <a:p>
-          <a:pPr latinLnBrk="1"/>
-          <a:endParaRPr lang="ko-KR" altLang="en-US"/>
-        </a:p>
-      </dgm:t>
-    </dgm:pt>
-    <dgm:pt modelId="{7A57C9D0-8AA0-C142-89FC-74F48CD5FD51}" type="sibTrans" cxnId="{F33669EF-DBEE-E24F-9BCA-75F63E7C3ECD}">
-      <dgm:prSet/>
-      <dgm:spPr/>
-      <dgm:t>
-        <a:bodyPr/>
-        <a:lstStyle/>
-        <a:p>
-          <a:pPr latinLnBrk="1"/>
-          <a:endParaRPr lang="ko-KR" altLang="en-US"/>
-        </a:p>
-      </dgm:t>
-    </dgm:pt>
-    <dgm:pt modelId="{B0775149-3FE5-9B49-9BBA-CCFF141B406F}">
-      <dgm:prSet/>
-      <dgm:spPr/>
-      <dgm:t>
-        <a:bodyPr/>
-        <a:lstStyle/>
-        <a:p>
-          <a:pPr latinLnBrk="1"/>
-          <a:r>
-            <a:rPr lang="en-US" err="1">
-              <a:solidFill>
-                <a:srgbClr val="000000"/>
-              </a:solidFill>
-              <a:latin typeface="arial"/>
-              <a:ea typeface="arial"/>
-              <a:cs typeface="arial"/>
-              <a:sym typeface="arial"/>
-            </a:rPr>
-            <a:t>i</a:t>
-          </a:r>
-          <a:r>
-            <a:rPr lang="en-US">
-              <a:solidFill>
-                <a:srgbClr val="000000"/>
-              </a:solidFill>
-              <a:latin typeface="arial"/>
-              <a:ea typeface="arial"/>
-              <a:cs typeface="arial"/>
-              <a:sym typeface="arial"/>
-            </a:rPr>
-            <a:t>=3</a:t>
-          </a:r>
-          <a:r>
-            <a:rPr lang="ko-KR" altLang="en-US" err="1">
-              <a:solidFill>
-                <a:srgbClr val="000000"/>
-              </a:solidFill>
-              <a:latin typeface="arial"/>
-              <a:ea typeface="arial"/>
-              <a:cs typeface="arial"/>
-              <a:sym typeface="arial"/>
-            </a:rPr>
-            <a:t>부터</a:t>
-          </a:r>
-          <a:r>
-            <a:rPr lang="ko-KR" altLang="en-US">
-              <a:solidFill>
-                <a:srgbClr val="000000"/>
-              </a:solidFill>
-              <a:latin typeface="arial"/>
-              <a:ea typeface="arial"/>
-              <a:cs typeface="arial"/>
-              <a:sym typeface="arial"/>
-            </a:rPr>
-            <a:t> </a:t>
-          </a:r>
-          <a:r>
-            <a:rPr lang="en-US">
-              <a:solidFill>
-                <a:srgbClr val="000000"/>
-              </a:solidFill>
-              <a:latin typeface="arial"/>
-              <a:ea typeface="arial"/>
-              <a:cs typeface="arial"/>
-              <a:sym typeface="arial"/>
-            </a:rPr>
-            <a:t>n(</a:t>
-          </a:r>
-          <a:r>
-            <a:rPr lang="ko-KR" altLang="en-US">
-              <a:solidFill>
-                <a:srgbClr val="000000"/>
-              </a:solidFill>
-              <a:latin typeface="arial"/>
-              <a:ea typeface="arial"/>
-              <a:cs typeface="arial"/>
-              <a:sym typeface="arial"/>
-            </a:rPr>
-            <a:t>입력</a:t>
-          </a:r>
-          <a:r>
-            <a:rPr lang="en-US" altLang="ko-KR">
-              <a:solidFill>
-                <a:srgbClr val="000000"/>
-              </a:solidFill>
-              <a:latin typeface="arial"/>
-              <a:ea typeface="arial"/>
-              <a:cs typeface="arial"/>
-              <a:sym typeface="arial"/>
-            </a:rPr>
-            <a:t>)</a:t>
-          </a:r>
-          <a:r>
-            <a:rPr lang="ko-KR" altLang="en-US">
-              <a:solidFill>
-                <a:srgbClr val="000000"/>
-              </a:solidFill>
-              <a:latin typeface="arial"/>
-              <a:ea typeface="arial"/>
-              <a:cs typeface="arial"/>
-              <a:sym typeface="arial"/>
-            </a:rPr>
-            <a:t>까지 각각의 숫자를 </a:t>
-          </a:r>
-          <a:r>
-            <a:rPr lang="en-US" altLang="ko-KR">
-              <a:solidFill>
-                <a:srgbClr val="000000"/>
-              </a:solidFill>
-              <a:latin typeface="arial"/>
-              <a:ea typeface="arial"/>
-              <a:cs typeface="arial"/>
-              <a:sym typeface="arial"/>
-            </a:rPr>
-            <a:t>++</a:t>
-          </a:r>
-          <a:r>
-            <a:rPr lang="ko-KR" altLang="en-US">
-              <a:solidFill>
-                <a:srgbClr val="000000"/>
-              </a:solidFill>
-              <a:latin typeface="arial"/>
-              <a:ea typeface="arial"/>
-              <a:cs typeface="arial"/>
-              <a:sym typeface="arial"/>
-            </a:rPr>
-            <a:t> </a:t>
-          </a:r>
-          <a:r>
-            <a:rPr lang="en-US" altLang="ko-KR">
-              <a:solidFill>
-                <a:srgbClr val="000000"/>
-              </a:solidFill>
-              <a:latin typeface="arial"/>
-              <a:ea typeface="arial"/>
-              <a:cs typeface="arial"/>
-              <a:sym typeface="arial"/>
-            </a:rPr>
-            <a:t>( 3~n</a:t>
-          </a:r>
-          <a:r>
-            <a:rPr lang="ko-KR" altLang="en-US">
-              <a:solidFill>
-                <a:srgbClr val="000000"/>
-              </a:solidFill>
-              <a:latin typeface="arial"/>
-              <a:ea typeface="arial"/>
-              <a:cs typeface="arial"/>
-              <a:sym typeface="arial"/>
-            </a:rPr>
-            <a:t> 소수 구하기</a:t>
-          </a:r>
-          <a:r>
-            <a:rPr lang="en-US" altLang="ko-KR">
-              <a:solidFill>
-                <a:srgbClr val="000000"/>
-              </a:solidFill>
-              <a:latin typeface="arial"/>
-              <a:ea typeface="arial"/>
-              <a:cs typeface="arial"/>
-              <a:sym typeface="arial"/>
-            </a:rPr>
-            <a:t>)</a:t>
-          </a:r>
-          <a:endParaRPr lang="ko-KR" altLang="en-US"/>
-        </a:p>
-      </dgm:t>
-    </dgm:pt>
-    <dgm:pt modelId="{0D968224-9052-4346-A381-71B2E5F5E3FF}" type="parTrans" cxnId="{A4B93D94-2BBC-AF45-BC94-EAD0AC9A77D0}">
-      <dgm:prSet/>
-      <dgm:spPr/>
-      <dgm:t>
-        <a:bodyPr/>
-        <a:lstStyle/>
-        <a:p>
-          <a:pPr latinLnBrk="1"/>
-          <a:endParaRPr lang="ko-KR" altLang="en-US"/>
-        </a:p>
-      </dgm:t>
-    </dgm:pt>
-    <dgm:pt modelId="{1755CBBE-59B4-EA4D-904A-DF896654DC4F}" type="sibTrans" cxnId="{A4B93D94-2BBC-AF45-BC94-EAD0AC9A77D0}">
-      <dgm:prSet/>
-      <dgm:spPr/>
-      <dgm:t>
-        <a:bodyPr/>
-        <a:lstStyle/>
-        <a:p>
-          <a:pPr latinLnBrk="1"/>
-          <a:endParaRPr lang="ko-KR" altLang="en-US"/>
-        </a:p>
-      </dgm:t>
-    </dgm:pt>
-    <dgm:pt modelId="{824F3CE1-ED6E-C847-8626-4F6260E9882A}">
-      <dgm:prSet/>
-      <dgm:spPr/>
-      <dgm:t>
-        <a:bodyPr/>
-        <a:lstStyle/>
-        <a:p>
-          <a:pPr latinLnBrk="1"/>
-          <a:r>
-            <a:rPr lang="en-US">
-              <a:solidFill>
-                <a:srgbClr val="000000"/>
-              </a:solidFill>
-              <a:latin typeface="arial"/>
-              <a:ea typeface="arial"/>
-              <a:cs typeface="arial"/>
-              <a:sym typeface="arial"/>
-            </a:rPr>
-            <a:t>2부터 </a:t>
-          </a:r>
-          <a:r>
-            <a:rPr lang="en-US" err="1">
-              <a:solidFill>
-                <a:srgbClr val="000000"/>
-              </a:solidFill>
-              <a:latin typeface="arial"/>
-              <a:ea typeface="arial"/>
-              <a:cs typeface="arial"/>
-              <a:sym typeface="arial"/>
-            </a:rPr>
-            <a:t>i</a:t>
-          </a:r>
-          <a:r>
-            <a:rPr lang="ko-KR" altLang="en-US">
-              <a:solidFill>
-                <a:schemeClr val="tx1"/>
-              </a:solidFill>
-              <a:latin typeface="arial"/>
-              <a:ea typeface="arial"/>
-              <a:cs typeface="arial"/>
-              <a:sym typeface="arial"/>
-            </a:rPr>
-            <a:t>까지 늘리면서 </a:t>
-          </a:r>
-          <a:r>
-            <a:rPr lang="en-US" altLang="ko-KR">
-              <a:solidFill>
-                <a:schemeClr val="tx1"/>
-              </a:solidFill>
-              <a:latin typeface="arial"/>
-              <a:ea typeface="arial"/>
-              <a:cs typeface="arial"/>
-              <a:sym typeface="arial"/>
-            </a:rPr>
-            <a:t>“</a:t>
-          </a:r>
-          <a:r>
-            <a:rPr lang="en-US" altLang="ko-KR" err="1">
-              <a:solidFill>
-                <a:schemeClr val="tx1"/>
-              </a:solidFill>
-              <a:latin typeface="arial"/>
-              <a:ea typeface="arial"/>
-              <a:cs typeface="arial"/>
-              <a:sym typeface="arial"/>
-            </a:rPr>
-            <a:t>i%j</a:t>
-          </a:r>
-          <a:r>
-            <a:rPr lang="en-US" altLang="ko-KR">
-              <a:solidFill>
-                <a:schemeClr val="tx1"/>
-              </a:solidFill>
-              <a:latin typeface="arial"/>
-              <a:ea typeface="arial"/>
-              <a:cs typeface="arial"/>
-              <a:sym typeface="arial"/>
-            </a:rPr>
-            <a:t>”</a:t>
-          </a:r>
-          <a:r>
-            <a:rPr lang="ko-KR" altLang="en-US">
-              <a:solidFill>
-                <a:schemeClr val="tx1"/>
-              </a:solidFill>
-              <a:latin typeface="arial"/>
-              <a:ea typeface="arial"/>
-              <a:cs typeface="arial"/>
-              <a:sym typeface="arial"/>
-            </a:rPr>
-            <a:t>가 딱 떨어지면 소수가 아님</a:t>
-          </a:r>
-          <a:endParaRPr lang="en-US" altLang="ko-KR">
-            <a:solidFill>
-              <a:schemeClr val="tx1"/>
-            </a:solidFill>
-            <a:latin typeface="arial"/>
-            <a:ea typeface="arial"/>
-            <a:cs typeface="arial"/>
-            <a:sym typeface="arial"/>
-          </a:endParaRPr>
-        </a:p>
-      </dgm:t>
-    </dgm:pt>
-    <dgm:pt modelId="{5A763AC4-BD18-D042-9F47-90E6373FAD03}" type="parTrans" cxnId="{6F953E4B-301D-4743-9CBD-CF8454790E2C}">
-      <dgm:prSet/>
-      <dgm:spPr/>
-      <dgm:t>
-        <a:bodyPr/>
-        <a:lstStyle/>
-        <a:p>
-          <a:pPr latinLnBrk="1"/>
-          <a:endParaRPr lang="ko-KR" altLang="en-US"/>
-        </a:p>
-      </dgm:t>
-    </dgm:pt>
-    <dgm:pt modelId="{C531C0F9-C0F1-EF4D-A6A1-081CC45C5582}" type="sibTrans" cxnId="{6F953E4B-301D-4743-9CBD-CF8454790E2C}">
-      <dgm:prSet/>
-      <dgm:spPr/>
-      <dgm:t>
-        <a:bodyPr/>
-        <a:lstStyle/>
-        <a:p>
-          <a:pPr latinLnBrk="1"/>
-          <a:endParaRPr lang="ko-KR" altLang="en-US"/>
-        </a:p>
-      </dgm:t>
-    </dgm:pt>
-    <dgm:pt modelId="{CCE213B6-F962-6347-8329-44061B478B7D}">
-      <dgm:prSet/>
-      <dgm:spPr/>
-      <dgm:t>
-        <a:bodyPr/>
-        <a:lstStyle/>
-        <a:p>
-          <a:pPr latinLnBrk="1"/>
-          <a:r>
-            <a:rPr lang="ko-KR" altLang="en-US">
-              <a:solidFill>
-                <a:schemeClr val="tx1"/>
-              </a:solidFill>
-              <a:latin typeface="arial"/>
-              <a:ea typeface="arial"/>
-              <a:cs typeface="arial"/>
-              <a:sym typeface="arial"/>
-            </a:rPr>
-            <a:t>결국 모두 나누어 떨어지지 않으면 소수이다</a:t>
-          </a:r>
-          <a:r>
-            <a:rPr lang="en-US" altLang="ko-KR">
-              <a:solidFill>
-                <a:schemeClr val="tx1"/>
-              </a:solidFill>
-              <a:latin typeface="arial"/>
-              <a:ea typeface="arial"/>
-              <a:cs typeface="arial"/>
-              <a:sym typeface="arial"/>
-            </a:rPr>
-            <a:t>.</a:t>
-          </a:r>
-        </a:p>
-      </dgm:t>
-    </dgm:pt>
-    <dgm:pt modelId="{2E83D2B1-28F6-C847-851C-E29760106241}" type="parTrans" cxnId="{A2B15A2C-5B47-C345-8E26-D40DB4464DF1}">
-      <dgm:prSet/>
-      <dgm:spPr/>
-      <dgm:t>
-        <a:bodyPr/>
-        <a:lstStyle/>
-        <a:p>
-          <a:pPr latinLnBrk="1"/>
-          <a:endParaRPr lang="ko-KR" altLang="en-US"/>
-        </a:p>
-      </dgm:t>
-    </dgm:pt>
-    <dgm:pt modelId="{66248C6E-062E-984B-8E49-B10F904D1054}" type="sibTrans" cxnId="{A2B15A2C-5B47-C345-8E26-D40DB4464DF1}">
-      <dgm:prSet/>
-      <dgm:spPr/>
-      <dgm:t>
-        <a:bodyPr/>
-        <a:lstStyle/>
-        <a:p>
-          <a:pPr latinLnBrk="1"/>
-          <a:endParaRPr lang="ko-KR" altLang="en-US"/>
-        </a:p>
-      </dgm:t>
-    </dgm:pt>
-    <dgm:pt modelId="{26ECD7B0-781D-514A-973A-D8AFAAB7DA44}">
-      <dgm:prSet/>
-      <dgm:spPr/>
-      <dgm:t>
-        <a:bodyPr/>
-        <a:lstStyle/>
-        <a:p>
-          <a:pPr latinLnBrk="1"/>
-          <a:r>
-            <a:rPr lang="ko-KR" altLang="en-US">
-              <a:solidFill>
-                <a:schemeClr val="tx1"/>
-              </a:solidFill>
-              <a:latin typeface="arial"/>
-              <a:ea typeface="arial"/>
-              <a:cs typeface="arial"/>
-              <a:sym typeface="arial"/>
-            </a:rPr>
-            <a:t>소수는 순서대로 출력한다</a:t>
-          </a:r>
-          <a:r>
-            <a:rPr lang="en-US" altLang="ko-KR">
-              <a:solidFill>
-                <a:schemeClr val="tx1"/>
-              </a:solidFill>
-              <a:latin typeface="arial"/>
-              <a:ea typeface="arial"/>
-              <a:cs typeface="arial"/>
-              <a:sym typeface="arial"/>
-            </a:rPr>
-            <a:t>.</a:t>
-          </a:r>
-          <a:endParaRPr lang="ko-KR" altLang="en-US">
-            <a:solidFill>
-              <a:schemeClr val="tx1"/>
-            </a:solidFill>
-            <a:latin typeface="arial"/>
-            <a:ea typeface="arial"/>
-            <a:cs typeface="arial"/>
-            <a:sym typeface="arial"/>
-          </a:endParaRPr>
-        </a:p>
-      </dgm:t>
-    </dgm:pt>
-    <dgm:pt modelId="{98C9B818-6DA3-9748-8704-7BBF151AC22A}" type="parTrans" cxnId="{DDFC3DA9-A57E-3E44-B2BE-B592AE1B1B9E}">
-      <dgm:prSet/>
-      <dgm:spPr/>
-      <dgm:t>
-        <a:bodyPr/>
-        <a:lstStyle/>
-        <a:p>
-          <a:pPr latinLnBrk="1"/>
-          <a:endParaRPr lang="ko-KR" altLang="en-US"/>
-        </a:p>
-      </dgm:t>
-    </dgm:pt>
-    <dgm:pt modelId="{E4CAC493-C473-0B43-BEDD-D48289B8EEEE}" type="sibTrans" cxnId="{DDFC3DA9-A57E-3E44-B2BE-B592AE1B1B9E}">
-      <dgm:prSet/>
-      <dgm:spPr/>
-      <dgm:t>
-        <a:bodyPr/>
-        <a:lstStyle/>
-        <a:p>
-          <a:pPr latinLnBrk="1"/>
-          <a:endParaRPr lang="ko-KR" altLang="en-US"/>
-        </a:p>
-      </dgm:t>
-    </dgm:pt>
-    <dgm:pt modelId="{E4A9B01B-FA7E-934D-92AC-B0E2E8BF0B61}" type="pres">
-      <dgm:prSet presAssocID="{C1C5CD19-5814-5849-87F6-5EC4666BF004}" presName="linear" presStyleCnt="0">
-        <dgm:presLayoutVars>
-          <dgm:dir/>
-          <dgm:animLvl val="lvl"/>
-          <dgm:resizeHandles val="exact"/>
-        </dgm:presLayoutVars>
-      </dgm:prSet>
-      <dgm:spPr/>
-    </dgm:pt>
-    <dgm:pt modelId="{3A0486FF-E3B2-EE41-A013-BA59F1F0FCA1}" type="pres">
-      <dgm:prSet presAssocID="{ED6B0982-8978-A143-BC5C-249DB1D2F70C}" presName="parentLin" presStyleCnt="0"/>
-      <dgm:spPr/>
-    </dgm:pt>
-    <dgm:pt modelId="{2A800B87-E316-9149-9837-35B41C618BF3}" type="pres">
-      <dgm:prSet presAssocID="{ED6B0982-8978-A143-BC5C-249DB1D2F70C}" presName="parentLeftMargin" presStyleLbl="node1" presStyleIdx="0" presStyleCnt="5"/>
-      <dgm:spPr/>
-    </dgm:pt>
-    <dgm:pt modelId="{16548165-2543-6349-ABD7-61F7005BA35E}" type="pres">
-      <dgm:prSet presAssocID="{ED6B0982-8978-A143-BC5C-249DB1D2F70C}" presName="parentText" presStyleLbl="node1" presStyleIdx="0" presStyleCnt="5">
-        <dgm:presLayoutVars>
-          <dgm:chMax val="0"/>
-          <dgm:bulletEnabled val="1"/>
-        </dgm:presLayoutVars>
-      </dgm:prSet>
-      <dgm:spPr/>
-    </dgm:pt>
-    <dgm:pt modelId="{5F14059F-C639-5A4F-9C15-D3FA5B1E48E5}" type="pres">
-      <dgm:prSet presAssocID="{ED6B0982-8978-A143-BC5C-249DB1D2F70C}" presName="negativeSpace" presStyleCnt="0"/>
-      <dgm:spPr/>
-    </dgm:pt>
-    <dgm:pt modelId="{AF6C81C7-3FBF-904E-B5B5-A20C3B1C16AD}" type="pres">
-      <dgm:prSet presAssocID="{ED6B0982-8978-A143-BC5C-249DB1D2F70C}" presName="childText" presStyleLbl="conFgAcc1" presStyleIdx="0" presStyleCnt="5">
-        <dgm:presLayoutVars>
-          <dgm:bulletEnabled val="1"/>
-        </dgm:presLayoutVars>
-      </dgm:prSet>
-      <dgm:spPr/>
-    </dgm:pt>
-    <dgm:pt modelId="{6D8A39C8-2A9B-1E4D-8E39-5EFCEDA17B03}" type="pres">
-      <dgm:prSet presAssocID="{7A57C9D0-8AA0-C142-89FC-74F48CD5FD51}" presName="spaceBetweenRectangles" presStyleCnt="0"/>
-      <dgm:spPr/>
-    </dgm:pt>
-    <dgm:pt modelId="{C150C3E0-7654-EE46-B318-2BAED260DD10}" type="pres">
-      <dgm:prSet presAssocID="{B0775149-3FE5-9B49-9BBA-CCFF141B406F}" presName="parentLin" presStyleCnt="0"/>
-      <dgm:spPr/>
-    </dgm:pt>
-    <dgm:pt modelId="{8B709C19-3B7E-A745-8102-282F75C692A9}" type="pres">
-      <dgm:prSet presAssocID="{B0775149-3FE5-9B49-9BBA-CCFF141B406F}" presName="parentLeftMargin" presStyleLbl="node1" presStyleIdx="0" presStyleCnt="5"/>
-      <dgm:spPr/>
-    </dgm:pt>
-    <dgm:pt modelId="{1C50E55B-1404-F44A-833F-6EBE1E6893DE}" type="pres">
-      <dgm:prSet presAssocID="{B0775149-3FE5-9B49-9BBA-CCFF141B406F}" presName="parentText" presStyleLbl="node1" presStyleIdx="1" presStyleCnt="5">
-        <dgm:presLayoutVars>
-          <dgm:chMax val="0"/>
-          <dgm:bulletEnabled val="1"/>
-        </dgm:presLayoutVars>
-      </dgm:prSet>
-      <dgm:spPr/>
-    </dgm:pt>
-    <dgm:pt modelId="{9BFFEAC7-34A1-934E-B558-8E8CFE6BFE66}" type="pres">
-      <dgm:prSet presAssocID="{B0775149-3FE5-9B49-9BBA-CCFF141B406F}" presName="negativeSpace" presStyleCnt="0"/>
-      <dgm:spPr/>
-    </dgm:pt>
-    <dgm:pt modelId="{A9F9B978-33C5-A543-92F2-C5A3875E178E}" type="pres">
-      <dgm:prSet presAssocID="{B0775149-3FE5-9B49-9BBA-CCFF141B406F}" presName="childText" presStyleLbl="conFgAcc1" presStyleIdx="1" presStyleCnt="5">
-        <dgm:presLayoutVars>
-          <dgm:bulletEnabled val="1"/>
-        </dgm:presLayoutVars>
-      </dgm:prSet>
-      <dgm:spPr/>
-    </dgm:pt>
-    <dgm:pt modelId="{31306793-B283-944C-8CA6-FAB1FF7A2B4C}" type="pres">
-      <dgm:prSet presAssocID="{1755CBBE-59B4-EA4D-904A-DF896654DC4F}" presName="spaceBetweenRectangles" presStyleCnt="0"/>
-      <dgm:spPr/>
-    </dgm:pt>
-    <dgm:pt modelId="{7CCA894A-2125-2E4F-8BC5-CBB3DE754689}" type="pres">
-      <dgm:prSet presAssocID="{824F3CE1-ED6E-C847-8626-4F6260E9882A}" presName="parentLin" presStyleCnt="0"/>
-      <dgm:spPr/>
-    </dgm:pt>
-    <dgm:pt modelId="{6571A5D5-EC27-7F4C-85FC-B75E6E99CFE3}" type="pres">
-      <dgm:prSet presAssocID="{824F3CE1-ED6E-C847-8626-4F6260E9882A}" presName="parentLeftMargin" presStyleLbl="node1" presStyleIdx="1" presStyleCnt="5"/>
-      <dgm:spPr/>
-    </dgm:pt>
-    <dgm:pt modelId="{6CBAC4F9-410E-2C4E-9108-7BDCC8F62F5C}" type="pres">
-      <dgm:prSet presAssocID="{824F3CE1-ED6E-C847-8626-4F6260E9882A}" presName="parentText" presStyleLbl="node1" presStyleIdx="2" presStyleCnt="5">
-        <dgm:presLayoutVars>
-          <dgm:chMax val="0"/>
-          <dgm:bulletEnabled val="1"/>
-        </dgm:presLayoutVars>
-      </dgm:prSet>
-      <dgm:spPr/>
-    </dgm:pt>
-    <dgm:pt modelId="{4D192488-D01C-8647-940D-B3AE6556421C}" type="pres">
-      <dgm:prSet presAssocID="{824F3CE1-ED6E-C847-8626-4F6260E9882A}" presName="negativeSpace" presStyleCnt="0"/>
-      <dgm:spPr/>
-    </dgm:pt>
-    <dgm:pt modelId="{5220B736-2475-FD44-8BF2-CC6BD7702EB3}" type="pres">
-      <dgm:prSet presAssocID="{824F3CE1-ED6E-C847-8626-4F6260E9882A}" presName="childText" presStyleLbl="conFgAcc1" presStyleIdx="2" presStyleCnt="5">
-        <dgm:presLayoutVars>
-          <dgm:bulletEnabled val="1"/>
-        </dgm:presLayoutVars>
-      </dgm:prSet>
-      <dgm:spPr/>
-    </dgm:pt>
-    <dgm:pt modelId="{2BDC5034-A39A-314B-A569-2836F7AF8823}" type="pres">
-      <dgm:prSet presAssocID="{C531C0F9-C0F1-EF4D-A6A1-081CC45C5582}" presName="spaceBetweenRectangles" presStyleCnt="0"/>
-      <dgm:spPr/>
-    </dgm:pt>
-    <dgm:pt modelId="{CFD66E85-AAB5-4D42-A26D-1B6495FC4822}" type="pres">
-      <dgm:prSet presAssocID="{CCE213B6-F962-6347-8329-44061B478B7D}" presName="parentLin" presStyleCnt="0"/>
-      <dgm:spPr/>
-    </dgm:pt>
-    <dgm:pt modelId="{CBADF9CA-4CEA-8A4A-B386-B261A2E09A5C}" type="pres">
-      <dgm:prSet presAssocID="{CCE213B6-F962-6347-8329-44061B478B7D}" presName="parentLeftMargin" presStyleLbl="node1" presStyleIdx="2" presStyleCnt="5"/>
-      <dgm:spPr/>
-    </dgm:pt>
-    <dgm:pt modelId="{7F558FC1-9331-4D49-906B-B55716153010}" type="pres">
-      <dgm:prSet presAssocID="{CCE213B6-F962-6347-8329-44061B478B7D}" presName="parentText" presStyleLbl="node1" presStyleIdx="3" presStyleCnt="5">
-        <dgm:presLayoutVars>
-          <dgm:chMax val="0"/>
-          <dgm:bulletEnabled val="1"/>
-        </dgm:presLayoutVars>
-      </dgm:prSet>
-      <dgm:spPr/>
-    </dgm:pt>
-    <dgm:pt modelId="{5D3E5E96-84C8-CD4A-A5C2-67F9B4F65D39}" type="pres">
-      <dgm:prSet presAssocID="{CCE213B6-F962-6347-8329-44061B478B7D}" presName="negativeSpace" presStyleCnt="0"/>
-      <dgm:spPr/>
-    </dgm:pt>
-    <dgm:pt modelId="{4F6D3812-E71B-1248-BF45-5C0004193900}" type="pres">
-      <dgm:prSet presAssocID="{CCE213B6-F962-6347-8329-44061B478B7D}" presName="childText" presStyleLbl="conFgAcc1" presStyleIdx="3" presStyleCnt="5">
-        <dgm:presLayoutVars>
-          <dgm:bulletEnabled val="1"/>
-        </dgm:presLayoutVars>
-      </dgm:prSet>
-      <dgm:spPr/>
-    </dgm:pt>
-    <dgm:pt modelId="{FDC395E5-FF6D-3D4E-A10C-E7005ED96C04}" type="pres">
-      <dgm:prSet presAssocID="{66248C6E-062E-984B-8E49-B10F904D1054}" presName="spaceBetweenRectangles" presStyleCnt="0"/>
-      <dgm:spPr/>
-    </dgm:pt>
-    <dgm:pt modelId="{E1E4FE2E-8199-674B-87E5-08EDD9EEA8C6}" type="pres">
-      <dgm:prSet presAssocID="{26ECD7B0-781D-514A-973A-D8AFAAB7DA44}" presName="parentLin" presStyleCnt="0"/>
-      <dgm:spPr/>
-    </dgm:pt>
-    <dgm:pt modelId="{E000F133-35C6-E04E-925E-22FDA89C61FC}" type="pres">
-      <dgm:prSet presAssocID="{26ECD7B0-781D-514A-973A-D8AFAAB7DA44}" presName="parentLeftMargin" presStyleLbl="node1" presStyleIdx="3" presStyleCnt="5"/>
-      <dgm:spPr/>
-    </dgm:pt>
-    <dgm:pt modelId="{87CE0234-DD6A-B345-9CCA-77CA1E6C8616}" type="pres">
-      <dgm:prSet presAssocID="{26ECD7B0-781D-514A-973A-D8AFAAB7DA44}" presName="parentText" presStyleLbl="node1" presStyleIdx="4" presStyleCnt="5">
-        <dgm:presLayoutVars>
-          <dgm:chMax val="0"/>
-          <dgm:bulletEnabled val="1"/>
-        </dgm:presLayoutVars>
-      </dgm:prSet>
-      <dgm:spPr/>
-    </dgm:pt>
-    <dgm:pt modelId="{BB3EA4F5-2D53-A24A-9494-A7B08105439F}" type="pres">
-      <dgm:prSet presAssocID="{26ECD7B0-781D-514A-973A-D8AFAAB7DA44}" presName="negativeSpace" presStyleCnt="0"/>
-      <dgm:spPr/>
-    </dgm:pt>
-    <dgm:pt modelId="{8DB82077-8BC3-D542-B13C-312C6B2D0F65}" type="pres">
-      <dgm:prSet presAssocID="{26ECD7B0-781D-514A-973A-D8AFAAB7DA44}" presName="childText" presStyleLbl="conFgAcc1" presStyleIdx="4" presStyleCnt="5">
-        <dgm:presLayoutVars>
-          <dgm:bulletEnabled val="1"/>
-        </dgm:presLayoutVars>
-      </dgm:prSet>
-      <dgm:spPr/>
-    </dgm:pt>
-  </dgm:ptLst>
-  <dgm:cxnLst>
-    <dgm:cxn modelId="{A1189014-9253-2D40-86DA-1E94AD92D403}" type="presOf" srcId="{ED6B0982-8978-A143-BC5C-249DB1D2F70C}" destId="{16548165-2543-6349-ABD7-61F7005BA35E}" srcOrd="1" destOrd="0" presId="urn:microsoft.com/office/officeart/2005/8/layout/list1"/>
-    <dgm:cxn modelId="{A2B15A2C-5B47-C345-8E26-D40DB4464DF1}" srcId="{C1C5CD19-5814-5849-87F6-5EC4666BF004}" destId="{CCE213B6-F962-6347-8329-44061B478B7D}" srcOrd="3" destOrd="0" parTransId="{2E83D2B1-28F6-C847-851C-E29760106241}" sibTransId="{66248C6E-062E-984B-8E49-B10F904D1054}"/>
-    <dgm:cxn modelId="{6C8AB43A-7AD3-F94A-9507-81EBB48B28A4}" type="presOf" srcId="{26ECD7B0-781D-514A-973A-D8AFAAB7DA44}" destId="{87CE0234-DD6A-B345-9CCA-77CA1E6C8616}" srcOrd="1" destOrd="0" presId="urn:microsoft.com/office/officeart/2005/8/layout/list1"/>
-    <dgm:cxn modelId="{6F953E4B-301D-4743-9CBD-CF8454790E2C}" srcId="{C1C5CD19-5814-5849-87F6-5EC4666BF004}" destId="{824F3CE1-ED6E-C847-8626-4F6260E9882A}" srcOrd="2" destOrd="0" parTransId="{5A763AC4-BD18-D042-9F47-90E6373FAD03}" sibTransId="{C531C0F9-C0F1-EF4D-A6A1-081CC45C5582}"/>
-    <dgm:cxn modelId="{BBF8586A-83F5-0C48-8667-64EA2337B541}" type="presOf" srcId="{824F3CE1-ED6E-C847-8626-4F6260E9882A}" destId="{6571A5D5-EC27-7F4C-85FC-B75E6E99CFE3}" srcOrd="0" destOrd="0" presId="urn:microsoft.com/office/officeart/2005/8/layout/list1"/>
-    <dgm:cxn modelId="{BFD40E8B-84FF-AF4B-92D1-281BB91BC6F0}" type="presOf" srcId="{CCE213B6-F962-6347-8329-44061B478B7D}" destId="{7F558FC1-9331-4D49-906B-B55716153010}" srcOrd="1" destOrd="0" presId="urn:microsoft.com/office/officeart/2005/8/layout/list1"/>
-    <dgm:cxn modelId="{A4B93D94-2BBC-AF45-BC94-EAD0AC9A77D0}" srcId="{C1C5CD19-5814-5849-87F6-5EC4666BF004}" destId="{B0775149-3FE5-9B49-9BBA-CCFF141B406F}" srcOrd="1" destOrd="0" parTransId="{0D968224-9052-4346-A381-71B2E5F5E3FF}" sibTransId="{1755CBBE-59B4-EA4D-904A-DF896654DC4F}"/>
-    <dgm:cxn modelId="{3EFDD99E-9FB6-8442-8B58-4A20150EB620}" type="presOf" srcId="{B0775149-3FE5-9B49-9BBA-CCFF141B406F}" destId="{1C50E55B-1404-F44A-833F-6EBE1E6893DE}" srcOrd="1" destOrd="0" presId="urn:microsoft.com/office/officeart/2005/8/layout/list1"/>
-    <dgm:cxn modelId="{A7A8F3A3-66DD-E349-A3D5-E421F2392515}" type="presOf" srcId="{B0775149-3FE5-9B49-9BBA-CCFF141B406F}" destId="{8B709C19-3B7E-A745-8102-282F75C692A9}" srcOrd="0" destOrd="0" presId="urn:microsoft.com/office/officeart/2005/8/layout/list1"/>
-    <dgm:cxn modelId="{DDFC3DA9-A57E-3E44-B2BE-B592AE1B1B9E}" srcId="{C1C5CD19-5814-5849-87F6-5EC4666BF004}" destId="{26ECD7B0-781D-514A-973A-D8AFAAB7DA44}" srcOrd="4" destOrd="0" parTransId="{98C9B818-6DA3-9748-8704-7BBF151AC22A}" sibTransId="{E4CAC493-C473-0B43-BEDD-D48289B8EEEE}"/>
-    <dgm:cxn modelId="{2C74C9BF-6944-0040-99A6-1659451E8975}" type="presOf" srcId="{ED6B0982-8978-A143-BC5C-249DB1D2F70C}" destId="{2A800B87-E316-9149-9837-35B41C618BF3}" srcOrd="0" destOrd="0" presId="urn:microsoft.com/office/officeart/2005/8/layout/list1"/>
-    <dgm:cxn modelId="{89585ACD-7616-1E40-9D7D-BCB640E2CD2B}" type="presOf" srcId="{824F3CE1-ED6E-C847-8626-4F6260E9882A}" destId="{6CBAC4F9-410E-2C4E-9108-7BDCC8F62F5C}" srcOrd="1" destOrd="0" presId="urn:microsoft.com/office/officeart/2005/8/layout/list1"/>
-    <dgm:cxn modelId="{D32C75D2-6B20-774D-8759-A9B3F052E94F}" type="presOf" srcId="{26ECD7B0-781D-514A-973A-D8AFAAB7DA44}" destId="{E000F133-35C6-E04E-925E-22FDA89C61FC}" srcOrd="0" destOrd="0" presId="urn:microsoft.com/office/officeart/2005/8/layout/list1"/>
-    <dgm:cxn modelId="{F33669EF-DBEE-E24F-9BCA-75F63E7C3ECD}" srcId="{C1C5CD19-5814-5849-87F6-5EC4666BF004}" destId="{ED6B0982-8978-A143-BC5C-249DB1D2F70C}" srcOrd="0" destOrd="0" parTransId="{CDE618BB-80FF-DC48-9AE5-4CAAD3359DDE}" sibTransId="{7A57C9D0-8AA0-C142-89FC-74F48CD5FD51}"/>
-    <dgm:cxn modelId="{5B52FAF5-EF69-5C40-B2AC-374DEE5252DE}" type="presOf" srcId="{C1C5CD19-5814-5849-87F6-5EC4666BF004}" destId="{E4A9B01B-FA7E-934D-92AC-B0E2E8BF0B61}" srcOrd="0" destOrd="0" presId="urn:microsoft.com/office/officeart/2005/8/layout/list1"/>
-    <dgm:cxn modelId="{6F70AEF7-2BA2-D845-BAF2-B7FEB4EC0B62}" type="presOf" srcId="{CCE213B6-F962-6347-8329-44061B478B7D}" destId="{CBADF9CA-4CEA-8A4A-B386-B261A2E09A5C}" srcOrd="0" destOrd="0" presId="urn:microsoft.com/office/officeart/2005/8/layout/list1"/>
-    <dgm:cxn modelId="{3C2A0A08-2FCC-0B4B-85BF-F9F873AF3B1C}" type="presParOf" srcId="{E4A9B01B-FA7E-934D-92AC-B0E2E8BF0B61}" destId="{3A0486FF-E3B2-EE41-A013-BA59F1F0FCA1}" srcOrd="0" destOrd="0" presId="urn:microsoft.com/office/officeart/2005/8/layout/list1"/>
-    <dgm:cxn modelId="{07BFEA6B-1986-BC4C-ABAD-0254B299757F}" type="presParOf" srcId="{3A0486FF-E3B2-EE41-A013-BA59F1F0FCA1}" destId="{2A800B87-E316-9149-9837-35B41C618BF3}" srcOrd="0" destOrd="0" presId="urn:microsoft.com/office/officeart/2005/8/layout/list1"/>
-    <dgm:cxn modelId="{161D1C39-F797-6E43-B3A0-C48782E3185D}" type="presParOf" srcId="{3A0486FF-E3B2-EE41-A013-BA59F1F0FCA1}" destId="{16548165-2543-6349-ABD7-61F7005BA35E}" srcOrd="1" destOrd="0" presId="urn:microsoft.com/office/officeart/2005/8/layout/list1"/>
-    <dgm:cxn modelId="{A8A1FA18-AE83-8844-A910-2281C5075489}" type="presParOf" srcId="{E4A9B01B-FA7E-934D-92AC-B0E2E8BF0B61}" destId="{5F14059F-C639-5A4F-9C15-D3FA5B1E48E5}" srcOrd="1" destOrd="0" presId="urn:microsoft.com/office/officeart/2005/8/layout/list1"/>
-    <dgm:cxn modelId="{D9772852-F6D8-BF44-A35B-97D3D0DB93C5}" type="presParOf" srcId="{E4A9B01B-FA7E-934D-92AC-B0E2E8BF0B61}" destId="{AF6C81C7-3FBF-904E-B5B5-A20C3B1C16AD}" srcOrd="2" destOrd="0" presId="urn:microsoft.com/office/officeart/2005/8/layout/list1"/>
-    <dgm:cxn modelId="{718E14D6-FB64-1247-B0DA-9DF4EF3F3DD0}" type="presParOf" srcId="{E4A9B01B-FA7E-934D-92AC-B0E2E8BF0B61}" destId="{6D8A39C8-2A9B-1E4D-8E39-5EFCEDA17B03}" srcOrd="3" destOrd="0" presId="urn:microsoft.com/office/officeart/2005/8/layout/list1"/>
-    <dgm:cxn modelId="{A558F2A2-151C-E847-9ED7-412E98FD95CE}" type="presParOf" srcId="{E4A9B01B-FA7E-934D-92AC-B0E2E8BF0B61}" destId="{C150C3E0-7654-EE46-B318-2BAED260DD10}" srcOrd="4" destOrd="0" presId="urn:microsoft.com/office/officeart/2005/8/layout/list1"/>
-    <dgm:cxn modelId="{CC014958-06DA-1440-9094-8CD28C3F9CC3}" type="presParOf" srcId="{C150C3E0-7654-EE46-B318-2BAED260DD10}" destId="{8B709C19-3B7E-A745-8102-282F75C692A9}" srcOrd="0" destOrd="0" presId="urn:microsoft.com/office/officeart/2005/8/layout/list1"/>
-    <dgm:cxn modelId="{B8F991A2-AD02-3A41-9C47-1BBCA277C2F7}" type="presParOf" srcId="{C150C3E0-7654-EE46-B318-2BAED260DD10}" destId="{1C50E55B-1404-F44A-833F-6EBE1E6893DE}" srcOrd="1" destOrd="0" presId="urn:microsoft.com/office/officeart/2005/8/layout/list1"/>
-    <dgm:cxn modelId="{46703152-9CEB-D148-A0D9-7E5B2A6DF7B8}" type="presParOf" srcId="{E4A9B01B-FA7E-934D-92AC-B0E2E8BF0B61}" destId="{9BFFEAC7-34A1-934E-B558-8E8CFE6BFE66}" srcOrd="5" destOrd="0" presId="urn:microsoft.com/office/officeart/2005/8/layout/list1"/>
-    <dgm:cxn modelId="{5E8CA977-BED0-EB42-9D70-9A5D209DF464}" type="presParOf" srcId="{E4A9B01B-FA7E-934D-92AC-B0E2E8BF0B61}" destId="{A9F9B978-33C5-A543-92F2-C5A3875E178E}" srcOrd="6" destOrd="0" presId="urn:microsoft.com/office/officeart/2005/8/layout/list1"/>
-    <dgm:cxn modelId="{AC7D8CFE-4DBA-7243-868C-95F3CCF5D04D}" type="presParOf" srcId="{E4A9B01B-FA7E-934D-92AC-B0E2E8BF0B61}" destId="{31306793-B283-944C-8CA6-FAB1FF7A2B4C}" srcOrd="7" destOrd="0" presId="urn:microsoft.com/office/officeart/2005/8/layout/list1"/>
-    <dgm:cxn modelId="{796323A8-8006-944D-9AFC-593782906514}" type="presParOf" srcId="{E4A9B01B-FA7E-934D-92AC-B0E2E8BF0B61}" destId="{7CCA894A-2125-2E4F-8BC5-CBB3DE754689}" srcOrd="8" destOrd="0" presId="urn:microsoft.com/office/officeart/2005/8/layout/list1"/>
-    <dgm:cxn modelId="{4BDF5692-810C-E64A-BC7E-D43EAC8E3B9C}" type="presParOf" srcId="{7CCA894A-2125-2E4F-8BC5-CBB3DE754689}" destId="{6571A5D5-EC27-7F4C-85FC-B75E6E99CFE3}" srcOrd="0" destOrd="0" presId="urn:microsoft.com/office/officeart/2005/8/layout/list1"/>
-    <dgm:cxn modelId="{06C888A7-3926-DC4E-A9E2-971A0EC02865}" type="presParOf" srcId="{7CCA894A-2125-2E4F-8BC5-CBB3DE754689}" destId="{6CBAC4F9-410E-2C4E-9108-7BDCC8F62F5C}" srcOrd="1" destOrd="0" presId="urn:microsoft.com/office/officeart/2005/8/layout/list1"/>
-    <dgm:cxn modelId="{C8DD3DA7-AF32-5B4F-8B07-C2945EB6ADCC}" type="presParOf" srcId="{E4A9B01B-FA7E-934D-92AC-B0E2E8BF0B61}" destId="{4D192488-D01C-8647-940D-B3AE6556421C}" srcOrd="9" destOrd="0" presId="urn:microsoft.com/office/officeart/2005/8/layout/list1"/>
-    <dgm:cxn modelId="{C9BFDF27-F22B-BB45-AA3E-94D0D863D81C}" type="presParOf" srcId="{E4A9B01B-FA7E-934D-92AC-B0E2E8BF0B61}" destId="{5220B736-2475-FD44-8BF2-CC6BD7702EB3}" srcOrd="10" destOrd="0" presId="urn:microsoft.com/office/officeart/2005/8/layout/list1"/>
-    <dgm:cxn modelId="{60D0FA12-ED3C-6347-AD0F-A3E4D1673F4E}" type="presParOf" srcId="{E4A9B01B-FA7E-934D-92AC-B0E2E8BF0B61}" destId="{2BDC5034-A39A-314B-A569-2836F7AF8823}" srcOrd="11" destOrd="0" presId="urn:microsoft.com/office/officeart/2005/8/layout/list1"/>
-    <dgm:cxn modelId="{08390334-0166-094C-9E7A-519DAC1D511B}" type="presParOf" srcId="{E4A9B01B-FA7E-934D-92AC-B0E2E8BF0B61}" destId="{CFD66E85-AAB5-4D42-A26D-1B6495FC4822}" srcOrd="12" destOrd="0" presId="urn:microsoft.com/office/officeart/2005/8/layout/list1"/>
-    <dgm:cxn modelId="{804500B9-3CCE-A24E-8848-58717105B141}" type="presParOf" srcId="{CFD66E85-AAB5-4D42-A26D-1B6495FC4822}" destId="{CBADF9CA-4CEA-8A4A-B386-B261A2E09A5C}" srcOrd="0" destOrd="0" presId="urn:microsoft.com/office/officeart/2005/8/layout/list1"/>
-    <dgm:cxn modelId="{BAAB58E3-7C74-FC44-BFEC-B5DD878FF2F2}" type="presParOf" srcId="{CFD66E85-AAB5-4D42-A26D-1B6495FC4822}" destId="{7F558FC1-9331-4D49-906B-B55716153010}" srcOrd="1" destOrd="0" presId="urn:microsoft.com/office/officeart/2005/8/layout/list1"/>
-    <dgm:cxn modelId="{E6258A64-144A-8744-92E0-95330815D06A}" type="presParOf" srcId="{E4A9B01B-FA7E-934D-92AC-B0E2E8BF0B61}" destId="{5D3E5E96-84C8-CD4A-A5C2-67F9B4F65D39}" srcOrd="13" destOrd="0" presId="urn:microsoft.com/office/officeart/2005/8/layout/list1"/>
-    <dgm:cxn modelId="{D6C7100C-D460-3B4D-91D7-DE254365640A}" type="presParOf" srcId="{E4A9B01B-FA7E-934D-92AC-B0E2E8BF0B61}" destId="{4F6D3812-E71B-1248-BF45-5C0004193900}" srcOrd="14" destOrd="0" presId="urn:microsoft.com/office/officeart/2005/8/layout/list1"/>
-    <dgm:cxn modelId="{746F5E60-305E-034D-9615-878C3F0B3C5E}" type="presParOf" srcId="{E4A9B01B-FA7E-934D-92AC-B0E2E8BF0B61}" destId="{FDC395E5-FF6D-3D4E-A10C-E7005ED96C04}" srcOrd="15" destOrd="0" presId="urn:microsoft.com/office/officeart/2005/8/layout/list1"/>
-    <dgm:cxn modelId="{13272E3D-3851-F940-8E30-B3B3297F633F}" type="presParOf" srcId="{E4A9B01B-FA7E-934D-92AC-B0E2E8BF0B61}" destId="{E1E4FE2E-8199-674B-87E5-08EDD9EEA8C6}" srcOrd="16" destOrd="0" presId="urn:microsoft.com/office/officeart/2005/8/layout/list1"/>
-    <dgm:cxn modelId="{182677AC-8D19-DD4A-9159-5AACA9F9114C}" type="presParOf" srcId="{E1E4FE2E-8199-674B-87E5-08EDD9EEA8C6}" destId="{E000F133-35C6-E04E-925E-22FDA89C61FC}" srcOrd="0" destOrd="0" presId="urn:microsoft.com/office/officeart/2005/8/layout/list1"/>
-    <dgm:cxn modelId="{D7A16FF0-9BB7-844A-B368-27E3679A8630}" type="presParOf" srcId="{E1E4FE2E-8199-674B-87E5-08EDD9EEA8C6}" destId="{87CE0234-DD6A-B345-9CCA-77CA1E6C8616}" srcOrd="1" destOrd="0" presId="urn:microsoft.com/office/officeart/2005/8/layout/list1"/>
-    <dgm:cxn modelId="{A0CCE96B-422C-7E40-B75F-DDA14CA75126}" type="presParOf" srcId="{E4A9B01B-FA7E-934D-92AC-B0E2E8BF0B61}" destId="{BB3EA4F5-2D53-A24A-9494-A7B08105439F}" srcOrd="17" destOrd="0" presId="urn:microsoft.com/office/officeart/2005/8/layout/list1"/>
-    <dgm:cxn modelId="{85991ACF-31A8-FF42-9741-BD3497E104EC}" type="presParOf" srcId="{E4A9B01B-FA7E-934D-92AC-B0E2E8BF0B61}" destId="{8DB82077-8BC3-D542-B13C-312C6B2D0F65}" srcOrd="18" destOrd="0" presId="urn:microsoft.com/office/officeart/2005/8/layout/list1"/>
-  </dgm:cxnLst>
-  <dgm:bg/>
-  <dgm:whole/>
-  <dgm:extLst>
-    <a:ext uri="http://schemas.microsoft.com/office/drawing/2008/diagram">
-      <dsp:dataModelExt xmlns:dsp="http://schemas.microsoft.com/office/drawing/2008/diagram" relId="rId8" minVer="http://schemas.openxmlformats.org/drawingml/2006/diagram"/>
-    </a:ext>
-  </dgm:extLst>
-</dgm:dataModel>
-</file>
-
-<file path=ppt/diagrams/drawing1.xml><?xml version="1.0" encoding="utf-8"?>
-<dsp:drawing xmlns:dgm="http://schemas.openxmlformats.org/drawingml/2006/diagram" xmlns:dsp="http://schemas.microsoft.com/office/drawing/2008/diagram" xmlns:a="http://schemas.openxmlformats.org/drawingml/2006/main">
-  <dsp:spTree>
-    <dsp:nvGrpSpPr>
-      <dsp:cNvPr id="0" name=""/>
-      <dsp:cNvGrpSpPr/>
-    </dsp:nvGrpSpPr>
-    <dsp:grpSpPr/>
-    <dsp:sp modelId="{AF6C81C7-3FBF-904E-B5B5-A20C3B1C16AD}">
-      <dsp:nvSpPr>
-        <dsp:cNvPr id="0" name=""/>
-        <dsp:cNvSpPr/>
-      </dsp:nvSpPr>
-      <dsp:spPr>
-        <a:xfrm>
-          <a:off x="0" y="323938"/>
-          <a:ext cx="8186849" cy="378000"/>
-        </a:xfrm>
-        <a:prstGeom prst="rect">
-          <a:avLst/>
-        </a:prstGeom>
-        <a:solidFill>
-          <a:schemeClr val="lt1">
-            <a:alpha val="90000"/>
-            <a:hueOff val="0"/>
-            <a:satOff val="0"/>
-            <a:lumOff val="0"/>
-            <a:alphaOff val="0"/>
-          </a:schemeClr>
-        </a:solidFill>
-        <a:ln w="25400" cap="flat" cmpd="sng" algn="ctr">
-          <a:solidFill>
-            <a:schemeClr val="accent1">
-              <a:hueOff val="0"/>
-              <a:satOff val="0"/>
-              <a:lumOff val="0"/>
-              <a:alphaOff val="0"/>
-            </a:schemeClr>
-          </a:solidFill>
-          <a:prstDash val="solid"/>
-        </a:ln>
-        <a:effectLst/>
-      </dsp:spPr>
-      <dsp:style>
-        <a:lnRef idx="2">
-          <a:scrgbClr r="0" g="0" b="0"/>
-        </a:lnRef>
-        <a:fillRef idx="1">
-          <a:scrgbClr r="0" g="0" b="0"/>
-        </a:fillRef>
-        <a:effectRef idx="0">
-          <a:scrgbClr r="0" g="0" b="0"/>
-        </a:effectRef>
-        <a:fontRef idx="minor"/>
-      </dsp:style>
-    </dsp:sp>
-    <dsp:sp modelId="{16548165-2543-6349-ABD7-61F7005BA35E}">
-      <dsp:nvSpPr>
-        <dsp:cNvPr id="0" name=""/>
-        <dsp:cNvSpPr/>
-      </dsp:nvSpPr>
-      <dsp:spPr>
-        <a:xfrm>
-          <a:off x="409342" y="102538"/>
-          <a:ext cx="5730794" cy="442800"/>
-        </a:xfrm>
-        <a:prstGeom prst="roundRect">
-          <a:avLst/>
-        </a:prstGeom>
-        <a:solidFill>
-          <a:schemeClr val="accent1">
-            <a:hueOff val="0"/>
-            <a:satOff val="0"/>
-            <a:lumOff val="0"/>
-            <a:alphaOff val="0"/>
-          </a:schemeClr>
-        </a:solidFill>
-        <a:ln w="25400" cap="flat" cmpd="sng" algn="ctr">
-          <a:solidFill>
-            <a:schemeClr val="lt1">
-              <a:hueOff val="0"/>
-              <a:satOff val="0"/>
-              <a:lumOff val="0"/>
-              <a:alphaOff val="0"/>
-            </a:schemeClr>
-          </a:solidFill>
-          <a:prstDash val="solid"/>
-        </a:ln>
-        <a:effectLst/>
-      </dsp:spPr>
-      <dsp:style>
-        <a:lnRef idx="2">
-          <a:scrgbClr r="0" g="0" b="0"/>
-        </a:lnRef>
-        <a:fillRef idx="1">
-          <a:scrgbClr r="0" g="0" b="0"/>
-        </a:fillRef>
-        <a:effectRef idx="0">
-          <a:scrgbClr r="0" g="0" b="0"/>
-        </a:effectRef>
-        <a:fontRef idx="minor">
-          <a:schemeClr val="lt1"/>
-        </a:fontRef>
-      </dsp:style>
-      <dsp:txBody>
-        <a:bodyPr spcFirstLastPara="0" vert="horz" wrap="square" lIns="216610" tIns="0" rIns="216610" bIns="0" numCol="1" spcCol="1270" anchor="ctr" anchorCtr="0">
-          <a:noAutofit/>
-        </a:bodyPr>
-        <a:lstStyle/>
-        <a:p>
-          <a:pPr marL="0" lvl="0" indent="0" algn="l" defTabSz="666750" latinLnBrk="1">
-            <a:lnSpc>
-              <a:spcPct val="90000"/>
-            </a:lnSpc>
-            <a:spcBef>
-              <a:spcPct val="0"/>
-            </a:spcBef>
-            <a:spcAft>
-              <a:spcPct val="35000"/>
-            </a:spcAft>
-            <a:buClr>
-              <a:srgbClr val="000000"/>
-            </a:buClr>
-            <a:buSzPts val="2400"/>
-            <a:buFont typeface="arial"/>
-            <a:buNone/>
-          </a:pPr>
-          <a:r>
-            <a:rPr lang="en-US" altLang="ko-KR" sz="1500" kern="1200">
-              <a:solidFill>
-                <a:srgbClr val="FFFF00"/>
-              </a:solidFill>
-              <a:latin typeface="arial"/>
-              <a:ea typeface="arial"/>
-              <a:cs typeface="arial"/>
-              <a:sym typeface="arial"/>
-            </a:rPr>
-            <a:t>%(</a:t>
-          </a:r>
-          <a:r>
-            <a:rPr lang="ko-KR" altLang="en-US" sz="1500" kern="1200">
-              <a:solidFill>
-                <a:srgbClr val="FFFF00"/>
-              </a:solidFill>
-              <a:latin typeface="arial"/>
-              <a:ea typeface="arial"/>
-              <a:cs typeface="arial"/>
-              <a:sym typeface="arial"/>
-            </a:rPr>
-            <a:t>나머지 연산자</a:t>
-          </a:r>
-          <a:r>
-            <a:rPr lang="en-US" altLang="ko-KR" sz="1500" kern="1200">
-              <a:solidFill>
-                <a:srgbClr val="FFFF00"/>
-              </a:solidFill>
-              <a:latin typeface="arial"/>
-              <a:ea typeface="arial"/>
-              <a:cs typeface="arial"/>
-              <a:sym typeface="arial"/>
-            </a:rPr>
-            <a:t>),</a:t>
-          </a:r>
-          <a:r>
-            <a:rPr lang="ko-KR" altLang="en-US" sz="1500" kern="1200">
-              <a:solidFill>
-                <a:srgbClr val="FFFF00"/>
-              </a:solidFill>
-              <a:latin typeface="arial"/>
-              <a:ea typeface="arial"/>
-              <a:cs typeface="arial"/>
-              <a:sym typeface="arial"/>
-            </a:rPr>
-            <a:t> </a:t>
-          </a:r>
-          <a:r>
-            <a:rPr lang="en-US" altLang="ko-KR" sz="1500" kern="1200">
-              <a:solidFill>
-                <a:srgbClr val="FFFF00"/>
-              </a:solidFill>
-              <a:latin typeface="arial"/>
-              <a:ea typeface="arial"/>
-              <a:cs typeface="arial"/>
-              <a:sym typeface="arial"/>
-            </a:rPr>
-            <a:t>bool</a:t>
-          </a:r>
-          <a:r>
-            <a:rPr lang="ko-KR" altLang="en-US" sz="1500" kern="1200">
-              <a:solidFill>
-                <a:srgbClr val="FFFF00"/>
-              </a:solidFill>
-              <a:latin typeface="arial"/>
-              <a:ea typeface="arial"/>
-              <a:cs typeface="arial"/>
-              <a:sym typeface="arial"/>
-            </a:rPr>
-            <a:t>형 변수 선언</a:t>
-          </a:r>
-          <a:r>
-            <a:rPr lang="en-US" altLang="ko-KR" sz="1500" kern="1200">
-              <a:solidFill>
-                <a:srgbClr val="FFFF00"/>
-              </a:solidFill>
-              <a:latin typeface="arial"/>
-              <a:ea typeface="arial"/>
-              <a:cs typeface="arial"/>
-              <a:sym typeface="arial"/>
-            </a:rPr>
-            <a:t>(</a:t>
-          </a:r>
-          <a:r>
-            <a:rPr lang="ko-KR" altLang="en-US" sz="1500" kern="1200">
-              <a:solidFill>
-                <a:srgbClr val="FFFF00"/>
-              </a:solidFill>
-              <a:latin typeface="arial"/>
-              <a:ea typeface="arial"/>
-              <a:cs typeface="arial"/>
-              <a:sym typeface="arial"/>
-            </a:rPr>
-            <a:t>소수 판별</a:t>
-          </a:r>
-          <a:r>
-            <a:rPr lang="en-US" altLang="ko-KR" sz="1500" kern="1200">
-              <a:solidFill>
-                <a:srgbClr val="FFFF00"/>
-              </a:solidFill>
-              <a:latin typeface="arial"/>
-              <a:ea typeface="arial"/>
-              <a:cs typeface="arial"/>
-              <a:sym typeface="arial"/>
-            </a:rPr>
-            <a:t>)</a:t>
-          </a:r>
-          <a:endParaRPr lang="ko-KR" altLang="en-US" sz="1500" kern="1200">
-            <a:solidFill>
-              <a:srgbClr val="FFFF00"/>
-            </a:solidFill>
-          </a:endParaRPr>
-        </a:p>
-      </dsp:txBody>
-      <dsp:txXfrm>
-        <a:off x="430958" y="124154"/>
-        <a:ext cx="5687562" cy="399568"/>
-      </dsp:txXfrm>
-    </dsp:sp>
-    <dsp:sp modelId="{A9F9B978-33C5-A543-92F2-C5A3875E178E}">
-      <dsp:nvSpPr>
-        <dsp:cNvPr id="0" name=""/>
-        <dsp:cNvSpPr/>
-      </dsp:nvSpPr>
-      <dsp:spPr>
-        <a:xfrm>
-          <a:off x="0" y="1004338"/>
-          <a:ext cx="8186849" cy="378000"/>
-        </a:xfrm>
-        <a:prstGeom prst="rect">
-          <a:avLst/>
-        </a:prstGeom>
-        <a:solidFill>
-          <a:schemeClr val="lt1">
-            <a:alpha val="90000"/>
-            <a:hueOff val="0"/>
-            <a:satOff val="0"/>
-            <a:lumOff val="0"/>
-            <a:alphaOff val="0"/>
-          </a:schemeClr>
-        </a:solidFill>
-        <a:ln w="25400" cap="flat" cmpd="sng" algn="ctr">
-          <a:solidFill>
-            <a:schemeClr val="accent1">
-              <a:hueOff val="0"/>
-              <a:satOff val="0"/>
-              <a:lumOff val="0"/>
-              <a:alphaOff val="0"/>
-            </a:schemeClr>
-          </a:solidFill>
-          <a:prstDash val="solid"/>
-        </a:ln>
-        <a:effectLst/>
-      </dsp:spPr>
-      <dsp:style>
-        <a:lnRef idx="2">
-          <a:scrgbClr r="0" g="0" b="0"/>
-        </a:lnRef>
-        <a:fillRef idx="1">
-          <a:scrgbClr r="0" g="0" b="0"/>
-        </a:fillRef>
-        <a:effectRef idx="0">
-          <a:scrgbClr r="0" g="0" b="0"/>
-        </a:effectRef>
-        <a:fontRef idx="minor"/>
-      </dsp:style>
-    </dsp:sp>
-    <dsp:sp modelId="{1C50E55B-1404-F44A-833F-6EBE1E6893DE}">
-      <dsp:nvSpPr>
-        <dsp:cNvPr id="0" name=""/>
-        <dsp:cNvSpPr/>
-      </dsp:nvSpPr>
-      <dsp:spPr>
-        <a:xfrm>
-          <a:off x="409342" y="782938"/>
-          <a:ext cx="5730794" cy="442800"/>
-        </a:xfrm>
-        <a:prstGeom prst="roundRect">
-          <a:avLst/>
-        </a:prstGeom>
-        <a:solidFill>
-          <a:schemeClr val="accent1">
-            <a:hueOff val="0"/>
-            <a:satOff val="0"/>
-            <a:lumOff val="0"/>
-            <a:alphaOff val="0"/>
-          </a:schemeClr>
-        </a:solidFill>
-        <a:ln w="25400" cap="flat" cmpd="sng" algn="ctr">
-          <a:solidFill>
-            <a:schemeClr val="lt1">
-              <a:hueOff val="0"/>
-              <a:satOff val="0"/>
-              <a:lumOff val="0"/>
-              <a:alphaOff val="0"/>
-            </a:schemeClr>
-          </a:solidFill>
-          <a:prstDash val="solid"/>
-        </a:ln>
-        <a:effectLst/>
-      </dsp:spPr>
-      <dsp:style>
-        <a:lnRef idx="2">
-          <a:scrgbClr r="0" g="0" b="0"/>
-        </a:lnRef>
-        <a:fillRef idx="1">
-          <a:scrgbClr r="0" g="0" b="0"/>
-        </a:fillRef>
-        <a:effectRef idx="0">
-          <a:scrgbClr r="0" g="0" b="0"/>
-        </a:effectRef>
-        <a:fontRef idx="minor">
-          <a:schemeClr val="lt1"/>
-        </a:fontRef>
-      </dsp:style>
-      <dsp:txBody>
-        <a:bodyPr spcFirstLastPara="0" vert="horz" wrap="square" lIns="216610" tIns="0" rIns="216610" bIns="0" numCol="1" spcCol="1270" anchor="ctr" anchorCtr="0">
-          <a:noAutofit/>
-        </a:bodyPr>
-        <a:lstStyle/>
-        <a:p>
-          <a:pPr marL="0" lvl="0" indent="0" algn="l" defTabSz="666750" latinLnBrk="1">
-            <a:lnSpc>
-              <a:spcPct val="90000"/>
-            </a:lnSpc>
-            <a:spcBef>
-              <a:spcPct val="0"/>
-            </a:spcBef>
-            <a:spcAft>
-              <a:spcPct val="35000"/>
-            </a:spcAft>
-            <a:buNone/>
-          </a:pPr>
-          <a:r>
-            <a:rPr lang="en-US" sz="1500" kern="1200" err="1">
-              <a:solidFill>
-                <a:srgbClr val="000000"/>
-              </a:solidFill>
-              <a:latin typeface="arial"/>
-              <a:ea typeface="arial"/>
-              <a:cs typeface="arial"/>
-              <a:sym typeface="arial"/>
-            </a:rPr>
-            <a:t>i</a:t>
-          </a:r>
-          <a:r>
-            <a:rPr lang="en-US" sz="1500" kern="1200">
-              <a:solidFill>
-                <a:srgbClr val="000000"/>
-              </a:solidFill>
-              <a:latin typeface="arial"/>
-              <a:ea typeface="arial"/>
-              <a:cs typeface="arial"/>
-              <a:sym typeface="arial"/>
-            </a:rPr>
-            <a:t>=3</a:t>
-          </a:r>
-          <a:r>
-            <a:rPr lang="ko-KR" altLang="en-US" sz="1500" kern="1200" err="1">
-              <a:solidFill>
-                <a:srgbClr val="000000"/>
-              </a:solidFill>
-              <a:latin typeface="arial"/>
-              <a:ea typeface="arial"/>
-              <a:cs typeface="arial"/>
-              <a:sym typeface="arial"/>
-            </a:rPr>
-            <a:t>부터</a:t>
-          </a:r>
-          <a:r>
-            <a:rPr lang="ko-KR" altLang="en-US" sz="1500" kern="1200">
-              <a:solidFill>
-                <a:srgbClr val="000000"/>
-              </a:solidFill>
-              <a:latin typeface="arial"/>
-              <a:ea typeface="arial"/>
-              <a:cs typeface="arial"/>
-              <a:sym typeface="arial"/>
-            </a:rPr>
-            <a:t> </a:t>
-          </a:r>
-          <a:r>
-            <a:rPr lang="en-US" sz="1500" kern="1200">
-              <a:solidFill>
-                <a:srgbClr val="000000"/>
-              </a:solidFill>
-              <a:latin typeface="arial"/>
-              <a:ea typeface="arial"/>
-              <a:cs typeface="arial"/>
-              <a:sym typeface="arial"/>
-            </a:rPr>
-            <a:t>n(</a:t>
-          </a:r>
-          <a:r>
-            <a:rPr lang="ko-KR" altLang="en-US" sz="1500" kern="1200">
-              <a:solidFill>
-                <a:srgbClr val="000000"/>
-              </a:solidFill>
-              <a:latin typeface="arial"/>
-              <a:ea typeface="arial"/>
-              <a:cs typeface="arial"/>
-              <a:sym typeface="arial"/>
-            </a:rPr>
-            <a:t>입력</a:t>
-          </a:r>
-          <a:r>
-            <a:rPr lang="en-US" altLang="ko-KR" sz="1500" kern="1200">
-              <a:solidFill>
-                <a:srgbClr val="000000"/>
-              </a:solidFill>
-              <a:latin typeface="arial"/>
-              <a:ea typeface="arial"/>
-              <a:cs typeface="arial"/>
-              <a:sym typeface="arial"/>
-            </a:rPr>
-            <a:t>)</a:t>
-          </a:r>
-          <a:r>
-            <a:rPr lang="ko-KR" altLang="en-US" sz="1500" kern="1200">
-              <a:solidFill>
-                <a:srgbClr val="000000"/>
-              </a:solidFill>
-              <a:latin typeface="arial"/>
-              <a:ea typeface="arial"/>
-              <a:cs typeface="arial"/>
-              <a:sym typeface="arial"/>
-            </a:rPr>
-            <a:t>까지 각각의 숫자를 </a:t>
-          </a:r>
-          <a:r>
-            <a:rPr lang="en-US" altLang="ko-KR" sz="1500" kern="1200">
-              <a:solidFill>
-                <a:srgbClr val="000000"/>
-              </a:solidFill>
-              <a:latin typeface="arial"/>
-              <a:ea typeface="arial"/>
-              <a:cs typeface="arial"/>
-              <a:sym typeface="arial"/>
-            </a:rPr>
-            <a:t>++</a:t>
-          </a:r>
-          <a:r>
-            <a:rPr lang="ko-KR" altLang="en-US" sz="1500" kern="1200">
-              <a:solidFill>
-                <a:srgbClr val="000000"/>
-              </a:solidFill>
-              <a:latin typeface="arial"/>
-              <a:ea typeface="arial"/>
-              <a:cs typeface="arial"/>
-              <a:sym typeface="arial"/>
-            </a:rPr>
-            <a:t> </a:t>
-          </a:r>
-          <a:r>
-            <a:rPr lang="en-US" altLang="ko-KR" sz="1500" kern="1200">
-              <a:solidFill>
-                <a:srgbClr val="000000"/>
-              </a:solidFill>
-              <a:latin typeface="arial"/>
-              <a:ea typeface="arial"/>
-              <a:cs typeface="arial"/>
-              <a:sym typeface="arial"/>
-            </a:rPr>
-            <a:t>( 3~n</a:t>
-          </a:r>
-          <a:r>
-            <a:rPr lang="ko-KR" altLang="en-US" sz="1500" kern="1200">
-              <a:solidFill>
-                <a:srgbClr val="000000"/>
-              </a:solidFill>
-              <a:latin typeface="arial"/>
-              <a:ea typeface="arial"/>
-              <a:cs typeface="arial"/>
-              <a:sym typeface="arial"/>
-            </a:rPr>
-            <a:t> 소수 구하기</a:t>
-          </a:r>
-          <a:r>
-            <a:rPr lang="en-US" altLang="ko-KR" sz="1500" kern="1200">
-              <a:solidFill>
-                <a:srgbClr val="000000"/>
-              </a:solidFill>
-              <a:latin typeface="arial"/>
-              <a:ea typeface="arial"/>
-              <a:cs typeface="arial"/>
-              <a:sym typeface="arial"/>
-            </a:rPr>
-            <a:t>)</a:t>
-          </a:r>
-          <a:endParaRPr lang="ko-KR" altLang="en-US" sz="1500" kern="1200"/>
-        </a:p>
-      </dsp:txBody>
-      <dsp:txXfrm>
-        <a:off x="430958" y="804554"/>
-        <a:ext cx="5687562" cy="399568"/>
-      </dsp:txXfrm>
-    </dsp:sp>
-    <dsp:sp modelId="{5220B736-2475-FD44-8BF2-CC6BD7702EB3}">
-      <dsp:nvSpPr>
-        <dsp:cNvPr id="0" name=""/>
-        <dsp:cNvSpPr/>
-      </dsp:nvSpPr>
-      <dsp:spPr>
-        <a:xfrm>
-          <a:off x="0" y="1684739"/>
-          <a:ext cx="8186849" cy="378000"/>
-        </a:xfrm>
-        <a:prstGeom prst="rect">
-          <a:avLst/>
-        </a:prstGeom>
-        <a:solidFill>
-          <a:schemeClr val="lt1">
-            <a:alpha val="90000"/>
-            <a:hueOff val="0"/>
-            <a:satOff val="0"/>
-            <a:lumOff val="0"/>
-            <a:alphaOff val="0"/>
-          </a:schemeClr>
-        </a:solidFill>
-        <a:ln w="25400" cap="flat" cmpd="sng" algn="ctr">
-          <a:solidFill>
-            <a:schemeClr val="accent1">
-              <a:hueOff val="0"/>
-              <a:satOff val="0"/>
-              <a:lumOff val="0"/>
-              <a:alphaOff val="0"/>
-            </a:schemeClr>
-          </a:solidFill>
-          <a:prstDash val="solid"/>
-        </a:ln>
-        <a:effectLst/>
-      </dsp:spPr>
-      <dsp:style>
-        <a:lnRef idx="2">
-          <a:scrgbClr r="0" g="0" b="0"/>
-        </a:lnRef>
-        <a:fillRef idx="1">
-          <a:scrgbClr r="0" g="0" b="0"/>
-        </a:fillRef>
-        <a:effectRef idx="0">
-          <a:scrgbClr r="0" g="0" b="0"/>
-        </a:effectRef>
-        <a:fontRef idx="minor"/>
-      </dsp:style>
-    </dsp:sp>
-    <dsp:sp modelId="{6CBAC4F9-410E-2C4E-9108-7BDCC8F62F5C}">
-      <dsp:nvSpPr>
-        <dsp:cNvPr id="0" name=""/>
-        <dsp:cNvSpPr/>
-      </dsp:nvSpPr>
-      <dsp:spPr>
-        <a:xfrm>
-          <a:off x="409342" y="1463338"/>
-          <a:ext cx="5730794" cy="442800"/>
-        </a:xfrm>
-        <a:prstGeom prst="roundRect">
-          <a:avLst/>
-        </a:prstGeom>
-        <a:solidFill>
-          <a:schemeClr val="accent1">
-            <a:hueOff val="0"/>
-            <a:satOff val="0"/>
-            <a:lumOff val="0"/>
-            <a:alphaOff val="0"/>
-          </a:schemeClr>
-        </a:solidFill>
-        <a:ln w="25400" cap="flat" cmpd="sng" algn="ctr">
-          <a:solidFill>
-            <a:schemeClr val="lt1">
-              <a:hueOff val="0"/>
-              <a:satOff val="0"/>
-              <a:lumOff val="0"/>
-              <a:alphaOff val="0"/>
-            </a:schemeClr>
-          </a:solidFill>
-          <a:prstDash val="solid"/>
-        </a:ln>
-        <a:effectLst/>
-      </dsp:spPr>
-      <dsp:style>
-        <a:lnRef idx="2">
-          <a:scrgbClr r="0" g="0" b="0"/>
-        </a:lnRef>
-        <a:fillRef idx="1">
-          <a:scrgbClr r="0" g="0" b="0"/>
-        </a:fillRef>
-        <a:effectRef idx="0">
-          <a:scrgbClr r="0" g="0" b="0"/>
-        </a:effectRef>
-        <a:fontRef idx="minor">
-          <a:schemeClr val="lt1"/>
-        </a:fontRef>
-      </dsp:style>
-      <dsp:txBody>
-        <a:bodyPr spcFirstLastPara="0" vert="horz" wrap="square" lIns="216610" tIns="0" rIns="216610" bIns="0" numCol="1" spcCol="1270" anchor="ctr" anchorCtr="0">
-          <a:noAutofit/>
-        </a:bodyPr>
-        <a:lstStyle/>
-        <a:p>
-          <a:pPr marL="0" lvl="0" indent="0" algn="l" defTabSz="666750" latinLnBrk="1">
-            <a:lnSpc>
-              <a:spcPct val="90000"/>
-            </a:lnSpc>
-            <a:spcBef>
-              <a:spcPct val="0"/>
-            </a:spcBef>
-            <a:spcAft>
-              <a:spcPct val="35000"/>
-            </a:spcAft>
-            <a:buNone/>
-          </a:pPr>
-          <a:r>
-            <a:rPr lang="en-US" sz="1500" kern="1200">
-              <a:solidFill>
-                <a:srgbClr val="000000"/>
-              </a:solidFill>
-              <a:latin typeface="arial"/>
-              <a:ea typeface="arial"/>
-              <a:cs typeface="arial"/>
-              <a:sym typeface="arial"/>
-            </a:rPr>
-            <a:t>2부터 </a:t>
-          </a:r>
-          <a:r>
-            <a:rPr lang="en-US" sz="1500" kern="1200" err="1">
-              <a:solidFill>
-                <a:srgbClr val="000000"/>
-              </a:solidFill>
-              <a:latin typeface="arial"/>
-              <a:ea typeface="arial"/>
-              <a:cs typeface="arial"/>
-              <a:sym typeface="arial"/>
-            </a:rPr>
-            <a:t>i</a:t>
-          </a:r>
-          <a:r>
-            <a:rPr lang="ko-KR" altLang="en-US" sz="1500" kern="1200">
-              <a:solidFill>
-                <a:schemeClr val="tx1"/>
-              </a:solidFill>
-              <a:latin typeface="arial"/>
-              <a:ea typeface="arial"/>
-              <a:cs typeface="arial"/>
-              <a:sym typeface="arial"/>
-            </a:rPr>
-            <a:t>까지 늘리면서 </a:t>
-          </a:r>
-          <a:r>
-            <a:rPr lang="en-US" altLang="ko-KR" sz="1500" kern="1200">
-              <a:solidFill>
-                <a:schemeClr val="tx1"/>
-              </a:solidFill>
-              <a:latin typeface="arial"/>
-              <a:ea typeface="arial"/>
-              <a:cs typeface="arial"/>
-              <a:sym typeface="arial"/>
-            </a:rPr>
-            <a:t>“</a:t>
-          </a:r>
-          <a:r>
-            <a:rPr lang="en-US" altLang="ko-KR" sz="1500" kern="1200" err="1">
-              <a:solidFill>
-                <a:schemeClr val="tx1"/>
-              </a:solidFill>
-              <a:latin typeface="arial"/>
-              <a:ea typeface="arial"/>
-              <a:cs typeface="arial"/>
-              <a:sym typeface="arial"/>
-            </a:rPr>
-            <a:t>i%j</a:t>
-          </a:r>
-          <a:r>
-            <a:rPr lang="en-US" altLang="ko-KR" sz="1500" kern="1200">
-              <a:solidFill>
-                <a:schemeClr val="tx1"/>
-              </a:solidFill>
-              <a:latin typeface="arial"/>
-              <a:ea typeface="arial"/>
-              <a:cs typeface="arial"/>
-              <a:sym typeface="arial"/>
-            </a:rPr>
-            <a:t>”</a:t>
-          </a:r>
-          <a:r>
-            <a:rPr lang="ko-KR" altLang="en-US" sz="1500" kern="1200">
-              <a:solidFill>
-                <a:schemeClr val="tx1"/>
-              </a:solidFill>
-              <a:latin typeface="arial"/>
-              <a:ea typeface="arial"/>
-              <a:cs typeface="arial"/>
-              <a:sym typeface="arial"/>
-            </a:rPr>
-            <a:t>가 딱 떨어지면 소수가 아님</a:t>
-          </a:r>
-          <a:endParaRPr lang="en-US" altLang="ko-KR" sz="1500" kern="1200">
-            <a:solidFill>
-              <a:schemeClr val="tx1"/>
-            </a:solidFill>
-            <a:latin typeface="arial"/>
-            <a:ea typeface="arial"/>
-            <a:cs typeface="arial"/>
-            <a:sym typeface="arial"/>
-          </a:endParaRPr>
-        </a:p>
-      </dsp:txBody>
-      <dsp:txXfrm>
-        <a:off x="430958" y="1484954"/>
-        <a:ext cx="5687562" cy="399568"/>
-      </dsp:txXfrm>
-    </dsp:sp>
-    <dsp:sp modelId="{4F6D3812-E71B-1248-BF45-5C0004193900}">
-      <dsp:nvSpPr>
-        <dsp:cNvPr id="0" name=""/>
-        <dsp:cNvSpPr/>
-      </dsp:nvSpPr>
-      <dsp:spPr>
-        <a:xfrm>
-          <a:off x="0" y="2365139"/>
-          <a:ext cx="8186849" cy="378000"/>
-        </a:xfrm>
-        <a:prstGeom prst="rect">
-          <a:avLst/>
-        </a:prstGeom>
-        <a:solidFill>
-          <a:schemeClr val="lt1">
-            <a:alpha val="90000"/>
-            <a:hueOff val="0"/>
-            <a:satOff val="0"/>
-            <a:lumOff val="0"/>
-            <a:alphaOff val="0"/>
-          </a:schemeClr>
-        </a:solidFill>
-        <a:ln w="25400" cap="flat" cmpd="sng" algn="ctr">
-          <a:solidFill>
-            <a:schemeClr val="accent1">
-              <a:hueOff val="0"/>
-              <a:satOff val="0"/>
-              <a:lumOff val="0"/>
-              <a:alphaOff val="0"/>
-            </a:schemeClr>
-          </a:solidFill>
-          <a:prstDash val="solid"/>
-        </a:ln>
-        <a:effectLst/>
-      </dsp:spPr>
-      <dsp:style>
-        <a:lnRef idx="2">
-          <a:scrgbClr r="0" g="0" b="0"/>
-        </a:lnRef>
-        <a:fillRef idx="1">
-          <a:scrgbClr r="0" g="0" b="0"/>
-        </a:fillRef>
-        <a:effectRef idx="0">
-          <a:scrgbClr r="0" g="0" b="0"/>
-        </a:effectRef>
-        <a:fontRef idx="minor"/>
-      </dsp:style>
-    </dsp:sp>
-    <dsp:sp modelId="{7F558FC1-9331-4D49-906B-B55716153010}">
-      <dsp:nvSpPr>
-        <dsp:cNvPr id="0" name=""/>
-        <dsp:cNvSpPr/>
-      </dsp:nvSpPr>
-      <dsp:spPr>
-        <a:xfrm>
-          <a:off x="409342" y="2143739"/>
-          <a:ext cx="5730794" cy="442800"/>
-        </a:xfrm>
-        <a:prstGeom prst="roundRect">
-          <a:avLst/>
-        </a:prstGeom>
-        <a:solidFill>
-          <a:schemeClr val="accent1">
-            <a:hueOff val="0"/>
-            <a:satOff val="0"/>
-            <a:lumOff val="0"/>
-            <a:alphaOff val="0"/>
-          </a:schemeClr>
-        </a:solidFill>
-        <a:ln w="25400" cap="flat" cmpd="sng" algn="ctr">
-          <a:solidFill>
-            <a:schemeClr val="lt1">
-              <a:hueOff val="0"/>
-              <a:satOff val="0"/>
-              <a:lumOff val="0"/>
-              <a:alphaOff val="0"/>
-            </a:schemeClr>
-          </a:solidFill>
-          <a:prstDash val="solid"/>
-        </a:ln>
-        <a:effectLst/>
-      </dsp:spPr>
-      <dsp:style>
-        <a:lnRef idx="2">
-          <a:scrgbClr r="0" g="0" b="0"/>
-        </a:lnRef>
-        <a:fillRef idx="1">
-          <a:scrgbClr r="0" g="0" b="0"/>
-        </a:fillRef>
-        <a:effectRef idx="0">
-          <a:scrgbClr r="0" g="0" b="0"/>
-        </a:effectRef>
-        <a:fontRef idx="minor">
-          <a:schemeClr val="lt1"/>
-        </a:fontRef>
-      </dsp:style>
-      <dsp:txBody>
-        <a:bodyPr spcFirstLastPara="0" vert="horz" wrap="square" lIns="216610" tIns="0" rIns="216610" bIns="0" numCol="1" spcCol="1270" anchor="ctr" anchorCtr="0">
-          <a:noAutofit/>
-        </a:bodyPr>
-        <a:lstStyle/>
-        <a:p>
-          <a:pPr marL="0" lvl="0" indent="0" algn="l" defTabSz="666750" latinLnBrk="1">
-            <a:lnSpc>
-              <a:spcPct val="90000"/>
-            </a:lnSpc>
-            <a:spcBef>
-              <a:spcPct val="0"/>
-            </a:spcBef>
-            <a:spcAft>
-              <a:spcPct val="35000"/>
-            </a:spcAft>
-            <a:buNone/>
-          </a:pPr>
-          <a:r>
-            <a:rPr lang="ko-KR" altLang="en-US" sz="1500" kern="1200">
-              <a:solidFill>
-                <a:schemeClr val="tx1"/>
-              </a:solidFill>
-              <a:latin typeface="arial"/>
-              <a:ea typeface="arial"/>
-              <a:cs typeface="arial"/>
-              <a:sym typeface="arial"/>
-            </a:rPr>
-            <a:t>결국 모두 나누어 떨어지지 않으면 소수이다</a:t>
-          </a:r>
-          <a:r>
-            <a:rPr lang="en-US" altLang="ko-KR" sz="1500" kern="1200">
-              <a:solidFill>
-                <a:schemeClr val="tx1"/>
-              </a:solidFill>
-              <a:latin typeface="arial"/>
-              <a:ea typeface="arial"/>
-              <a:cs typeface="arial"/>
-              <a:sym typeface="arial"/>
-            </a:rPr>
-            <a:t>.</a:t>
-          </a:r>
-        </a:p>
-      </dsp:txBody>
-      <dsp:txXfrm>
-        <a:off x="430958" y="2165355"/>
-        <a:ext cx="5687562" cy="399568"/>
-      </dsp:txXfrm>
-    </dsp:sp>
-    <dsp:sp modelId="{8DB82077-8BC3-D542-B13C-312C6B2D0F65}">
-      <dsp:nvSpPr>
-        <dsp:cNvPr id="0" name=""/>
-        <dsp:cNvSpPr/>
-      </dsp:nvSpPr>
-      <dsp:spPr>
-        <a:xfrm>
-          <a:off x="0" y="3045539"/>
-          <a:ext cx="8186849" cy="378000"/>
-        </a:xfrm>
-        <a:prstGeom prst="rect">
-          <a:avLst/>
-        </a:prstGeom>
-        <a:solidFill>
-          <a:schemeClr val="lt1">
-            <a:alpha val="90000"/>
-            <a:hueOff val="0"/>
-            <a:satOff val="0"/>
-            <a:lumOff val="0"/>
-            <a:alphaOff val="0"/>
-          </a:schemeClr>
-        </a:solidFill>
-        <a:ln w="25400" cap="flat" cmpd="sng" algn="ctr">
-          <a:solidFill>
-            <a:schemeClr val="accent1">
-              <a:hueOff val="0"/>
-              <a:satOff val="0"/>
-              <a:lumOff val="0"/>
-              <a:alphaOff val="0"/>
-            </a:schemeClr>
-          </a:solidFill>
-          <a:prstDash val="solid"/>
-        </a:ln>
-        <a:effectLst/>
-      </dsp:spPr>
-      <dsp:style>
-        <a:lnRef idx="2">
-          <a:scrgbClr r="0" g="0" b="0"/>
-        </a:lnRef>
-        <a:fillRef idx="1">
-          <a:scrgbClr r="0" g="0" b="0"/>
-        </a:fillRef>
-        <a:effectRef idx="0">
-          <a:scrgbClr r="0" g="0" b="0"/>
-        </a:effectRef>
-        <a:fontRef idx="minor"/>
-      </dsp:style>
-    </dsp:sp>
-    <dsp:sp modelId="{87CE0234-DD6A-B345-9CCA-77CA1E6C8616}">
-      <dsp:nvSpPr>
-        <dsp:cNvPr id="0" name=""/>
-        <dsp:cNvSpPr/>
-      </dsp:nvSpPr>
-      <dsp:spPr>
-        <a:xfrm>
-          <a:off x="409342" y="2824139"/>
-          <a:ext cx="5730794" cy="442800"/>
-        </a:xfrm>
-        <a:prstGeom prst="roundRect">
-          <a:avLst/>
-        </a:prstGeom>
-        <a:solidFill>
-          <a:schemeClr val="accent1">
-            <a:hueOff val="0"/>
-            <a:satOff val="0"/>
-            <a:lumOff val="0"/>
-            <a:alphaOff val="0"/>
-          </a:schemeClr>
-        </a:solidFill>
-        <a:ln w="25400" cap="flat" cmpd="sng" algn="ctr">
-          <a:solidFill>
-            <a:schemeClr val="lt1">
-              <a:hueOff val="0"/>
-              <a:satOff val="0"/>
-              <a:lumOff val="0"/>
-              <a:alphaOff val="0"/>
-            </a:schemeClr>
-          </a:solidFill>
-          <a:prstDash val="solid"/>
-        </a:ln>
-        <a:effectLst/>
-      </dsp:spPr>
-      <dsp:style>
-        <a:lnRef idx="2">
-          <a:scrgbClr r="0" g="0" b="0"/>
-        </a:lnRef>
-        <a:fillRef idx="1">
-          <a:scrgbClr r="0" g="0" b="0"/>
-        </a:fillRef>
-        <a:effectRef idx="0">
-          <a:scrgbClr r="0" g="0" b="0"/>
-        </a:effectRef>
-        <a:fontRef idx="minor">
-          <a:schemeClr val="lt1"/>
-        </a:fontRef>
-      </dsp:style>
-      <dsp:txBody>
-        <a:bodyPr spcFirstLastPara="0" vert="horz" wrap="square" lIns="216610" tIns="0" rIns="216610" bIns="0" numCol="1" spcCol="1270" anchor="ctr" anchorCtr="0">
-          <a:noAutofit/>
-        </a:bodyPr>
-        <a:lstStyle/>
-        <a:p>
-          <a:pPr marL="0" lvl="0" indent="0" algn="l" defTabSz="666750" latinLnBrk="1">
-            <a:lnSpc>
-              <a:spcPct val="90000"/>
-            </a:lnSpc>
-            <a:spcBef>
-              <a:spcPct val="0"/>
-            </a:spcBef>
-            <a:spcAft>
-              <a:spcPct val="35000"/>
-            </a:spcAft>
-            <a:buNone/>
-          </a:pPr>
-          <a:r>
-            <a:rPr lang="ko-KR" altLang="en-US" sz="1500" kern="1200">
-              <a:solidFill>
-                <a:schemeClr val="tx1"/>
-              </a:solidFill>
-              <a:latin typeface="arial"/>
-              <a:ea typeface="arial"/>
-              <a:cs typeface="arial"/>
-              <a:sym typeface="arial"/>
-            </a:rPr>
-            <a:t>소수는 순서대로 출력한다</a:t>
-          </a:r>
-          <a:r>
-            <a:rPr lang="en-US" altLang="ko-KR" sz="1500" kern="1200">
-              <a:solidFill>
-                <a:schemeClr val="tx1"/>
-              </a:solidFill>
-              <a:latin typeface="arial"/>
-              <a:ea typeface="arial"/>
-              <a:cs typeface="arial"/>
-              <a:sym typeface="arial"/>
-            </a:rPr>
-            <a:t>.</a:t>
-          </a:r>
-          <a:endParaRPr lang="ko-KR" altLang="en-US" sz="1500" kern="1200">
-            <a:solidFill>
-              <a:schemeClr val="tx1"/>
-            </a:solidFill>
-            <a:latin typeface="arial"/>
-            <a:ea typeface="arial"/>
-            <a:cs typeface="arial"/>
-            <a:sym typeface="arial"/>
-          </a:endParaRPr>
-        </a:p>
-      </dsp:txBody>
-      <dsp:txXfrm>
-        <a:off x="430958" y="2845755"/>
-        <a:ext cx="5687562" cy="399568"/>
-      </dsp:txXfrm>
-    </dsp:sp>
-  </dsp:spTree>
-</dsp:drawing>
-</file>
-
-<file path=ppt/diagrams/layout1.xml><?xml version="1.0" encoding="utf-8"?>
-<dgm:layoutDef xmlns:dgm="http://schemas.openxmlformats.org/drawingml/2006/diagram" xmlns:a="http://schemas.openxmlformats.org/drawingml/2006/main" uniqueId="urn:microsoft.com/office/officeart/2005/8/layout/list1">
-  <dgm:title val=""/>
-  <dgm:desc val=""/>
-  <dgm:catLst>
-    <dgm:cat type="list" pri="4000"/>
-  </dgm:catLst>
-  <dgm:sampData>
-    <dgm:dataModel>
-      <dgm:ptLst>
-        <dgm:pt modelId="0" type="doc"/>
-        <dgm:pt modelId="1">
-          <dgm:prSet phldr="1"/>
-        </dgm:pt>
-        <dgm:pt modelId="2">
-          <dgm:prSet phldr="1"/>
-        </dgm:pt>
-        <dgm:pt modelId="3">
-          <dgm:prSet phldr="1"/>
-        </dgm:pt>
-      </dgm:ptLst>
-      <dgm:cxnLst>
-        <dgm:cxn modelId="4" srcId="0" destId="1" srcOrd="0" destOrd="0"/>
-        <dgm:cxn modelId="5" srcId="0" destId="2" srcOrd="1" destOrd="0"/>
-        <dgm:cxn modelId="6" srcId="0" destId="3" srcOrd="2" destOrd="0"/>
-      </dgm:cxnLst>
-      <dgm:bg/>
-      <dgm:whole/>
-    </dgm:dataModel>
-  </dgm:sampData>
-  <dgm:styleData>
-    <dgm:dataModel>
-      <dgm:ptLst>
-        <dgm:pt modelId="0" type="doc"/>
-        <dgm:pt modelId="1"/>
-        <dgm:pt modelId="2"/>
-      </dgm:ptLst>
-      <dgm:cxnLst>
-        <dgm:cxn modelId="4" srcId="0" destId="1" srcOrd="0" destOrd="0"/>
-        <dgm:cxn modelId="5" srcId="0" destId="2" srcOrd="1" destOrd="0"/>
-      </dgm:cxnLst>
-      <dgm:bg/>
-      <dgm:whole/>
-    </dgm:dataModel>
-  </dgm:styleData>
-  <dgm:clrData>
-    <dgm:dataModel>
-      <dgm:ptLst>
-        <dgm:pt modelId="0" type="doc"/>
-        <dgm:pt modelId="1"/>
-        <dgm:pt modelId="2"/>
-        <dgm:pt modelId="3"/>
-        <dgm:pt modelId="4"/>
-      </dgm:ptLst>
-      <dgm:cxnLst>
-        <dgm:cxn modelId="5" srcId="0" destId="1" srcOrd="0" destOrd="0"/>
-        <dgm:cxn modelId="6" srcId="0" destId="2" srcOrd="1" destOrd="0"/>
-        <dgm:cxn modelId="7" srcId="0" destId="3" srcOrd="2" destOrd="0"/>
-        <dgm:cxn modelId="8" srcId="0" destId="4" srcOrd="3" destOrd="0"/>
-      </dgm:cxnLst>
-      <dgm:bg/>
-      <dgm:whole/>
-    </dgm:dataModel>
-  </dgm:clrData>
-  <dgm:layoutNode name="linear">
-    <dgm:varLst>
-      <dgm:dir/>
-      <dgm:animLvl val="lvl"/>
-      <dgm:resizeHandles val="exact"/>
-    </dgm:varLst>
-    <dgm:choose name="Name0">
-      <dgm:if name="Name1" func="var" arg="dir" op="equ" val="norm">
-        <dgm:alg type="lin">
-          <dgm:param type="linDir" val="fromT"/>
-          <dgm:param type="vertAlign" val="mid"/>
-          <dgm:param type="horzAlign" val="l"/>
-          <dgm:param type="nodeHorzAlign" val="l"/>
-        </dgm:alg>
-      </dgm:if>
-      <dgm:else name="Name2">
-        <dgm:alg type="lin">
-          <dgm:param type="linDir" val="fromT"/>
-          <dgm:param type="vertAlign" val="mid"/>
-          <dgm:param type="horzAlign" val="r"/>
-          <dgm:param type="nodeHorzAlign" val="r"/>
-        </dgm:alg>
-      </dgm:else>
-    </dgm:choose>
-    <dgm:shape xmlns:r="http://schemas.openxmlformats.org/officeDocument/2006/relationships" r:blip="">
-      <dgm:adjLst/>
-    </dgm:shape>
-    <dgm:presOf/>
-    <dgm:constrLst>
-      <dgm:constr type="w" for="ch" forName="parentLin" refType="w"/>
-      <dgm:constr type="h" for="ch" forName="parentLin" val="INF"/>
-      <dgm:constr type="w" for="des" forName="parentLeftMargin" refType="w" fact="0.05"/>
-      <dgm:constr type="w" for="des" forName="parentText" refType="w" fact="0.7"/>
-      <dgm:constr type="h" for="des" forName="parentText" refType="primFontSz" refFor="des" refForName="parentText" fact="0.82"/>
-      <dgm:constr type="h" for="ch" forName="negativeSpace" refType="primFontSz" refFor="des" refForName="parentText" fact="-0.41"/>
-      <dgm:constr type="h" for="ch" forName="negativeSpace" refType="h" refFor="des" refForName="parentText" op="lte" fact="-0.82"/>
-      <dgm:constr type="h" for="ch" forName="negativeSpace" refType="h" refFor="des" refForName="parentText" op="gte" fact="-0.82"/>
-      <dgm:constr type="w" for="ch" forName="childText" refType="w"/>
-      <dgm:constr type="h" for="ch" forName="childText" refType="primFontSz" refFor="des" refForName="parentText" fact="0.7"/>
-      <dgm:constr type="primFontSz" for="des" forName="parentText" val="65"/>
-      <dgm:constr type="primFontSz" for="ch" forName="childText" refType="primFontSz" refFor="des" refForName="parentText"/>
-      <dgm:constr type="tMarg" for="ch" forName="childText" refType="primFontSz" refFor="des" refForName="parentText" fact="1.64"/>
-      <dgm:constr type="tMarg" for="ch" forName="childText" refType="h" refFor="des" refForName="parentText" op="lte" fact="3.28"/>
-      <dgm:constr type="tMarg" for="ch" forName="childText" refType="h" refFor="des" refForName="parentText" op="gte" fact="3.28"/>
-      <dgm:constr type="lMarg" for="ch" forName="childText" refType="w" fact="0.22"/>
-      <dgm:constr type="rMarg" for="ch" forName="childText" refType="lMarg" refFor="ch" refForName="childText"/>
-      <dgm:constr type="lMarg" for="des" forName="parentText" refType="w" fact="0.075"/>
-      <dgm:constr type="rMarg" for="des" forName="parentText" refType="lMarg" refFor="des" refForName="parentText"/>
-      <dgm:constr type="h" for="ch" forName="spaceBetweenRectangles" refType="primFontSz" refFor="des" refForName="parentText" fact="0.15"/>
-    </dgm:constrLst>
-    <dgm:ruleLst>
-      <dgm:rule type="primFontSz" for="des" forName="parentText" val="5" fact="NaN" max="NaN"/>
-    </dgm:ruleLst>
-    <dgm:forEach name="Name3" axis="ch" ptType="node">
-      <dgm:layoutNode name="parentLin">
-        <dgm:choose name="Name4">
-          <dgm:if name="Name5" func="var" arg="dir" op="equ" val="norm">
-            <dgm:alg type="lin">
-              <dgm:param type="linDir" val="fromL"/>
-              <dgm:param type="horzAlign" val="l"/>
-              <dgm:param type="nodeHorzAlign" val="l"/>
-            </dgm:alg>
-          </dgm:if>
-          <dgm:else name="Name6">
-            <dgm:alg type="lin">
-              <dgm:param type="linDir" val="fromR"/>
-              <dgm:param type="horzAlign" val="r"/>
-              <dgm:param type="nodeHorzAlign" val="r"/>
-            </dgm:alg>
-          </dgm:else>
-        </dgm:choose>
-        <dgm:shape xmlns:r="http://schemas.openxmlformats.org/officeDocument/2006/relationships" r:blip="">
-          <dgm:adjLst/>
-        </dgm:shape>
-        <dgm:presOf/>
-        <dgm:constrLst/>
-        <dgm:ruleLst/>
-        <dgm:layoutNode name="parentLeftMargin">
-          <dgm:alg type="sp"/>
-          <dgm:shape xmlns:r="http://schemas.openxmlformats.org/officeDocument/2006/relationships" type="rect" r:blip="" hideGeom="1">
-            <dgm:adjLst/>
-          </dgm:shape>
-          <dgm:presOf axis="self"/>
-          <dgm:constrLst>
-            <dgm:constr type="h"/>
-          </dgm:constrLst>
-          <dgm:ruleLst/>
-        </dgm:layoutNode>
-        <dgm:layoutNode name="parentText" styleLbl="node1">
-          <dgm:varLst>
-            <dgm:chMax val="0"/>
-            <dgm:bulletEnabled val="1"/>
-          </dgm:varLst>
-          <dgm:choose name="Name7">
-            <dgm:if name="Name8" func="var" arg="dir" op="equ" val="norm">
-              <dgm:alg type="tx">
-                <dgm:param type="parTxLTRAlign" val="l"/>
-                <dgm:param type="parTxRTLAlign" val="l"/>
-              </dgm:alg>
-            </dgm:if>
-            <dgm:else name="Name9">
-              <dgm:alg type="tx">
-                <dgm:param type="parTxLTRAlign" val="r"/>
-                <dgm:param type="parTxRTLAlign" val="r"/>
-              </dgm:alg>
-            </dgm:else>
-          </dgm:choose>
-          <dgm:shape xmlns:r="http://schemas.openxmlformats.org/officeDocument/2006/relationships" type="roundRect" r:blip="">
-            <dgm:adjLst/>
-          </dgm:shape>
-          <dgm:presOf axis="self" ptType="node"/>
-          <dgm:constrLst>
-            <dgm:constr type="tMarg"/>
-            <dgm:constr type="bMarg"/>
-          </dgm:constrLst>
-          <dgm:ruleLst/>
-        </dgm:layoutNode>
-      </dgm:layoutNode>
-      <dgm:layoutNode name="negativeSpace">
-        <dgm:alg type="sp"/>
-        <dgm:shape xmlns:r="http://schemas.openxmlformats.org/officeDocument/2006/relationships" r:blip="">
-          <dgm:adjLst/>
-        </dgm:shape>
-        <dgm:presOf/>
-        <dgm:constrLst/>
-        <dgm:ruleLst/>
-      </dgm:layoutNode>
-      <dgm:layoutNode name="childText" styleLbl="conFgAcc1">
-        <dgm:varLst>
-          <dgm:bulletEnabled val="1"/>
-        </dgm:varLst>
-        <dgm:alg type="tx">
-          <dgm:param type="stBulletLvl" val="1"/>
-        </dgm:alg>
-        <dgm:shape xmlns:r="http://schemas.openxmlformats.org/officeDocument/2006/relationships" type="rect" r:blip="" zOrderOff="-2">
-          <dgm:adjLst/>
-        </dgm:shape>
-        <dgm:presOf axis="des" ptType="node"/>
-        <dgm:constrLst>
-          <dgm:constr type="secFontSz" refType="primFontSz"/>
-        </dgm:constrLst>
-        <dgm:ruleLst>
-          <dgm:rule type="h" val="INF" fact="NaN" max="NaN"/>
-        </dgm:ruleLst>
-      </dgm:layoutNode>
-      <dgm:forEach name="Name10" axis="followSib" ptType="sibTrans" cnt="1">
-        <dgm:layoutNode name="spaceBetweenRectangles">
-          <dgm:alg type="sp"/>
-          <dgm:shape xmlns:r="http://schemas.openxmlformats.org/officeDocument/2006/relationships" r:blip="">
-            <dgm:adjLst/>
-          </dgm:shape>
-          <dgm:presOf/>
-          <dgm:constrLst/>
-          <dgm:ruleLst/>
-        </dgm:layoutNode>
-      </dgm:forEach>
-    </dgm:forEach>
-  </dgm:layoutNode>
-</dgm:layoutDef>
-</file>
-
-<file path=ppt/diagrams/quickStyle1.xml><?xml version="1.0" encoding="utf-8"?>
-<dgm:styleDef xmlns:dgm="http://schemas.openxmlformats.org/drawingml/2006/diagram" xmlns:a="http://schemas.openxmlformats.org/drawingml/2006/main" uniqueId="urn:microsoft.com/office/officeart/2005/8/quickstyle/simple1">
-  <dgm:title val=""/>
-  <dgm:desc val=""/>
-  <dgm:catLst>
-    <dgm:cat type="simple" pri="10100"/>
-  </dgm:catLst>
-  <dgm:scene3d>
-    <a:camera prst="orthographicFront"/>
-    <a:lightRig rig="threePt" dir="t"/>
-  </dgm:scene3d>
-  <dgm:styleLbl name="node0">
-    <dgm:scene3d>
-      <a:camera prst="orthographicFront"/>
-      <a:lightRig rig="threePt" dir="t"/>
-    </dgm:scene3d>
-    <dgm:sp3d/>
-    <dgm:txPr/>
-    <dgm:style>
-      <a:lnRef idx="2">
-        <a:scrgbClr r="0" g="0" b="0"/>
-      </a:lnRef>
-      <a:fillRef idx="1">
-        <a:scrgbClr r="0" g="0" b="0"/>
-      </a:fillRef>
-      <a:effectRef idx="0">
-        <a:scrgbClr r="0" g="0" b="0"/>
-      </a:effectRef>
-      <a:fontRef idx="minor">
-        <a:schemeClr val="lt1"/>
-      </a:fontRef>
-    </dgm:style>
-  </dgm:styleLbl>
-  <dgm:styleLbl name="lnNode1">
-    <dgm:scene3d>
-      <a:camera prst="orthographicFront"/>
-      <a:lightRig rig="threePt" dir="t"/>
-    </dgm:scene3d>
-    <dgm:sp3d/>
-    <dgm:txPr/>
-    <dgm:style>
-      <a:lnRef idx="2">
-        <a:scrgbClr r="0" g="0" b="0"/>
-      </a:lnRef>
-      <a:fillRef idx="1">
-        <a:scrgbClr r="0" g="0" b="0"/>
-      </a:fillRef>
-      <a:effectRef idx="0">
-        <a:scrgbClr r="0" g="0" b="0"/>
-      </a:effectRef>
-      <a:fontRef idx="minor">
-        <a:schemeClr val="lt1"/>
-      </a:fontRef>
-    </dgm:style>
-  </dgm:styleLbl>
-  <dgm:styleLbl name="vennNode1">
-    <dgm:scene3d>
-      <a:camera prst="orthographicFront"/>
-      <a:lightRig rig="threePt" dir="t"/>
-    </dgm:scene3d>
-    <dgm:sp3d/>
-    <dgm:txPr/>
-    <dgm:style>
-      <a:lnRef idx="2">
-        <a:scrgbClr r="0" g="0" b="0"/>
-      </a:lnRef>
-      <a:fillRef idx="1">
-        <a:scrgbClr r="0" g="0" b="0"/>
-      </a:fillRef>
-      <a:effectRef idx="0">
-        <a:scrgbClr r="0" g="0" b="0"/>
-      </a:effectRef>
-      <a:fontRef idx="minor">
-        <a:schemeClr val="tx1"/>
-      </a:fontRef>
-    </dgm:style>
-  </dgm:styleLbl>
-  <dgm:styleLbl name="alignNode1">
-    <dgm:scene3d>
-      <a:camera prst="orthographicFront"/>
-      <a:lightRig rig="threePt" dir="t"/>
-    </dgm:scene3d>
-    <dgm:sp3d/>
-    <dgm:txPr/>
-    <dgm:style>
-      <a:lnRef idx="2">
-        <a:scrgbClr r="0" g="0" b="0"/>
-      </a:lnRef>
-      <a:fillRef idx="1">
-        <a:scrgbClr r="0" g="0" b="0"/>
-      </a:fillRef>
-      <a:effectRef idx="0">
-        <a:scrgbClr r="0" g="0" b="0"/>
-      </a:effectRef>
-      <a:fontRef idx="minor">
-        <a:schemeClr val="lt1"/>
-      </a:fontRef>
-    </dgm:style>
-  </dgm:styleLbl>
-  <dgm:styleLbl name="node1">
-    <dgm:scene3d>
-      <a:camera prst="orthographicFront"/>
-      <a:lightRig rig="threePt" dir="t"/>
-    </dgm:scene3d>
-    <dgm:sp3d/>
-    <dgm:txPr/>
-    <dgm:style>
-      <a:lnRef idx="2">
-        <a:scrgbClr r="0" g="0" b="0"/>
-      </a:lnRef>
-      <a:fillRef idx="1">
-        <a:scrgbClr r="0" g="0" b="0"/>
-      </a:fillRef>
-      <a:effectRef idx="0">
-        <a:scrgbClr r="0" g="0" b="0"/>
-      </a:effectRef>
-      <a:fontRef idx="minor">
-        <a:schemeClr val="lt1"/>
-      </a:fontRef>
-    </dgm:style>
-  </dgm:styleLbl>
-  <dgm:styleLbl name="node2">
-    <dgm:scene3d>
-      <a:camera prst="orthographicFront"/>
-      <a:lightRig rig="threePt" dir="t"/>
-    </dgm:scene3d>
-    <dgm:sp3d/>
-    <dgm:txPr/>
-    <dgm:style>
-      <a:lnRef idx="2">
-        <a:scrgbClr r="0" g="0" b="0"/>
-      </a:lnRef>
-      <a:fillRef idx="1">
-        <a:scrgbClr r="0" g="0" b="0"/>
-      </a:fillRef>
-      <a:effectRef idx="0">
-        <a:scrgbClr r="0" g="0" b="0"/>
-      </a:effectRef>
-      <a:fontRef idx="minor">
-        <a:schemeClr val="lt1"/>
-      </a:fontRef>
-    </dgm:style>
-  </dgm:styleLbl>
-  <dgm:styleLbl name="node3">
-    <dgm:scene3d>
-      <a:camera prst="orthographicFront"/>
-      <a:lightRig rig="threePt" dir="t"/>
-    </dgm:scene3d>
-    <dgm:sp3d/>
-    <dgm:txPr/>
-    <dgm:style>
-      <a:lnRef idx="2">
-        <a:scrgbClr r="0" g="0" b="0"/>
-      </a:lnRef>
-      <a:fillRef idx="1">
-        <a:scrgbClr r="0" g="0" b="0"/>
-      </a:fillRef>
-      <a:effectRef idx="0">
-        <a:scrgbClr r="0" g="0" b="0"/>
-      </a:effectRef>
-      <a:fontRef idx="minor">
-        <a:schemeClr val="lt1"/>
-      </a:fontRef>
-    </dgm:style>
-  </dgm:styleLbl>
-  <dgm:styleLbl name="node4">
-    <dgm:scene3d>
-      <a:camera prst="orthographicFront"/>
-      <a:lightRig rig="threePt" dir="t"/>
-    </dgm:scene3d>
-    <dgm:sp3d/>
-    <dgm:txPr/>
-    <dgm:style>
-      <a:lnRef idx="2">
-        <a:scrgbClr r="0" g="0" b="0"/>
-      </a:lnRef>
-      <a:fillRef idx="1">
-        <a:scrgbClr r="0" g="0" b="0"/>
-      </a:fillRef>
-      <a:effectRef idx="0">
-        <a:scrgbClr r="0" g="0" b="0"/>
-      </a:effectRef>
-      <a:fontRef idx="minor">
-        <a:schemeClr val="lt1"/>
-      </a:fontRef>
-    </dgm:style>
-  </dgm:styleLbl>
-  <dgm:styleLbl name="fgImgPlace1">
-    <dgm:scene3d>
-      <a:camera prst="orthographicFront"/>
-      <a:lightRig rig="threePt" dir="t"/>
-    </dgm:scene3d>
-    <dgm:sp3d/>
-    <dgm:txPr/>
-    <dgm:style>
-      <a:lnRef idx="2">
-        <a:scrgbClr r="0" g="0" b="0"/>
-      </a:lnRef>
-      <a:fillRef idx="1">
-        <a:scrgbClr r="0" g="0" b="0"/>
-      </a:fillRef>
-      <a:effectRef idx="0">
-        <a:scrgbClr r="0" g="0" b="0"/>
-      </a:effectRef>
-      <a:fontRef idx="minor"/>
-    </dgm:style>
-  </dgm:styleLbl>
-  <dgm:styleLbl name="alignImgPlace1">
-    <dgm:scene3d>
-      <a:camera prst="orthographicFront"/>
-      <a:lightRig rig="threePt" dir="t"/>
-    </dgm:scene3d>
-    <dgm:sp3d/>
-    <dgm:txPr/>
-    <dgm:style>
-      <a:lnRef idx="2">
-        <a:scrgbClr r="0" g="0" b="0"/>
-      </a:lnRef>
-      <a:fillRef idx="1">
-        <a:scrgbClr r="0" g="0" b="0"/>
-      </a:fillRef>
-      <a:effectRef idx="0">
-        <a:scrgbClr r="0" g="0" b="0"/>
-      </a:effectRef>
-      <a:fontRef idx="minor"/>
-    </dgm:style>
-  </dgm:styleLbl>
-  <dgm:styleLbl name="bgImgPlace1">
-    <dgm:scene3d>
-      <a:camera prst="orthographicFront"/>
-      <a:lightRig rig="threePt" dir="t"/>
-    </dgm:scene3d>
-    <dgm:sp3d/>
-    <dgm:txPr/>
-    <dgm:style>
-      <a:lnRef idx="2">
-        <a:scrgbClr r="0" g="0" b="0"/>
-      </a:lnRef>
-      <a:fillRef idx="1">
-        <a:scrgbClr r="0" g="0" b="0"/>
-      </a:fillRef>
-      <a:effectRef idx="0">
-        <a:scrgbClr r="0" g="0" b="0"/>
-      </a:effectRef>
-      <a:fontRef idx="minor"/>
-    </dgm:style>
-  </dgm:styleLbl>
-  <dgm:styleLbl name="sibTrans2D1">
-    <dgm:scene3d>
-      <a:camera prst="orthographicFront"/>
-      <a:lightRig rig="threePt" dir="t"/>
-    </dgm:scene3d>
-    <dgm:sp3d/>
-    <dgm:txPr/>
-    <dgm:style>
-      <a:lnRef idx="0">
-        <a:scrgbClr r="0" g="0" b="0"/>
-      </a:lnRef>
-      <a:fillRef idx="1">
-        <a:scrgbClr r="0" g="0" b="0"/>
-      </a:fillRef>
-      <a:effectRef idx="0">
-        <a:scrgbClr r="0" g="0" b="0"/>
-      </a:effectRef>
-      <a:fontRef idx="minor">
-        <a:schemeClr val="lt1"/>
-      </a:fontRef>
-    </dgm:style>
-  </dgm:styleLbl>
-  <dgm:styleLbl name="fgSibTrans2D1">
-    <dgm:scene3d>
-      <a:camera prst="orthographicFront"/>
-      <a:lightRig rig="threePt" dir="t"/>
-    </dgm:scene3d>
-    <dgm:sp3d/>
-    <dgm:txPr/>
-    <dgm:style>
-      <a:lnRef idx="0">
-        <a:scrgbClr r="0" g="0" b="0"/>
-      </a:lnRef>
-      <a:fillRef idx="1">
-        <a:scrgbClr r="0" g="0" b="0"/>
-      </a:fillRef>
-      <a:effectRef idx="0">
-        <a:scrgbClr r="0" g="0" b="0"/>
-      </a:effectRef>
-      <a:fontRef idx="minor">
-        <a:schemeClr val="lt1"/>
-      </a:fontRef>
-    </dgm:style>
-  </dgm:styleLbl>
-  <dgm:styleLbl name="bgSibTrans2D1">
-    <dgm:scene3d>
-      <a:camera prst="orthographicFront"/>
-      <a:lightRig rig="threePt" dir="t"/>
-    </dgm:scene3d>
-    <dgm:sp3d/>
-    <dgm:txPr/>
-    <dgm:style>
-      <a:lnRef idx="0">
-        <a:scrgbClr r="0" g="0" b="0"/>
-      </a:lnRef>
-      <a:fillRef idx="1">
-        <a:scrgbClr r="0" g="0" b="0"/>
-      </a:fillRef>
-      <a:effectRef idx="0">
-        <a:scrgbClr r="0" g="0" b="0"/>
-      </a:effectRef>
-      <a:fontRef idx="minor">
-        <a:schemeClr val="lt1"/>
-      </a:fontRef>
-    </dgm:style>
-  </dgm:styleLbl>
-  <dgm:styleLbl name="sibTrans1D1">
-    <dgm:scene3d>
-      <a:camera prst="orthographicFront"/>
-      <a:lightRig rig="threePt" dir="t"/>
-    </dgm:scene3d>
-    <dgm:sp3d/>
-    <dgm:txPr/>
-    <dgm:style>
-      <a:lnRef idx="1">
-        <a:scrgbClr r="0" g="0" b="0"/>
-      </a:lnRef>
-      <a:fillRef idx="0">
-        <a:scrgbClr r="0" g="0" b="0"/>
-      </a:fillRef>
-      <a:effectRef idx="0">
-        <a:scrgbClr r="0" g="0" b="0"/>
-      </a:effectRef>
-      <a:fontRef idx="minor"/>
-    </dgm:style>
-  </dgm:styleLbl>
-  <dgm:styleLbl name="callout">
-    <dgm:scene3d>
-      <a:camera prst="orthographicFront"/>
-      <a:lightRig rig="threePt" dir="t"/>
-    </dgm:scene3d>
-    <dgm:sp3d/>
-    <dgm:txPr/>
-    <dgm:style>
-      <a:lnRef idx="2">
-        <a:scrgbClr r="0" g="0" b="0"/>
-      </a:lnRef>
-      <a:fillRef idx="1">
-        <a:scrgbClr r="0" g="0" b="0"/>
-      </a:fillRef>
-      <a:effectRef idx="0">
-        <a:scrgbClr r="0" g="0" b="0"/>
-      </a:effectRef>
-      <a:fontRef idx="minor"/>
-    </dgm:style>
-  </dgm:styleLbl>
-  <dgm:styleLbl name="asst0">
-    <dgm:scene3d>
-      <a:camera prst="orthographicFront"/>
-      <a:lightRig rig="threePt" dir="t"/>
-    </dgm:scene3d>
-    <dgm:sp3d/>
-    <dgm:txPr/>
-    <dgm:style>
-      <a:lnRef idx="2">
-        <a:scrgbClr r="0" g="0" b="0"/>
-      </a:lnRef>
-      <a:fillRef idx="1">
-        <a:scrgbClr r="0" g="0" b="0"/>
-      </a:fillRef>
-      <a:effectRef idx="0">
-        <a:scrgbClr r="0" g="0" b="0"/>
-      </a:effectRef>
-      <a:fontRef idx="minor">
-        <a:schemeClr val="lt1"/>
-      </a:fontRef>
-    </dgm:style>
-  </dgm:styleLbl>
-  <dgm:styleLbl name="asst1">
-    <dgm:scene3d>
-      <a:camera prst="orthographicFront"/>
-      <a:lightRig rig="threePt" dir="t"/>
-    </dgm:scene3d>
-    <dgm:sp3d/>
-    <dgm:txPr/>
-    <dgm:style>
-      <a:lnRef idx="2">
-        <a:scrgbClr r="0" g="0" b="0"/>
-      </a:lnRef>
-      <a:fillRef idx="1">
-        <a:scrgbClr r="0" g="0" b="0"/>
-      </a:fillRef>
-      <a:effectRef idx="0">
-        <a:scrgbClr r="0" g="0" b="0"/>
-      </a:effectRef>
-      <a:fontRef idx="minor">
-        <a:schemeClr val="lt1"/>
-      </a:fontRef>
-    </dgm:style>
-  </dgm:styleLbl>
-  <dgm:styleLbl name="asst2">
-    <dgm:scene3d>
-      <a:camera prst="orthographicFront"/>
-      <a:lightRig rig="threePt" dir="t"/>
-    </dgm:scene3d>
-    <dgm:sp3d/>
-    <dgm:txPr/>
-    <dgm:style>
-      <a:lnRef idx="2">
-        <a:scrgbClr r="0" g="0" b="0"/>
-      </a:lnRef>
-      <a:fillRef idx="1">
-        <a:scrgbClr r="0" g="0" b="0"/>
-      </a:fillRef>
-      <a:effectRef idx="0">
-        <a:scrgbClr r="0" g="0" b="0"/>
-      </a:effectRef>
-      <a:fontRef idx="minor">
-        <a:schemeClr val="lt1"/>
-      </a:fontRef>
-    </dgm:style>
-  </dgm:styleLbl>
-  <dgm:styleLbl name="asst3">
-    <dgm:scene3d>
-      <a:camera prst="orthographicFront"/>
-      <a:lightRig rig="threePt" dir="t"/>
-    </dgm:scene3d>
-    <dgm:sp3d/>
-    <dgm:txPr/>
-    <dgm:style>
-      <a:lnRef idx="2">
-        <a:scrgbClr r="0" g="0" b="0"/>
-      </a:lnRef>
-      <a:fillRef idx="1">
-        <a:scrgbClr r="0" g="0" b="0"/>
-      </a:fillRef>
-      <a:effectRef idx="0">
-        <a:scrgbClr r="0" g="0" b="0"/>
-      </a:effectRef>
-      <a:fontRef idx="minor">
-        <a:schemeClr val="lt1"/>
-      </a:fontRef>
-    </dgm:style>
-  </dgm:styleLbl>
-  <dgm:styleLbl name="asst4">
-    <dgm:scene3d>
-      <a:camera prst="orthographicFront"/>
-      <a:lightRig rig="threePt" dir="t"/>
-    </dgm:scene3d>
-    <dgm:sp3d/>
-    <dgm:txPr/>
-    <dgm:style>
-      <a:lnRef idx="2">
-        <a:scrgbClr r="0" g="0" b="0"/>
-      </a:lnRef>
-      <a:fillRef idx="1">
-        <a:scrgbClr r="0" g="0" b="0"/>
-      </a:fillRef>
-      <a:effectRef idx="0">
-        <a:scrgbClr r="0" g="0" b="0"/>
-      </a:effectRef>
-      <a:fontRef idx="minor">
-        <a:schemeClr val="lt1"/>
-      </a:fontRef>
-    </dgm:style>
-  </dgm:styleLbl>
-  <dgm:styleLbl name="parChTrans2D1">
-    <dgm:scene3d>
-      <a:camera prst="orthographicFront"/>
-      <a:lightRig rig="threePt" dir="t"/>
-    </dgm:scene3d>
-    <dgm:sp3d/>
-    <dgm:txPr/>
-    <dgm:style>
-      <a:lnRef idx="2">
-        <a:scrgbClr r="0" g="0" b="0"/>
-      </a:lnRef>
-      <a:fillRef idx="1">
-        <a:scrgbClr r="0" g="0" b="0"/>
-      </a:fillRef>
-      <a:effectRef idx="0">
-        <a:scrgbClr r="0" g="0" b="0"/>
-      </a:effectRef>
-      <a:fontRef idx="minor">
-        <a:schemeClr val="lt1"/>
-      </a:fontRef>
-    </dgm:style>
-  </dgm:styleLbl>
-  <dgm:styleLbl name="parChTrans2D2">
-    <dgm:scene3d>
-      <a:camera prst="orthographicFront"/>
-      <a:lightRig rig="threePt" dir="t"/>
-    </dgm:scene3d>
-    <dgm:sp3d/>
-    <dgm:txPr/>
-    <dgm:style>
-      <a:lnRef idx="2">
-        <a:scrgbClr r="0" g="0" b="0"/>
-      </a:lnRef>
-      <a:fillRef idx="1">
-        <a:scrgbClr r="0" g="0" b="0"/>
-      </a:fillRef>
-      <a:effectRef idx="0">
-        <a:scrgbClr r="0" g="0" b="0"/>
-      </a:effectRef>
-      <a:fontRef idx="minor">
-        <a:schemeClr val="lt1"/>
-      </a:fontRef>
-    </dgm:style>
-  </dgm:styleLbl>
-  <dgm:styleLbl name="parChTrans2D3">
-    <dgm:scene3d>
-      <a:camera prst="orthographicFront"/>
-      <a:lightRig rig="threePt" dir="t"/>
-    </dgm:scene3d>
-    <dgm:sp3d/>
-    <dgm:txPr/>
-    <dgm:style>
-      <a:lnRef idx="2">
-        <a:scrgbClr r="0" g="0" b="0"/>
-      </a:lnRef>
-      <a:fillRef idx="1">
-        <a:scrgbClr r="0" g="0" b="0"/>
-      </a:fillRef>
-      <a:effectRef idx="0">
-        <a:scrgbClr r="0" g="0" b="0"/>
-      </a:effectRef>
-      <a:fontRef idx="minor">
-        <a:schemeClr val="lt1"/>
-      </a:fontRef>
-    </dgm:style>
-  </dgm:styleLbl>
-  <dgm:styleLbl name="parChTrans2D4">
-    <dgm:scene3d>
-      <a:camera prst="orthographicFront"/>
-      <a:lightRig rig="threePt" dir="t"/>
-    </dgm:scene3d>
-    <dgm:sp3d/>
-    <dgm:txPr/>
-    <dgm:style>
-      <a:lnRef idx="2">
-        <a:scrgbClr r="0" g="0" b="0"/>
-      </a:lnRef>
-      <a:fillRef idx="1">
-        <a:scrgbClr r="0" g="0" b="0"/>
-      </a:fillRef>
-      <a:effectRef idx="0">
-        <a:scrgbClr r="0" g="0" b="0"/>
-      </a:effectRef>
-      <a:fontRef idx="minor">
-        <a:schemeClr val="lt1"/>
-      </a:fontRef>
-    </dgm:style>
-  </dgm:styleLbl>
-  <dgm:styleLbl name="parChTrans1D1">
-    <dgm:scene3d>
-      <a:camera prst="orthographicFront"/>
-      <a:lightRig rig="threePt" dir="t"/>
-    </dgm:scene3d>
-    <dgm:sp3d/>
-    <dgm:txPr/>
-    <dgm:style>
-      <a:lnRef idx="2">
-        <a:scrgbClr r="0" g="0" b="0"/>
-      </a:lnRef>
-      <a:fillRef idx="0">
-        <a:scrgbClr r="0" g="0" b="0"/>
-      </a:fillRef>
-      <a:effectRef idx="0">
-        <a:scrgbClr r="0" g="0" b="0"/>
-      </a:effectRef>
-      <a:fontRef idx="minor"/>
-    </dgm:style>
-  </dgm:styleLbl>
-  <dgm:styleLbl name="parChTrans1D2">
-    <dgm:scene3d>
-      <a:camera prst="orthographicFront"/>
-      <a:lightRig rig="threePt" dir="t"/>
-    </dgm:scene3d>
-    <dgm:sp3d/>
-    <dgm:txPr/>
-    <dgm:style>
-      <a:lnRef idx="2">
-        <a:scrgbClr r="0" g="0" b="0"/>
-      </a:lnRef>
-      <a:fillRef idx="0">
-        <a:scrgbClr r="0" g="0" b="0"/>
-      </a:fillRef>
-      <a:effectRef idx="0">
-        <a:scrgbClr r="0" g="0" b="0"/>
-      </a:effectRef>
-      <a:fontRef idx="minor"/>
-    </dgm:style>
-  </dgm:styleLbl>
-  <dgm:styleLbl name="parChTrans1D3">
-    <dgm:scene3d>
-      <a:camera prst="orthographicFront"/>
-      <a:lightRig rig="threePt" dir="t"/>
-    </dgm:scene3d>
-    <dgm:sp3d/>
-    <dgm:txPr/>
-    <dgm:style>
-      <a:lnRef idx="2">
-        <a:scrgbClr r="0" g="0" b="0"/>
-      </a:lnRef>
-      <a:fillRef idx="0">
-        <a:scrgbClr r="0" g="0" b="0"/>
-      </a:fillRef>
-      <a:effectRef idx="0">
-        <a:scrgbClr r="0" g="0" b="0"/>
-      </a:effectRef>
-      <a:fontRef idx="minor"/>
-    </dgm:style>
-  </dgm:styleLbl>
-  <dgm:styleLbl name="parChTrans1D4">
-    <dgm:scene3d>
-      <a:camera prst="orthographicFront"/>
-      <a:lightRig rig="threePt" dir="t"/>
-    </dgm:scene3d>
-    <dgm:sp3d/>
-    <dgm:txPr/>
-    <dgm:style>
-      <a:lnRef idx="2">
-        <a:scrgbClr r="0" g="0" b="0"/>
-      </a:lnRef>
-      <a:fillRef idx="0">
-        <a:scrgbClr r="0" g="0" b="0"/>
-      </a:fillRef>
-      <a:effectRef idx="0">
-        <a:scrgbClr r="0" g="0" b="0"/>
-      </a:effectRef>
-      <a:fontRef idx="minor"/>
-    </dgm:style>
-  </dgm:styleLbl>
-  <dgm:styleLbl name="fgAcc1">
-    <dgm:scene3d>
-      <a:camera prst="orthographicFront"/>
-      <a:lightRig rig="threePt" dir="t"/>
-    </dgm:scene3d>
-    <dgm:sp3d/>
-    <dgm:txPr/>
-    <dgm:style>
-      <a:lnRef idx="2">
-        <a:scrgbClr r="0" g="0" b="0"/>
-      </a:lnRef>
-      <a:fillRef idx="1">
-        <a:scrgbClr r="0" g="0" b="0"/>
-      </a:fillRef>
-      <a:effectRef idx="0">
-        <a:scrgbClr r="0" g="0" b="0"/>
-      </a:effectRef>
-      <a:fontRef idx="minor"/>
-    </dgm:style>
-  </dgm:styleLbl>
-  <dgm:styleLbl name="conFgAcc1">
-    <dgm:scene3d>
-      <a:camera prst="orthographicFront"/>
-      <a:lightRig rig="threePt" dir="t"/>
-    </dgm:scene3d>
-    <dgm:sp3d/>
-    <dgm:txPr/>
-    <dgm:style>
-      <a:lnRef idx="2">
-        <a:scrgbClr r="0" g="0" b="0"/>
-      </a:lnRef>
-      <a:fillRef idx="1">
-        <a:scrgbClr r="0" g="0" b="0"/>
-      </a:fillRef>
-      <a:effectRef idx="0">
-        <a:scrgbClr r="0" g="0" b="0"/>
-      </a:effectRef>
-      <a:fontRef idx="minor"/>
-    </dgm:style>
-  </dgm:styleLbl>
-  <dgm:styleLbl name="alignAcc1">
-    <dgm:scene3d>
-      <a:camera prst="orthographicFront"/>
-      <a:lightRig rig="threePt" dir="t"/>
-    </dgm:scene3d>
-    <dgm:sp3d/>
-    <dgm:txPr/>
-    <dgm:style>
-      <a:lnRef idx="2">
-        <a:scrgbClr r="0" g="0" b="0"/>
-      </a:lnRef>
-      <a:fillRef idx="1">
-        <a:scrgbClr r="0" g="0" b="0"/>
-      </a:fillRef>
-      <a:effectRef idx="0">
-        <a:scrgbClr r="0" g="0" b="0"/>
-      </a:effectRef>
-      <a:fontRef idx="minor"/>
-    </dgm:style>
-  </dgm:styleLbl>
-  <dgm:styleLbl name="trAlignAcc1">
-    <dgm:scene3d>
-      <a:camera prst="orthographicFront"/>
-      <a:lightRig rig="threePt" dir="t"/>
-    </dgm:scene3d>
-    <dgm:sp3d/>
-    <dgm:txPr/>
-    <dgm:style>
-      <a:lnRef idx="1">
-        <a:scrgbClr r="0" g="0" b="0"/>
-      </a:lnRef>
-      <a:fillRef idx="1">
-        <a:scrgbClr r="0" g="0" b="0"/>
-      </a:fillRef>
-      <a:effectRef idx="0">
-        <a:scrgbClr r="0" g="0" b="0"/>
-      </a:effectRef>
-      <a:fontRef idx="minor"/>
-    </dgm:style>
-  </dgm:styleLbl>
-  <dgm:styleLbl name="bgAcc1">
-    <dgm:scene3d>
-      <a:camera prst="orthographicFront"/>
-      <a:lightRig rig="threePt" dir="t"/>
-    </dgm:scene3d>
-    <dgm:sp3d/>
-    <dgm:txPr/>
-    <dgm:style>
-      <a:lnRef idx="2">
-        <a:scrgbClr r="0" g="0" b="0"/>
-      </a:lnRef>
-      <a:fillRef idx="1">
-        <a:scrgbClr r="0" g="0" b="0"/>
-      </a:fillRef>
-      <a:effectRef idx="0">
-        <a:scrgbClr r="0" g="0" b="0"/>
-      </a:effectRef>
-      <a:fontRef idx="minor"/>
-    </dgm:style>
-  </dgm:styleLbl>
-  <dgm:styleLbl name="solidFgAcc1">
-    <dgm:scene3d>
-      <a:camera prst="orthographicFront"/>
-      <a:lightRig rig="threePt" dir="t"/>
-    </dgm:scene3d>
-    <dgm:sp3d/>
-    <dgm:txPr/>
-    <dgm:style>
-      <a:lnRef idx="2">
-        <a:scrgbClr r="0" g="0" b="0"/>
-      </a:lnRef>
-      <a:fillRef idx="1">
-        <a:scrgbClr r="0" g="0" b="0"/>
-      </a:fillRef>
-      <a:effectRef idx="0">
-        <a:scrgbClr r="0" g="0" b="0"/>
-      </a:effectRef>
-      <a:fontRef idx="minor"/>
-    </dgm:style>
-  </dgm:styleLbl>
-  <dgm:styleLbl name="solidAlignAcc1">
-    <dgm:scene3d>
-      <a:camera prst="orthographicFront"/>
-      <a:lightRig rig="threePt" dir="t"/>
-    </dgm:scene3d>
-    <dgm:sp3d/>
-    <dgm:txPr/>
-    <dgm:style>
-      <a:lnRef idx="2">
-        <a:scrgbClr r="0" g="0" b="0"/>
-      </a:lnRef>
-      <a:fillRef idx="1">
-        <a:scrgbClr r="0" g="0" b="0"/>
-      </a:fillRef>
-      <a:effectRef idx="0">
-        <a:scrgbClr r="0" g="0" b="0"/>
-      </a:effectRef>
-      <a:fontRef idx="minor"/>
-    </dgm:style>
-  </dgm:styleLbl>
-  <dgm:styleLbl name="solidBgAcc1">
-    <dgm:scene3d>
-      <a:camera prst="orthographicFront"/>
-      <a:lightRig rig="threePt" dir="t"/>
-    </dgm:scene3d>
-    <dgm:sp3d/>
-    <dgm:txPr/>
-    <dgm:style>
-      <a:lnRef idx="2">
-        <a:scrgbClr r="0" g="0" b="0"/>
-      </a:lnRef>
-      <a:fillRef idx="1">
-        <a:scrgbClr r="0" g="0" b="0"/>
-      </a:fillRef>
-      <a:effectRef idx="0">
-        <a:scrgbClr r="0" g="0" b="0"/>
-      </a:effectRef>
-      <a:fontRef idx="minor"/>
-    </dgm:style>
-  </dgm:styleLbl>
-  <dgm:styleLbl name="fgAccFollowNode1">
-    <dgm:scene3d>
-      <a:camera prst="orthographicFront"/>
-      <a:lightRig rig="threePt" dir="t"/>
-    </dgm:scene3d>
-    <dgm:sp3d/>
-    <dgm:txPr/>
-    <dgm:style>
-      <a:lnRef idx="2">
-        <a:scrgbClr r="0" g="0" b="0"/>
-      </a:lnRef>
-      <a:fillRef idx="1">
-        <a:scrgbClr r="0" g="0" b="0"/>
-      </a:fillRef>
-      <a:effectRef idx="0">
-        <a:scrgbClr r="0" g="0" b="0"/>
-      </a:effectRef>
-      <a:fontRef idx="minor"/>
-    </dgm:style>
-  </dgm:styleLbl>
-  <dgm:styleLbl name="alignAccFollowNode1">
-    <dgm:scene3d>
-      <a:camera prst="orthographicFront"/>
-      <a:lightRig rig="threePt" dir="t"/>
-    </dgm:scene3d>
-    <dgm:sp3d/>
-    <dgm:txPr/>
-    <dgm:style>
-      <a:lnRef idx="2">
-        <a:scrgbClr r="0" g="0" b="0"/>
-      </a:lnRef>
-      <a:fillRef idx="1">
-        <a:scrgbClr r="0" g="0" b="0"/>
-      </a:fillRef>
-      <a:effectRef idx="0">
-        <a:scrgbClr r="0" g="0" b="0"/>
-      </a:effectRef>
-      <a:fontRef idx="minor"/>
-    </dgm:style>
-  </dgm:styleLbl>
-  <dgm:styleLbl name="bgAccFollowNode1">
-    <dgm:scene3d>
-      <a:camera prst="orthographicFront"/>
-      <a:lightRig rig="threePt" dir="t"/>
-    </dgm:scene3d>
-    <dgm:sp3d/>
-    <dgm:txPr/>
-    <dgm:style>
-      <a:lnRef idx="2">
-        <a:scrgbClr r="0" g="0" b="0"/>
-      </a:lnRef>
-      <a:fillRef idx="1">
-        <a:scrgbClr r="0" g="0" b="0"/>
-      </a:fillRef>
-      <a:effectRef idx="0">
-        <a:scrgbClr r="0" g="0" b="0"/>
-      </a:effectRef>
-      <a:fontRef idx="minor"/>
-    </dgm:style>
-  </dgm:styleLbl>
-  <dgm:styleLbl name="fgAcc0">
-    <dgm:scene3d>
-      <a:camera prst="orthographicFront"/>
-      <a:lightRig rig="threePt" dir="t"/>
-    </dgm:scene3d>
-    <dgm:sp3d/>
-    <dgm:txPr/>
-    <dgm:style>
-      <a:lnRef idx="2">
-        <a:scrgbClr r="0" g="0" b="0"/>
-      </a:lnRef>
-      <a:fillRef idx="1">
-        <a:scrgbClr r="0" g="0" b="0"/>
-      </a:fillRef>
-      <a:effectRef idx="0">
-        <a:scrgbClr r="0" g="0" b="0"/>
-      </a:effectRef>
-      <a:fontRef idx="minor"/>
-    </dgm:style>
-  </dgm:styleLbl>
-  <dgm:styleLbl name="fgAcc2">
-    <dgm:scene3d>
-      <a:camera prst="orthographicFront"/>
-      <a:lightRig rig="threePt" dir="t"/>
-    </dgm:scene3d>
-    <dgm:sp3d/>
-    <dgm:txPr/>
-    <dgm:style>
-      <a:lnRef idx="2">
-        <a:scrgbClr r="0" g="0" b="0"/>
-      </a:lnRef>
-      <a:fillRef idx="1">
-        <a:scrgbClr r="0" g="0" b="0"/>
-      </a:fillRef>
-      <a:effectRef idx="0">
-        <a:scrgbClr r="0" g="0" b="0"/>
-      </a:effectRef>
-      <a:fontRef idx="minor"/>
-    </dgm:style>
-  </dgm:styleLbl>
-  <dgm:styleLbl name="fgAcc3">
-    <dgm:scene3d>
-      <a:camera prst="orthographicFront"/>
-      <a:lightRig rig="threePt" dir="t"/>
-    </dgm:scene3d>
-    <dgm:sp3d/>
-    <dgm:txPr/>
-    <dgm:style>
-      <a:lnRef idx="2">
-        <a:scrgbClr r="0" g="0" b="0"/>
-      </a:lnRef>
-      <a:fillRef idx="1">
-        <a:scrgbClr r="0" g="0" b="0"/>
-      </a:fillRef>
-      <a:effectRef idx="0">
-        <a:scrgbClr r="0" g="0" b="0"/>
-      </a:effectRef>
-      <a:fontRef idx="minor"/>
-    </dgm:style>
-  </dgm:styleLbl>
-  <dgm:styleLbl name="fgAcc4">
-    <dgm:scene3d>
-      <a:camera prst="orthographicFront"/>
-      <a:lightRig rig="threePt" dir="t"/>
-    </dgm:scene3d>
-    <dgm:sp3d/>
-    <dgm:txPr/>
-    <dgm:style>
-      <a:lnRef idx="2">
-        <a:scrgbClr r="0" g="0" b="0"/>
-      </a:lnRef>
-      <a:fillRef idx="1">
-        <a:scrgbClr r="0" g="0" b="0"/>
-      </a:fillRef>
-      <a:effectRef idx="0">
-        <a:scrgbClr r="0" g="0" b="0"/>
-      </a:effectRef>
-      <a:fontRef idx="minor"/>
-    </dgm:style>
-  </dgm:styleLbl>
-  <dgm:styleLbl name="bgShp">
-    <dgm:scene3d>
-      <a:camera prst="orthographicFront"/>
-      <a:lightRig rig="threePt" dir="t"/>
-    </dgm:scene3d>
-    <dgm:sp3d/>
-    <dgm:txPr/>
-    <dgm:style>
-      <a:lnRef idx="0">
-        <a:scrgbClr r="0" g="0" b="0"/>
-      </a:lnRef>
-      <a:fillRef idx="1">
-        <a:scrgbClr r="0" g="0" b="0"/>
-      </a:fillRef>
-      <a:effectRef idx="0">
-        <a:scrgbClr r="0" g="0" b="0"/>
-      </a:effectRef>
-      <a:fontRef idx="minor"/>
-    </dgm:style>
-  </dgm:styleLbl>
-  <dgm:styleLbl name="dkBgShp">
-    <dgm:scene3d>
-      <a:camera prst="orthographicFront"/>
-      <a:lightRig rig="threePt" dir="t"/>
-    </dgm:scene3d>
-    <dgm:sp3d/>
-    <dgm:txPr/>
-    <dgm:style>
-      <a:lnRef idx="0">
-        <a:scrgbClr r="0" g="0" b="0"/>
-      </a:lnRef>
-      <a:fillRef idx="1">
-        <a:scrgbClr r="0" g="0" b="0"/>
-      </a:fillRef>
-      <a:effectRef idx="0">
-        <a:scrgbClr r="0" g="0" b="0"/>
-      </a:effectRef>
-      <a:fontRef idx="minor"/>
-    </dgm:style>
-  </dgm:styleLbl>
-  <dgm:styleLbl name="trBgShp">
-    <dgm:scene3d>
-      <a:camera prst="orthographicFront"/>
-      <a:lightRig rig="threePt" dir="t"/>
-    </dgm:scene3d>
-    <dgm:sp3d/>
-    <dgm:txPr/>
-    <dgm:style>
-      <a:lnRef idx="0">
-        <a:scrgbClr r="0" g="0" b="0"/>
-      </a:lnRef>
-      <a:fillRef idx="1">
-        <a:scrgbClr r="0" g="0" b="0"/>
-      </a:fillRef>
-      <a:effectRef idx="0">
-        <a:scrgbClr r="0" g="0" b="0"/>
-      </a:effectRef>
-      <a:fontRef idx="minor"/>
-    </dgm:style>
-  </dgm:styleLbl>
-  <dgm:styleLbl name="fgShp">
-    <dgm:scene3d>
-      <a:camera prst="orthographicFront"/>
-      <a:lightRig rig="threePt" dir="t"/>
-    </dgm:scene3d>
-    <dgm:sp3d/>
-    <dgm:txPr/>
-    <dgm:style>
-      <a:lnRef idx="2">
-        <a:scrgbClr r="0" g="0" b="0"/>
-      </a:lnRef>
-      <a:fillRef idx="1">
-        <a:scrgbClr r="0" g="0" b="0"/>
-      </a:fillRef>
-      <a:effectRef idx="0">
-        <a:scrgbClr r="0" g="0" b="0"/>
-      </a:effectRef>
-      <a:fontRef idx="minor"/>
-    </dgm:style>
-  </dgm:styleLbl>
-  <dgm:styleLbl name="revTx">
-    <dgm:scene3d>
-      <a:camera prst="orthographicFront"/>
-      <a:lightRig rig="threePt" dir="t"/>
-    </dgm:scene3d>
-    <dgm:sp3d/>
-    <dgm:txPr/>
-    <dgm:style>
-      <a:lnRef idx="0">
-        <a:scrgbClr r="0" g="0" b="0"/>
-      </a:lnRef>
-      <a:fillRef idx="0">
-        <a:scrgbClr r="0" g="0" b="0"/>
-      </a:fillRef>
-      <a:effectRef idx="0">
-        <a:scrgbClr r="0" g="0" b="0"/>
-      </a:effectRef>
-      <a:fontRef idx="minor"/>
-    </dgm:style>
-  </dgm:styleLbl>
-</dgm:styleDef>
 </file>
 
 <file path=ppt/notesMasters/notesMaster1.xml><?xml version="1.0" encoding="utf-8"?>
@@ -4980,8 +1086,8 @@
         </p:nvSpPr>
         <p:spPr>
           <a:xfrm>
-            <a:off x="1143225" y="685800"/>
-            <a:ext cx="4572225" cy="3429000"/>
+            <a:off x="381000" y="685800"/>
+            <a:ext cx="6096000" cy="3429000"/>
           </a:xfrm>
           <a:custGeom>
             <a:avLst/>
@@ -5163,109 +1269,459 @@
           </a:bodyPr>
           <a:lstStyle/>
           <a:p>
-            <a:pPr marL="0" lvl="0" indent="0" algn="l" rtl="0">
-              <a:spcBef>
-                <a:spcPts val="0"/>
-              </a:spcBef>
-              <a:spcAft>
-                <a:spcPts val="0"/>
-              </a:spcAft>
-              <a:buNone/>
+            <a:pPr lvl="0" latinLnBrk="1">
+              <a:buClr>
+                <a:srgbClr val="000000"/>
+              </a:buClr>
+              <a:buSzPts val="2400"/>
+              <a:buFont typeface="arial"/>
+              <a:buAutoNum type="arabicPeriod"/>
             </a:pPr>
-            <a:endParaRPr/>
+            <a:r>
+              <a:rPr lang="en-US" altLang="ko-KR" dirty="0">
+                <a:solidFill>
+                  <a:srgbClr val="FFFF00"/>
+                </a:solidFill>
+                <a:latin typeface="arial"/>
+                <a:ea typeface="arial"/>
+                <a:cs typeface="arial"/>
+                <a:sym typeface="arial"/>
+              </a:rPr>
+              <a:t>%(</a:t>
+            </a:r>
+            <a:r>
+              <a:rPr lang="ko-KR" altLang="en-US" dirty="0">
+                <a:solidFill>
+                  <a:srgbClr val="FFFF00"/>
+                </a:solidFill>
+                <a:latin typeface="arial"/>
+                <a:ea typeface="arial"/>
+                <a:cs typeface="arial"/>
+                <a:sym typeface="arial"/>
+              </a:rPr>
+              <a:t>나머지 연산자</a:t>
+            </a:r>
+            <a:r>
+              <a:rPr lang="en-US" altLang="ko-KR" dirty="0">
+                <a:solidFill>
+                  <a:srgbClr val="FFFF00"/>
+                </a:solidFill>
+                <a:latin typeface="arial"/>
+                <a:ea typeface="arial"/>
+                <a:cs typeface="arial"/>
+                <a:sym typeface="arial"/>
+              </a:rPr>
+              <a:t>),</a:t>
+            </a:r>
+            <a:r>
+              <a:rPr lang="ko-KR" altLang="en-US" dirty="0">
+                <a:solidFill>
+                  <a:srgbClr val="FFFF00"/>
+                </a:solidFill>
+                <a:latin typeface="arial"/>
+                <a:ea typeface="arial"/>
+                <a:cs typeface="arial"/>
+                <a:sym typeface="arial"/>
+              </a:rPr>
+              <a:t> </a:t>
+            </a:r>
+            <a:r>
+              <a:rPr lang="en-US" altLang="ko-KR" dirty="0">
+                <a:solidFill>
+                  <a:srgbClr val="FFFF00"/>
+                </a:solidFill>
+                <a:latin typeface="arial"/>
+                <a:ea typeface="arial"/>
+                <a:cs typeface="arial"/>
+                <a:sym typeface="arial"/>
+              </a:rPr>
+              <a:t>bool</a:t>
+            </a:r>
+            <a:r>
+              <a:rPr lang="ko-KR" altLang="en-US" dirty="0">
+                <a:solidFill>
+                  <a:srgbClr val="FFFF00"/>
+                </a:solidFill>
+                <a:latin typeface="arial"/>
+                <a:ea typeface="arial"/>
+                <a:cs typeface="arial"/>
+                <a:sym typeface="arial"/>
+              </a:rPr>
+              <a:t>형 변수 선언</a:t>
+            </a:r>
+            <a:r>
+              <a:rPr lang="en-US" altLang="ko-KR" dirty="0">
+                <a:solidFill>
+                  <a:srgbClr val="FFFF00"/>
+                </a:solidFill>
+                <a:latin typeface="arial"/>
+                <a:ea typeface="arial"/>
+                <a:cs typeface="arial"/>
+                <a:sym typeface="arial"/>
+              </a:rPr>
+              <a:t>(</a:t>
+            </a:r>
+            <a:r>
+              <a:rPr lang="ko-KR" altLang="en-US" dirty="0">
+                <a:solidFill>
+                  <a:srgbClr val="FFFF00"/>
+                </a:solidFill>
+                <a:latin typeface="arial"/>
+                <a:ea typeface="arial"/>
+                <a:cs typeface="arial"/>
+                <a:sym typeface="arial"/>
+              </a:rPr>
+              <a:t>소수 판별</a:t>
+            </a:r>
+            <a:r>
+              <a:rPr lang="en-US" altLang="ko-KR" dirty="0">
+                <a:solidFill>
+                  <a:srgbClr val="FFFF00"/>
+                </a:solidFill>
+                <a:latin typeface="arial"/>
+                <a:ea typeface="arial"/>
+                <a:cs typeface="arial"/>
+                <a:sym typeface="arial"/>
+              </a:rPr>
+              <a:t>)</a:t>
+            </a:r>
+            <a:endParaRPr lang="ko-KR" altLang="en-US" dirty="0">
+              <a:solidFill>
+                <a:srgbClr val="FFFF00"/>
+              </a:solidFill>
+            </a:endParaRPr>
           </a:p>
-        </p:txBody>
-      </p:sp>
-      <p:sp>
-        <p:nvSpPr>
-          <p:cNvPr id="252" name="Google Shape;252;p6:notes"/>
-          <p:cNvSpPr>
-            <a:spLocks noGrp="1" noRot="1" noChangeAspect="1"/>
-          </p:cNvSpPr>
-          <p:nvPr>
-            <p:ph type="sldImg" idx="2"/>
-          </p:nvPr>
-        </p:nvSpPr>
-        <p:spPr>
-          <a:xfrm>
-            <a:off x="381000" y="685800"/>
-            <a:ext cx="6096000" cy="3429000"/>
-          </a:xfrm>
-          <a:custGeom>
-            <a:avLst/>
-            <a:gdLst/>
-            <a:ahLst/>
-            <a:cxnLst/>
-            <a:rect l="l" t="t" r="r" b="b"/>
-            <a:pathLst>
-              <a:path w="120000" h="120000" extrusionOk="0">
-                <a:moveTo>
-                  <a:pt x="0" y="0"/>
-                </a:moveTo>
-                <a:lnTo>
-                  <a:pt x="120000" y="0"/>
-                </a:lnTo>
-                <a:lnTo>
-                  <a:pt x="120000" y="120000"/>
-                </a:lnTo>
-                <a:lnTo>
-                  <a:pt x="0" y="120000"/>
-                </a:lnTo>
-                <a:close/>
-              </a:path>
-            </a:pathLst>
-          </a:custGeom>
-        </p:spPr>
-      </p:sp>
-    </p:spTree>
-  </p:cSld>
-  <p:clrMapOvr>
-    <a:masterClrMapping/>
-  </p:clrMapOvr>
-</p:notes>
-</file>
-
-<file path=ppt/notesSlides/notesSlide6.xml><?xml version="1.0" encoding="utf-8"?>
-<p:notes xmlns:a="http://schemas.openxmlformats.org/drawingml/2006/main" xmlns:r="http://schemas.openxmlformats.org/officeDocument/2006/relationships" xmlns:p="http://schemas.openxmlformats.org/presentationml/2006/main" showMasterSp="0" showMasterPhAnim="0">
-  <p:cSld>
-    <p:spTree>
-      <p:nvGrpSpPr>
-        <p:cNvPr id="1" name="Shape 250"/>
-        <p:cNvGrpSpPr/>
-        <p:nvPr/>
-      </p:nvGrpSpPr>
-      <p:grpSpPr>
-        <a:xfrm>
-          <a:off x="0" y="0"/>
-          <a:ext cx="0" cy="0"/>
-          <a:chOff x="0" y="0"/>
-          <a:chExt cx="0" cy="0"/>
-        </a:xfrm>
-      </p:grpSpPr>
-      <p:sp>
-        <p:nvSpPr>
-          <p:cNvPr id="251" name="Google Shape;251;p6:notes"/>
-          <p:cNvSpPr txBox="1">
-            <a:spLocks noGrp="1"/>
-          </p:cNvSpPr>
-          <p:nvPr>
-            <p:ph type="body" idx="1"/>
-          </p:nvPr>
-        </p:nvSpPr>
-        <p:spPr>
-          <a:xfrm>
-            <a:off x="685800" y="4343400"/>
-            <a:ext cx="5486400" cy="4114800"/>
-          </a:xfrm>
-          <a:prstGeom prst="rect">
-            <a:avLst/>
-          </a:prstGeom>
-        </p:spPr>
-        <p:txBody>
-          <a:bodyPr spcFirstLastPara="1" wrap="square" lIns="91425" tIns="91425" rIns="91425" bIns="91425" anchor="t" anchorCtr="0">
-            <a:noAutofit/>
-          </a:bodyPr>
-          <a:lstStyle/>
+          <a:p>
+            <a:pPr lvl="0" latinLnBrk="1"/>
+            <a:r>
+              <a:rPr lang="en-US" altLang="ko-KR" dirty="0" err="1">
+                <a:solidFill>
+                  <a:srgbClr val="000000"/>
+                </a:solidFill>
+                <a:latin typeface="arial"/>
+                <a:ea typeface="arial"/>
+                <a:cs typeface="arial"/>
+                <a:sym typeface="arial"/>
+              </a:rPr>
+              <a:t>i</a:t>
+            </a:r>
+            <a:r>
+              <a:rPr lang="en-US" altLang="ko-KR" dirty="0">
+                <a:solidFill>
+                  <a:srgbClr val="000000"/>
+                </a:solidFill>
+                <a:latin typeface="arial"/>
+                <a:ea typeface="arial"/>
+                <a:cs typeface="arial"/>
+                <a:sym typeface="arial"/>
+              </a:rPr>
+              <a:t>=3</a:t>
+            </a:r>
+            <a:r>
+              <a:rPr lang="ko-KR" altLang="en-US" dirty="0">
+                <a:solidFill>
+                  <a:srgbClr val="000000"/>
+                </a:solidFill>
+                <a:latin typeface="arial"/>
+                <a:ea typeface="arial"/>
+                <a:cs typeface="arial"/>
+                <a:sym typeface="arial"/>
+              </a:rPr>
+              <a:t>부터 </a:t>
+            </a:r>
+            <a:r>
+              <a:rPr lang="en-US" altLang="ko-KR" dirty="0">
+                <a:solidFill>
+                  <a:srgbClr val="000000"/>
+                </a:solidFill>
+                <a:latin typeface="arial"/>
+                <a:ea typeface="arial"/>
+                <a:cs typeface="arial"/>
+                <a:sym typeface="arial"/>
+              </a:rPr>
+              <a:t>n(</a:t>
+            </a:r>
+            <a:r>
+              <a:rPr lang="ko-KR" altLang="en-US" dirty="0">
+                <a:solidFill>
+                  <a:srgbClr val="000000"/>
+                </a:solidFill>
+                <a:latin typeface="arial"/>
+                <a:ea typeface="arial"/>
+                <a:cs typeface="arial"/>
+                <a:sym typeface="arial"/>
+              </a:rPr>
+              <a:t>입력</a:t>
+            </a:r>
+            <a:r>
+              <a:rPr lang="en-US" altLang="ko-KR" dirty="0">
+                <a:solidFill>
+                  <a:srgbClr val="000000"/>
+                </a:solidFill>
+                <a:latin typeface="arial"/>
+                <a:ea typeface="arial"/>
+                <a:cs typeface="arial"/>
+                <a:sym typeface="arial"/>
+              </a:rPr>
+              <a:t>)</a:t>
+            </a:r>
+            <a:r>
+              <a:rPr lang="ko-KR" altLang="en-US" dirty="0">
+                <a:solidFill>
+                  <a:srgbClr val="000000"/>
+                </a:solidFill>
+                <a:latin typeface="arial"/>
+                <a:ea typeface="arial"/>
+                <a:cs typeface="arial"/>
+                <a:sym typeface="arial"/>
+              </a:rPr>
+              <a:t>까지 각각의 숫자를 </a:t>
+            </a:r>
+            <a:r>
+              <a:rPr lang="en-US" altLang="ko-KR" dirty="0">
+                <a:solidFill>
+                  <a:srgbClr val="000000"/>
+                </a:solidFill>
+                <a:latin typeface="arial"/>
+                <a:ea typeface="arial"/>
+                <a:cs typeface="arial"/>
+                <a:sym typeface="arial"/>
+              </a:rPr>
+              <a:t>++</a:t>
+            </a:r>
+            <a:r>
+              <a:rPr lang="ko-KR" altLang="en-US" dirty="0">
+                <a:solidFill>
+                  <a:srgbClr val="000000"/>
+                </a:solidFill>
+                <a:latin typeface="arial"/>
+                <a:ea typeface="arial"/>
+                <a:cs typeface="arial"/>
+                <a:sym typeface="arial"/>
+              </a:rPr>
+              <a:t> </a:t>
+            </a:r>
+            <a:r>
+              <a:rPr lang="en-US" altLang="ko-KR" dirty="0">
+                <a:solidFill>
+                  <a:srgbClr val="000000"/>
+                </a:solidFill>
+                <a:latin typeface="arial"/>
+                <a:ea typeface="arial"/>
+                <a:cs typeface="arial"/>
+                <a:sym typeface="arial"/>
+              </a:rPr>
+              <a:t>( 3~n</a:t>
+            </a:r>
+            <a:r>
+              <a:rPr lang="ko-KR" altLang="en-US" dirty="0">
+                <a:solidFill>
+                  <a:srgbClr val="000000"/>
+                </a:solidFill>
+                <a:latin typeface="arial"/>
+                <a:ea typeface="arial"/>
+                <a:cs typeface="arial"/>
+                <a:sym typeface="arial"/>
+              </a:rPr>
+              <a:t> 소수 구하기</a:t>
+            </a:r>
+            <a:r>
+              <a:rPr lang="en-US" altLang="ko-KR" dirty="0">
+                <a:solidFill>
+                  <a:srgbClr val="000000"/>
+                </a:solidFill>
+                <a:latin typeface="arial"/>
+                <a:ea typeface="arial"/>
+                <a:cs typeface="arial"/>
+                <a:sym typeface="arial"/>
+              </a:rPr>
+              <a:t>)</a:t>
+            </a:r>
+            <a:endParaRPr lang="ko-KR" altLang="en-US" dirty="0"/>
+          </a:p>
+          <a:p>
+            <a:pPr lvl="0" latinLnBrk="1"/>
+            <a:r>
+              <a:rPr lang="en-US" altLang="ko-KR" dirty="0">
+                <a:solidFill>
+                  <a:srgbClr val="000000"/>
+                </a:solidFill>
+                <a:latin typeface="arial"/>
+                <a:ea typeface="arial"/>
+                <a:cs typeface="arial"/>
+                <a:sym typeface="arial"/>
+              </a:rPr>
+              <a:t>2부터 </a:t>
+            </a:r>
+            <a:r>
+              <a:rPr lang="en-US" altLang="ko-KR" dirty="0" err="1">
+                <a:solidFill>
+                  <a:srgbClr val="000000"/>
+                </a:solidFill>
+                <a:latin typeface="arial"/>
+                <a:ea typeface="arial"/>
+                <a:cs typeface="arial"/>
+                <a:sym typeface="arial"/>
+              </a:rPr>
+              <a:t>i</a:t>
+            </a:r>
+            <a:r>
+              <a:rPr lang="ko-KR" altLang="en-US" dirty="0">
+                <a:solidFill>
+                  <a:schemeClr val="tx1"/>
+                </a:solidFill>
+                <a:latin typeface="arial"/>
+                <a:ea typeface="arial"/>
+                <a:cs typeface="arial"/>
+                <a:sym typeface="arial"/>
+              </a:rPr>
+              <a:t>까지 늘리면서 </a:t>
+            </a:r>
+            <a:r>
+              <a:rPr lang="en-US" altLang="ko-KR" dirty="0">
+                <a:solidFill>
+                  <a:schemeClr val="tx1"/>
+                </a:solidFill>
+                <a:latin typeface="arial"/>
+                <a:ea typeface="arial"/>
+                <a:cs typeface="arial"/>
+                <a:sym typeface="arial"/>
+              </a:rPr>
+              <a:t>“</a:t>
+            </a:r>
+            <a:r>
+              <a:rPr lang="en-US" altLang="ko-KR" dirty="0" err="1">
+                <a:solidFill>
+                  <a:schemeClr val="tx1"/>
+                </a:solidFill>
+                <a:latin typeface="arial"/>
+                <a:ea typeface="arial"/>
+                <a:cs typeface="arial"/>
+                <a:sym typeface="arial"/>
+              </a:rPr>
+              <a:t>i%j</a:t>
+            </a:r>
+            <a:r>
+              <a:rPr lang="en-US" altLang="ko-KR" dirty="0">
+                <a:solidFill>
+                  <a:schemeClr val="tx1"/>
+                </a:solidFill>
+                <a:latin typeface="arial"/>
+                <a:ea typeface="arial"/>
+                <a:cs typeface="arial"/>
+                <a:sym typeface="arial"/>
+              </a:rPr>
+              <a:t>”=0</a:t>
+            </a:r>
+            <a:r>
+              <a:rPr lang="ko-KR" altLang="en-US" dirty="0">
+                <a:solidFill>
+                  <a:schemeClr val="tx1"/>
+                </a:solidFill>
+                <a:latin typeface="arial"/>
+                <a:ea typeface="arial"/>
+                <a:cs typeface="arial"/>
+                <a:sym typeface="arial"/>
+              </a:rPr>
+              <a:t> </a:t>
+            </a:r>
+            <a:r>
+              <a:rPr lang="en-US" altLang="ko-KR" dirty="0">
+                <a:solidFill>
+                  <a:schemeClr val="tx1"/>
+                </a:solidFill>
+                <a:latin typeface="arial"/>
+                <a:ea typeface="arial"/>
+                <a:cs typeface="arial"/>
+                <a:sym typeface="arial"/>
+              </a:rPr>
+              <a:t>-&gt;</a:t>
+            </a:r>
+            <a:r>
+              <a:rPr lang="ko-KR" altLang="en-US" dirty="0">
+                <a:solidFill>
+                  <a:schemeClr val="tx1"/>
+                </a:solidFill>
+                <a:latin typeface="arial"/>
+                <a:ea typeface="arial"/>
+                <a:cs typeface="arial"/>
+                <a:sym typeface="arial"/>
+              </a:rPr>
+              <a:t> 소수가 아님</a:t>
+            </a:r>
+            <a:endParaRPr lang="en-US" altLang="ko-KR" dirty="0">
+              <a:solidFill>
+                <a:schemeClr val="tx1"/>
+              </a:solidFill>
+              <a:latin typeface="arial"/>
+              <a:ea typeface="arial"/>
+              <a:cs typeface="arial"/>
+              <a:sym typeface="arial"/>
+            </a:endParaRPr>
+          </a:p>
+          <a:p>
+            <a:pPr lvl="0" latinLnBrk="1"/>
+            <a:r>
+              <a:rPr lang="ko-KR" altLang="en-US" dirty="0">
+                <a:solidFill>
+                  <a:schemeClr val="tx1"/>
+                </a:solidFill>
+                <a:latin typeface="arial"/>
+                <a:ea typeface="arial"/>
+                <a:cs typeface="arial"/>
+                <a:sym typeface="arial"/>
+              </a:rPr>
+              <a:t>결국 모두 나누어 떨어지지 않으면 소수이다</a:t>
+            </a:r>
+            <a:r>
+              <a:rPr lang="en-US" altLang="ko-KR" dirty="0">
+                <a:solidFill>
+                  <a:schemeClr val="tx1"/>
+                </a:solidFill>
+                <a:latin typeface="arial"/>
+                <a:ea typeface="arial"/>
+                <a:cs typeface="arial"/>
+                <a:sym typeface="arial"/>
+              </a:rPr>
+              <a:t>.</a:t>
+            </a:r>
+          </a:p>
+          <a:p>
+            <a:pPr lvl="0" latinLnBrk="1"/>
+            <a:r>
+              <a:rPr lang="ko-KR" altLang="en-US" dirty="0">
+                <a:solidFill>
+                  <a:schemeClr val="tx1"/>
+                </a:solidFill>
+                <a:latin typeface="arial"/>
+                <a:ea typeface="arial"/>
+                <a:cs typeface="arial"/>
+                <a:sym typeface="arial"/>
+              </a:rPr>
+              <a:t>소수는 순서대로 출력한다</a:t>
+            </a:r>
+            <a:r>
+              <a:rPr lang="en-US" altLang="ko-KR" dirty="0">
+                <a:solidFill>
+                  <a:schemeClr val="tx1"/>
+                </a:solidFill>
+                <a:latin typeface="arial"/>
+                <a:ea typeface="arial"/>
+                <a:cs typeface="arial"/>
+                <a:sym typeface="arial"/>
+              </a:rPr>
+              <a:t>.</a:t>
+            </a:r>
+            <a:endParaRPr lang="ko-KR" altLang="en-US" dirty="0">
+              <a:solidFill>
+                <a:schemeClr val="tx1"/>
+              </a:solidFill>
+              <a:latin typeface="arial"/>
+              <a:ea typeface="arial"/>
+              <a:cs typeface="arial"/>
+              <a:sym typeface="arial"/>
+            </a:endParaRPr>
+          </a:p>
           <a:p>
             <a:pPr marL="0" lvl="0" indent="0" algn="l" rtl="0">
               <a:spcBef>
@@ -5276,7 +1732,7 @@
               </a:spcAft>
               <a:buNone/>
             </a:pPr>
-            <a:endParaRPr/>
+            <a:endParaRPr dirty="0"/>
           </a:p>
         </p:txBody>
       </p:sp>
@@ -5334,6 +1790,545 @@
 </p:notes>
 </file>
 
+<file path=ppt/notesSlides/notesSlide6.xml><?xml version="1.0" encoding="utf-8"?>
+<p:notes xmlns:a="http://schemas.openxmlformats.org/drawingml/2006/main" xmlns:r="http://schemas.openxmlformats.org/officeDocument/2006/relationships" xmlns:p="http://schemas.openxmlformats.org/presentationml/2006/main" showMasterSp="0" showMasterPhAnim="0">
+  <p:cSld>
+    <p:spTree>
+      <p:nvGrpSpPr>
+        <p:cNvPr id="1" name="Shape 250"/>
+        <p:cNvGrpSpPr/>
+        <p:nvPr/>
+      </p:nvGrpSpPr>
+      <p:grpSpPr>
+        <a:xfrm>
+          <a:off x="0" y="0"/>
+          <a:ext cx="0" cy="0"/>
+          <a:chOff x="0" y="0"/>
+          <a:chExt cx="0" cy="0"/>
+        </a:xfrm>
+      </p:grpSpPr>
+      <p:sp>
+        <p:nvSpPr>
+          <p:cNvPr id="251" name="Google Shape;251;p6:notes"/>
+          <p:cNvSpPr txBox="1">
+            <a:spLocks noGrp="1"/>
+          </p:cNvSpPr>
+          <p:nvPr>
+            <p:ph type="body" idx="1"/>
+          </p:nvPr>
+        </p:nvSpPr>
+        <p:spPr>
+          <a:xfrm>
+            <a:off x="685800" y="4343400"/>
+            <a:ext cx="5486400" cy="4114800"/>
+          </a:xfrm>
+          <a:prstGeom prst="rect">
+            <a:avLst/>
+          </a:prstGeom>
+        </p:spPr>
+        <p:txBody>
+          <a:bodyPr spcFirstLastPara="1" wrap="square" lIns="91425" tIns="91425" rIns="91425" bIns="91425" anchor="t" anchorCtr="0">
+            <a:noAutofit/>
+          </a:bodyPr>
+          <a:lstStyle/>
+          <a:p>
+            <a:pPr lvl="0" latinLnBrk="1">
+              <a:buClr>
+                <a:srgbClr val="000000"/>
+              </a:buClr>
+              <a:buSzPts val="2400"/>
+              <a:buFont typeface="arial"/>
+              <a:buAutoNum type="arabicPeriod"/>
+            </a:pPr>
+            <a:r>
+              <a:rPr lang="en-US" altLang="ko-KR" dirty="0">
+                <a:solidFill>
+                  <a:srgbClr val="FFFF00"/>
+                </a:solidFill>
+                <a:latin typeface="arial"/>
+                <a:ea typeface="arial"/>
+                <a:cs typeface="arial"/>
+                <a:sym typeface="arial"/>
+              </a:rPr>
+              <a:t>%(</a:t>
+            </a:r>
+            <a:r>
+              <a:rPr lang="ko-KR" altLang="en-US" dirty="0">
+                <a:solidFill>
+                  <a:srgbClr val="FFFF00"/>
+                </a:solidFill>
+                <a:latin typeface="arial"/>
+                <a:ea typeface="arial"/>
+                <a:cs typeface="arial"/>
+                <a:sym typeface="arial"/>
+              </a:rPr>
+              <a:t>나머지 연산자</a:t>
+            </a:r>
+            <a:r>
+              <a:rPr lang="en-US" altLang="ko-KR" dirty="0">
+                <a:solidFill>
+                  <a:srgbClr val="FFFF00"/>
+                </a:solidFill>
+                <a:latin typeface="arial"/>
+                <a:ea typeface="arial"/>
+                <a:cs typeface="arial"/>
+                <a:sym typeface="arial"/>
+              </a:rPr>
+              <a:t>),</a:t>
+            </a:r>
+            <a:r>
+              <a:rPr lang="ko-KR" altLang="en-US" dirty="0">
+                <a:solidFill>
+                  <a:srgbClr val="FFFF00"/>
+                </a:solidFill>
+                <a:latin typeface="arial"/>
+                <a:ea typeface="arial"/>
+                <a:cs typeface="arial"/>
+                <a:sym typeface="arial"/>
+              </a:rPr>
+              <a:t> </a:t>
+            </a:r>
+            <a:r>
+              <a:rPr lang="en-US" altLang="ko-KR" dirty="0">
+                <a:solidFill>
+                  <a:srgbClr val="FFFF00"/>
+                </a:solidFill>
+                <a:latin typeface="arial"/>
+                <a:ea typeface="arial"/>
+                <a:cs typeface="arial"/>
+                <a:sym typeface="arial"/>
+              </a:rPr>
+              <a:t>bool</a:t>
+            </a:r>
+            <a:r>
+              <a:rPr lang="ko-KR" altLang="en-US" dirty="0">
+                <a:solidFill>
+                  <a:srgbClr val="FFFF00"/>
+                </a:solidFill>
+                <a:latin typeface="arial"/>
+                <a:ea typeface="arial"/>
+                <a:cs typeface="arial"/>
+                <a:sym typeface="arial"/>
+              </a:rPr>
+              <a:t>형 변수 선언</a:t>
+            </a:r>
+            <a:r>
+              <a:rPr lang="en-US" altLang="ko-KR" dirty="0">
+                <a:solidFill>
+                  <a:srgbClr val="FFFF00"/>
+                </a:solidFill>
+                <a:latin typeface="arial"/>
+                <a:ea typeface="arial"/>
+                <a:cs typeface="arial"/>
+                <a:sym typeface="arial"/>
+              </a:rPr>
+              <a:t>(</a:t>
+            </a:r>
+            <a:r>
+              <a:rPr lang="ko-KR" altLang="en-US" dirty="0">
+                <a:solidFill>
+                  <a:srgbClr val="FFFF00"/>
+                </a:solidFill>
+                <a:latin typeface="arial"/>
+                <a:ea typeface="arial"/>
+                <a:cs typeface="arial"/>
+                <a:sym typeface="arial"/>
+              </a:rPr>
+              <a:t>소수 판별</a:t>
+            </a:r>
+            <a:r>
+              <a:rPr lang="en-US" altLang="ko-KR" dirty="0">
+                <a:solidFill>
+                  <a:srgbClr val="FFFF00"/>
+                </a:solidFill>
+                <a:latin typeface="arial"/>
+                <a:ea typeface="arial"/>
+                <a:cs typeface="arial"/>
+                <a:sym typeface="arial"/>
+              </a:rPr>
+              <a:t>)</a:t>
+            </a:r>
+            <a:endParaRPr lang="ko-KR" altLang="en-US" dirty="0">
+              <a:solidFill>
+                <a:srgbClr val="FFFF00"/>
+              </a:solidFill>
+            </a:endParaRPr>
+          </a:p>
+          <a:p>
+            <a:pPr lvl="0" latinLnBrk="1"/>
+            <a:r>
+              <a:rPr lang="en-US" altLang="ko-KR" dirty="0" err="1">
+                <a:solidFill>
+                  <a:srgbClr val="000000"/>
+                </a:solidFill>
+                <a:latin typeface="arial"/>
+                <a:ea typeface="arial"/>
+                <a:cs typeface="arial"/>
+                <a:sym typeface="arial"/>
+              </a:rPr>
+              <a:t>i</a:t>
+            </a:r>
+            <a:r>
+              <a:rPr lang="en-US" altLang="ko-KR" dirty="0">
+                <a:solidFill>
+                  <a:srgbClr val="000000"/>
+                </a:solidFill>
+                <a:latin typeface="arial"/>
+                <a:ea typeface="arial"/>
+                <a:cs typeface="arial"/>
+                <a:sym typeface="arial"/>
+              </a:rPr>
+              <a:t>=3</a:t>
+            </a:r>
+            <a:r>
+              <a:rPr lang="ko-KR" altLang="en-US" dirty="0">
+                <a:solidFill>
+                  <a:srgbClr val="000000"/>
+                </a:solidFill>
+                <a:latin typeface="arial"/>
+                <a:ea typeface="arial"/>
+                <a:cs typeface="arial"/>
+                <a:sym typeface="arial"/>
+              </a:rPr>
+              <a:t>부터 </a:t>
+            </a:r>
+            <a:r>
+              <a:rPr lang="en-US" altLang="ko-KR" dirty="0">
+                <a:solidFill>
+                  <a:srgbClr val="000000"/>
+                </a:solidFill>
+                <a:latin typeface="arial"/>
+                <a:ea typeface="arial"/>
+                <a:cs typeface="arial"/>
+                <a:sym typeface="arial"/>
+              </a:rPr>
+              <a:t>n(</a:t>
+            </a:r>
+            <a:r>
+              <a:rPr lang="ko-KR" altLang="en-US" dirty="0">
+                <a:solidFill>
+                  <a:srgbClr val="000000"/>
+                </a:solidFill>
+                <a:latin typeface="arial"/>
+                <a:ea typeface="arial"/>
+                <a:cs typeface="arial"/>
+                <a:sym typeface="arial"/>
+              </a:rPr>
+              <a:t>입력</a:t>
+            </a:r>
+            <a:r>
+              <a:rPr lang="en-US" altLang="ko-KR" dirty="0">
+                <a:solidFill>
+                  <a:srgbClr val="000000"/>
+                </a:solidFill>
+                <a:latin typeface="arial"/>
+                <a:ea typeface="arial"/>
+                <a:cs typeface="arial"/>
+                <a:sym typeface="arial"/>
+              </a:rPr>
+              <a:t>)</a:t>
+            </a:r>
+            <a:r>
+              <a:rPr lang="ko-KR" altLang="en-US" dirty="0">
+                <a:solidFill>
+                  <a:srgbClr val="000000"/>
+                </a:solidFill>
+                <a:latin typeface="arial"/>
+                <a:ea typeface="arial"/>
+                <a:cs typeface="arial"/>
+                <a:sym typeface="arial"/>
+              </a:rPr>
+              <a:t>까지 각각의 숫자를 </a:t>
+            </a:r>
+            <a:r>
+              <a:rPr lang="en-US" altLang="ko-KR" dirty="0">
+                <a:solidFill>
+                  <a:srgbClr val="000000"/>
+                </a:solidFill>
+                <a:latin typeface="arial"/>
+                <a:ea typeface="arial"/>
+                <a:cs typeface="arial"/>
+                <a:sym typeface="arial"/>
+              </a:rPr>
+              <a:t>++</a:t>
+            </a:r>
+            <a:r>
+              <a:rPr lang="ko-KR" altLang="en-US" dirty="0">
+                <a:solidFill>
+                  <a:srgbClr val="000000"/>
+                </a:solidFill>
+                <a:latin typeface="arial"/>
+                <a:ea typeface="arial"/>
+                <a:cs typeface="arial"/>
+                <a:sym typeface="arial"/>
+              </a:rPr>
+              <a:t> </a:t>
+            </a:r>
+            <a:r>
+              <a:rPr lang="en-US" altLang="ko-KR" dirty="0">
+                <a:solidFill>
+                  <a:srgbClr val="000000"/>
+                </a:solidFill>
+                <a:latin typeface="arial"/>
+                <a:ea typeface="arial"/>
+                <a:cs typeface="arial"/>
+                <a:sym typeface="arial"/>
+              </a:rPr>
+              <a:t>( 3~n</a:t>
+            </a:r>
+            <a:r>
+              <a:rPr lang="ko-KR" altLang="en-US" dirty="0">
+                <a:solidFill>
+                  <a:srgbClr val="000000"/>
+                </a:solidFill>
+                <a:latin typeface="arial"/>
+                <a:ea typeface="arial"/>
+                <a:cs typeface="arial"/>
+                <a:sym typeface="arial"/>
+              </a:rPr>
+              <a:t> 소수 구하기</a:t>
+            </a:r>
+            <a:r>
+              <a:rPr lang="en-US" altLang="ko-KR" dirty="0">
+                <a:solidFill>
+                  <a:srgbClr val="000000"/>
+                </a:solidFill>
+                <a:latin typeface="arial"/>
+                <a:ea typeface="arial"/>
+                <a:cs typeface="arial"/>
+                <a:sym typeface="arial"/>
+              </a:rPr>
+              <a:t>)</a:t>
+            </a:r>
+            <a:endParaRPr lang="ko-KR" altLang="en-US" dirty="0"/>
+          </a:p>
+          <a:p>
+            <a:pPr lvl="0" latinLnBrk="1"/>
+            <a:r>
+              <a:rPr lang="en-US" altLang="ko-KR" dirty="0">
+                <a:solidFill>
+                  <a:srgbClr val="000000"/>
+                </a:solidFill>
+                <a:latin typeface="arial"/>
+                <a:ea typeface="arial"/>
+                <a:cs typeface="arial"/>
+                <a:sym typeface="arial"/>
+              </a:rPr>
+              <a:t>2부터 </a:t>
+            </a:r>
+            <a:r>
+              <a:rPr lang="en-US" altLang="ko-KR" dirty="0" err="1">
+                <a:solidFill>
+                  <a:srgbClr val="000000"/>
+                </a:solidFill>
+                <a:latin typeface="arial"/>
+                <a:ea typeface="arial"/>
+                <a:cs typeface="arial"/>
+                <a:sym typeface="arial"/>
+              </a:rPr>
+              <a:t>i</a:t>
+            </a:r>
+            <a:r>
+              <a:rPr lang="ko-KR" altLang="en-US" dirty="0">
+                <a:solidFill>
+                  <a:schemeClr val="tx1"/>
+                </a:solidFill>
+                <a:latin typeface="arial"/>
+                <a:ea typeface="arial"/>
+                <a:cs typeface="arial"/>
+                <a:sym typeface="arial"/>
+              </a:rPr>
+              <a:t>까지 늘리면서 </a:t>
+            </a:r>
+            <a:r>
+              <a:rPr lang="en-US" altLang="ko-KR" dirty="0">
+                <a:solidFill>
+                  <a:schemeClr val="tx1"/>
+                </a:solidFill>
+                <a:latin typeface="arial"/>
+                <a:ea typeface="arial"/>
+                <a:cs typeface="arial"/>
+                <a:sym typeface="arial"/>
+              </a:rPr>
+              <a:t>“</a:t>
+            </a:r>
+            <a:r>
+              <a:rPr lang="en-US" altLang="ko-KR" dirty="0" err="1">
+                <a:solidFill>
+                  <a:schemeClr val="tx1"/>
+                </a:solidFill>
+                <a:latin typeface="arial"/>
+                <a:ea typeface="arial"/>
+                <a:cs typeface="arial"/>
+                <a:sym typeface="arial"/>
+              </a:rPr>
+              <a:t>i%j</a:t>
+            </a:r>
+            <a:r>
+              <a:rPr lang="en-US" altLang="ko-KR" dirty="0">
+                <a:solidFill>
+                  <a:schemeClr val="tx1"/>
+                </a:solidFill>
+                <a:latin typeface="arial"/>
+                <a:ea typeface="arial"/>
+                <a:cs typeface="arial"/>
+                <a:sym typeface="arial"/>
+              </a:rPr>
+              <a:t>”</a:t>
+            </a:r>
+            <a:r>
+              <a:rPr lang="ko-KR" altLang="en-US" dirty="0">
+                <a:solidFill>
+                  <a:schemeClr val="tx1"/>
+                </a:solidFill>
+                <a:latin typeface="arial"/>
+                <a:ea typeface="arial"/>
+                <a:cs typeface="arial"/>
+                <a:sym typeface="arial"/>
+              </a:rPr>
+              <a:t>가 딱 떨어지면 소수가 아님</a:t>
+            </a:r>
+            <a:endParaRPr lang="en-US" altLang="ko-KR" dirty="0">
+              <a:solidFill>
+                <a:schemeClr val="tx1"/>
+              </a:solidFill>
+              <a:latin typeface="arial"/>
+              <a:ea typeface="arial"/>
+              <a:cs typeface="arial"/>
+              <a:sym typeface="arial"/>
+            </a:endParaRPr>
+          </a:p>
+          <a:p>
+            <a:pPr lvl="0" latinLnBrk="1"/>
+            <a:r>
+              <a:rPr lang="ko-KR" altLang="en-US" dirty="0">
+                <a:solidFill>
+                  <a:schemeClr val="tx1"/>
+                </a:solidFill>
+                <a:latin typeface="arial"/>
+                <a:ea typeface="arial"/>
+                <a:cs typeface="arial"/>
+                <a:sym typeface="arial"/>
+              </a:rPr>
+              <a:t>결국 모두 나누어 떨어지지 않으면 소수이다</a:t>
+            </a:r>
+            <a:r>
+              <a:rPr lang="en-US" altLang="ko-KR" dirty="0">
+                <a:solidFill>
+                  <a:schemeClr val="tx1"/>
+                </a:solidFill>
+                <a:latin typeface="arial"/>
+                <a:ea typeface="arial"/>
+                <a:cs typeface="arial"/>
+                <a:sym typeface="arial"/>
+              </a:rPr>
+              <a:t>.</a:t>
+            </a:r>
+          </a:p>
+          <a:p>
+            <a:pPr lvl="0" latinLnBrk="1"/>
+            <a:r>
+              <a:rPr lang="ko-KR" altLang="en-US" dirty="0">
+                <a:solidFill>
+                  <a:schemeClr val="tx1"/>
+                </a:solidFill>
+                <a:latin typeface="arial"/>
+                <a:ea typeface="arial"/>
+                <a:cs typeface="arial"/>
+                <a:sym typeface="arial"/>
+              </a:rPr>
+              <a:t>소수는 순서대로 출력한다</a:t>
+            </a:r>
+            <a:r>
+              <a:rPr lang="en-US" altLang="ko-KR" dirty="0">
+                <a:solidFill>
+                  <a:schemeClr val="tx1"/>
+                </a:solidFill>
+                <a:latin typeface="arial"/>
+                <a:ea typeface="arial"/>
+                <a:cs typeface="arial"/>
+                <a:sym typeface="arial"/>
+              </a:rPr>
+              <a:t>.</a:t>
+            </a:r>
+            <a:endParaRPr lang="ko-KR" altLang="en-US" dirty="0">
+              <a:solidFill>
+                <a:schemeClr val="tx1"/>
+              </a:solidFill>
+              <a:latin typeface="arial"/>
+              <a:ea typeface="arial"/>
+              <a:cs typeface="arial"/>
+              <a:sym typeface="arial"/>
+            </a:endParaRPr>
+          </a:p>
+          <a:p>
+            <a:pPr marL="0" lvl="0" indent="0" algn="l" rtl="0">
+              <a:spcBef>
+                <a:spcPts val="0"/>
+              </a:spcBef>
+              <a:spcAft>
+                <a:spcPts val="0"/>
+              </a:spcAft>
+              <a:buNone/>
+            </a:pPr>
+            <a:endParaRPr dirty="0"/>
+          </a:p>
+        </p:txBody>
+      </p:sp>
+      <p:sp>
+        <p:nvSpPr>
+          <p:cNvPr id="252" name="Google Shape;252;p6:notes"/>
+          <p:cNvSpPr>
+            <a:spLocks noGrp="1" noRot="1" noChangeAspect="1"/>
+          </p:cNvSpPr>
+          <p:nvPr>
+            <p:ph type="sldImg" idx="2"/>
+          </p:nvPr>
+        </p:nvSpPr>
+        <p:spPr>
+          <a:xfrm>
+            <a:off x="381000" y="685800"/>
+            <a:ext cx="6096000" cy="3429000"/>
+          </a:xfrm>
+          <a:custGeom>
+            <a:avLst/>
+            <a:gdLst/>
+            <a:ahLst/>
+            <a:cxnLst/>
+            <a:rect l="l" t="t" r="r" b="b"/>
+            <a:pathLst>
+              <a:path w="120000" h="120000" extrusionOk="0">
+                <a:moveTo>
+                  <a:pt x="0" y="0"/>
+                </a:moveTo>
+                <a:lnTo>
+                  <a:pt x="120000" y="0"/>
+                </a:lnTo>
+                <a:lnTo>
+                  <a:pt x="120000" y="120000"/>
+                </a:lnTo>
+                <a:lnTo>
+                  <a:pt x="0" y="120000"/>
+                </a:lnTo>
+                <a:close/>
+              </a:path>
+            </a:pathLst>
+          </a:custGeom>
+        </p:spPr>
+      </p:sp>
+    </p:spTree>
+    <p:extLst>
+      <p:ext uri="{BB962C8B-B14F-4D97-AF65-F5344CB8AC3E}">
+        <p14:creationId xmlns:p14="http://schemas.microsoft.com/office/powerpoint/2010/main" val="2115778181"/>
+      </p:ext>
+    </p:extLst>
+  </p:cSld>
+  <p:clrMapOvr>
+    <a:masterClrMapping/>
+  </p:clrMapOvr>
+</p:notes>
+</file>
+
 <file path=ppt/notesSlides/notesSlide7.xml><?xml version="1.0" encoding="utf-8"?>
 <p:notes xmlns:a="http://schemas.openxmlformats.org/drawingml/2006/main" xmlns:r="http://schemas.openxmlformats.org/officeDocument/2006/relationships" xmlns:p="http://schemas.openxmlformats.org/presentationml/2006/main" showMasterSp="0" showMasterPhAnim="0">
   <p:cSld>
@@ -5385,7 +2380,7 @@
               </a:spcAft>
               <a:buNone/>
             </a:pPr>
-            <a:endParaRPr/>
+            <a:endParaRPr dirty="0"/>
           </a:p>
         </p:txBody>
       </p:sp>
@@ -5489,7 +2484,7 @@
               </a:spcAft>
               <a:buNone/>
             </a:pPr>
-            <a:endParaRPr/>
+            <a:endParaRPr dirty="0"/>
           </a:p>
         </p:txBody>
       </p:sp>
@@ -28217,7 +25212,7 @@
         <p:spPr>
           <a:xfrm>
             <a:off x="1638822" y="1345236"/>
-            <a:ext cx="8903712" cy="4708981"/>
+            <a:ext cx="8903712" cy="4278054"/>
           </a:xfrm>
           <a:prstGeom prst="rect">
             <a:avLst/>
@@ -28243,7 +25238,7 @@
               <a:buNone/>
             </a:pPr>
             <a:r>
-              <a:rPr lang="en-US" sz="3200" b="1">
+              <a:rPr lang="en-US" sz="3200" b="1" dirty="0" err="1">
                 <a:solidFill>
                   <a:srgbClr val="000000"/>
                 </a:solidFill>
@@ -28252,9 +25247,33 @@
                 <a:cs typeface="arial"/>
                 <a:sym typeface="arial"/>
               </a:rPr>
-              <a:t>소수(Prime number) 구하기</a:t>
+              <a:t>소수</a:t>
             </a:r>
-            <a:endParaRPr sz="3200" b="1">
+            <a:r>
+              <a:rPr lang="en-US" sz="3200" b="1" dirty="0">
+                <a:solidFill>
+                  <a:srgbClr val="000000"/>
+                </a:solidFill>
+                <a:latin typeface="arial"/>
+                <a:ea typeface="arial"/>
+                <a:cs typeface="arial"/>
+                <a:sym typeface="arial"/>
+              </a:rPr>
+              <a:t>(Prime number) </a:t>
+            </a:r>
+            <a:r>
+              <a:rPr lang="en-US" sz="3200" b="1" dirty="0" err="1">
+                <a:solidFill>
+                  <a:srgbClr val="000000"/>
+                </a:solidFill>
+                <a:latin typeface="arial"/>
+                <a:ea typeface="arial"/>
+                <a:cs typeface="arial"/>
+                <a:sym typeface="arial"/>
+              </a:rPr>
+              <a:t>구하기</a:t>
+            </a:r>
+            <a:endParaRPr sz="3200" b="1" dirty="0">
               <a:solidFill>
                 <a:srgbClr val="000000"/>
               </a:solidFill>
@@ -28274,7 +25293,7 @@
               </a:spcAft>
               <a:buNone/>
             </a:pPr>
-            <a:endParaRPr sz="2800">
+            <a:endParaRPr sz="2800" dirty="0">
               <a:solidFill>
                 <a:srgbClr val="000000"/>
               </a:solidFill>
@@ -28295,7 +25314,7 @@
               <a:buNone/>
             </a:pPr>
             <a:r>
-              <a:rPr lang="en-US" sz="3600" b="1">
+              <a:rPr lang="en-US" sz="3600" b="1" dirty="0" err="1">
                 <a:solidFill>
                   <a:srgbClr val="000000"/>
                 </a:solidFill>
@@ -28306,7 +25325,7 @@
               </a:rPr>
               <a:t>소수</a:t>
             </a:r>
-            <a:endParaRPr sz="3600" b="1">
+            <a:endParaRPr sz="3600" b="1" dirty="0">
               <a:solidFill>
                 <a:srgbClr val="000000"/>
               </a:solidFill>
@@ -28326,7 +25345,7 @@
               </a:spcAft>
               <a:buNone/>
             </a:pPr>
-            <a:endParaRPr sz="3600" b="1">
+            <a:endParaRPr sz="3600" b="1" dirty="0">
               <a:solidFill>
                 <a:srgbClr val="000000"/>
               </a:solidFill>
@@ -28347,7 +25366,7 @@
               <a:buNone/>
             </a:pPr>
             <a:r>
-              <a:rPr lang="en-US" sz="2800">
+              <a:rPr lang="en-US" sz="2800" dirty="0">
                 <a:solidFill>
                   <a:srgbClr val="000000"/>
                 </a:solidFill>
@@ -28356,9 +25375,81 @@
                 <a:cs typeface="arial"/>
                 <a:sym typeface="arial"/>
               </a:rPr>
-              <a:t>“1”과 자기 자신만으로 나누어지는 수</a:t>
+              <a:t>“1”과 </a:t>
             </a:r>
-            <a:endParaRPr sz="2800">
+            <a:r>
+              <a:rPr lang="en-US" sz="2800" dirty="0" err="1">
+                <a:solidFill>
+                  <a:srgbClr val="000000"/>
+                </a:solidFill>
+                <a:latin typeface="arial"/>
+                <a:ea typeface="arial"/>
+                <a:cs typeface="arial"/>
+                <a:sym typeface="arial"/>
+              </a:rPr>
+              <a:t>자기</a:t>
+            </a:r>
+            <a:r>
+              <a:rPr lang="en-US" sz="2800" dirty="0">
+                <a:solidFill>
+                  <a:srgbClr val="000000"/>
+                </a:solidFill>
+                <a:latin typeface="arial"/>
+                <a:ea typeface="arial"/>
+                <a:cs typeface="arial"/>
+                <a:sym typeface="arial"/>
+              </a:rPr>
+              <a:t> </a:t>
+            </a:r>
+            <a:r>
+              <a:rPr lang="en-US" sz="2800" dirty="0" err="1">
+                <a:solidFill>
+                  <a:srgbClr val="000000"/>
+                </a:solidFill>
+                <a:latin typeface="arial"/>
+                <a:ea typeface="arial"/>
+                <a:cs typeface="arial"/>
+                <a:sym typeface="arial"/>
+              </a:rPr>
+              <a:t>자신만으로</a:t>
+            </a:r>
+            <a:r>
+              <a:rPr lang="en-US" sz="2800" dirty="0">
+                <a:solidFill>
+                  <a:srgbClr val="000000"/>
+                </a:solidFill>
+                <a:latin typeface="arial"/>
+                <a:ea typeface="arial"/>
+                <a:cs typeface="arial"/>
+                <a:sym typeface="arial"/>
+              </a:rPr>
+              <a:t> </a:t>
+            </a:r>
+            <a:r>
+              <a:rPr lang="en-US" sz="2800" dirty="0" err="1">
+                <a:solidFill>
+                  <a:srgbClr val="000000"/>
+                </a:solidFill>
+                <a:latin typeface="arial"/>
+                <a:ea typeface="arial"/>
+                <a:cs typeface="arial"/>
+                <a:sym typeface="arial"/>
+              </a:rPr>
+              <a:t>나누어지는</a:t>
+            </a:r>
+            <a:r>
+              <a:rPr lang="en-US" sz="2800" dirty="0">
+                <a:solidFill>
+                  <a:srgbClr val="000000"/>
+                </a:solidFill>
+                <a:latin typeface="arial"/>
+                <a:ea typeface="arial"/>
+                <a:cs typeface="arial"/>
+                <a:sym typeface="arial"/>
+              </a:rPr>
+              <a:t> 수</a:t>
+            </a:r>
+            <a:endParaRPr sz="2800" dirty="0">
               <a:solidFill>
                 <a:srgbClr val="000000"/>
               </a:solidFill>
@@ -28369,7 +25460,7 @@
             </a:endParaRPr>
           </a:p>
           <a:p>
-            <a:pPr marL="0" marR="0" lvl="0" indent="0" algn="ctr" rtl="0">
+            <a:pPr marL="0" marR="0" lvl="0" indent="0" algn="l" rtl="0">
               <a:spcBef>
                 <a:spcPts val="0"/>
               </a:spcBef>
@@ -28378,31 +25469,7 @@
               </a:spcAft>
               <a:buNone/>
             </a:pPr>
-            <a:r>
-              <a:rPr lang="en-US" sz="2800">
-                <a:solidFill>
-                  <a:srgbClr val="000000"/>
-                </a:solidFill>
-                <a:latin typeface="arial"/>
-                <a:ea typeface="arial"/>
-                <a:cs typeface="arial"/>
-                <a:sym typeface="arial"/>
-              </a:rPr>
-              <a:t>(그 이외의 수는 나누어지지 않는다)</a:t>
-            </a:r>
-            <a:endParaRPr/>
-          </a:p>
-          <a:p>
-            <a:pPr marL="0" marR="0" lvl="0" indent="0" algn="l" rtl="0">
-              <a:spcBef>
-                <a:spcPts val="0"/>
-              </a:spcBef>
-              <a:spcAft>
-                <a:spcPts val="0"/>
-              </a:spcAft>
-              <a:buNone/>
-            </a:pPr>
-            <a:endParaRPr sz="2800" b="0" i="0">
+            <a:endParaRPr sz="2800" b="0" i="0" dirty="0">
               <a:solidFill>
                 <a:srgbClr val="000000"/>
               </a:solidFill>
@@ -28428,7 +25495,7 @@
               <a:buChar char="-"/>
             </a:pPr>
             <a:r>
-              <a:rPr lang="en-US" sz="2800" b="0" i="0">
+              <a:rPr lang="en-US" sz="2800" b="0" i="0" dirty="0">
                 <a:solidFill>
                   <a:srgbClr val="000000"/>
                 </a:solidFill>
@@ -28437,9 +25504,21 @@
                 <a:cs typeface="arial"/>
                 <a:sym typeface="arial"/>
               </a:rPr>
-              <a:t>1, 3, 5, 7, 11, 13, 17, etc</a:t>
+              <a:t>1, 3, 5, 7, 11, 13, 17, </a:t>
             </a:r>
-            <a:endParaRPr sz="2800" b="0" i="0">
+            <a:r>
+              <a:rPr lang="en-US" sz="2800" b="0" i="0" dirty="0" err="1">
+                <a:solidFill>
+                  <a:srgbClr val="000000"/>
+                </a:solidFill>
+                <a:latin typeface="arial"/>
+                <a:ea typeface="arial"/>
+                <a:cs typeface="arial"/>
+                <a:sym typeface="arial"/>
+              </a:rPr>
+              <a:t>etc</a:t>
+            </a:r>
+            <a:endParaRPr sz="2800" b="0" i="0" dirty="0">
               <a:solidFill>
                 <a:srgbClr val="000000"/>
               </a:solidFill>
@@ -28465,7 +25544,7 @@
               <a:buChar char="-"/>
             </a:pPr>
             <a:r>
-              <a:rPr lang="en-US" sz="2800" b="0" i="0">
+              <a:rPr lang="en-US" sz="2800" b="0" i="0" dirty="0" err="1">
                 <a:solidFill>
                   <a:srgbClr val="000000"/>
                 </a:solidFill>
@@ -28474,10 +25553,10 @@
                 <a:cs typeface="arial"/>
                 <a:sym typeface="arial"/>
               </a:rPr>
-              <a:t>소수의 개수는 무한하다</a:t>
+              <a:t>소수의</a:t>
             </a:r>
             <a:r>
-              <a:rPr lang="en-US" sz="2800">
+              <a:rPr lang="en-US" sz="2800" b="0" i="0" dirty="0">
                 <a:solidFill>
                   <a:srgbClr val="000000"/>
                 </a:solidFill>
@@ -28486,27 +25565,10 @@
                 <a:cs typeface="arial"/>
                 <a:sym typeface="arial"/>
               </a:rPr>
-              <a:t> (유클리드, 오일러 증명)</a:t>
+              <a:t> </a:t>
             </a:r>
-            <a:endParaRPr/>
-          </a:p>
-          <a:p>
-            <a:pPr marL="457200" marR="0" lvl="0" indent="-457200" algn="l" rtl="0">
-              <a:spcBef>
-                <a:spcPts val="0"/>
-              </a:spcBef>
-              <a:spcAft>
-                <a:spcPts val="0"/>
-              </a:spcAft>
-              <a:buClr>
-                <a:srgbClr val="000000"/>
-              </a:buClr>
-              <a:buSzPts val="2800"/>
-              <a:buFont typeface="arial"/>
-              <a:buChar char="-"/>
-            </a:pPr>
             <a:r>
-              <a:rPr lang="en-US" sz="2800">
+              <a:rPr lang="en-US" sz="2800" b="0" i="0" dirty="0" err="1">
                 <a:solidFill>
                   <a:srgbClr val="000000"/>
                 </a:solidFill>
@@ -28515,9 +25577,194 @@
                 <a:cs typeface="arial"/>
                 <a:sym typeface="arial"/>
               </a:rPr>
-              <a:t>암호 분야 활용</a:t>
+              <a:t>개수는</a:t>
             </a:r>
-            <a:endParaRPr sz="2800">
+            <a:r>
+              <a:rPr lang="en-US" sz="2800" b="0" i="0" dirty="0">
+                <a:solidFill>
+                  <a:srgbClr val="000000"/>
+                </a:solidFill>
+                <a:latin typeface="arial"/>
+                <a:ea typeface="arial"/>
+                <a:cs typeface="arial"/>
+                <a:sym typeface="arial"/>
+              </a:rPr>
+              <a:t> </a:t>
+            </a:r>
+            <a:r>
+              <a:rPr lang="en-US" sz="2800" b="0" i="0" dirty="0" err="1">
+                <a:solidFill>
+                  <a:srgbClr val="000000"/>
+                </a:solidFill>
+                <a:latin typeface="arial"/>
+                <a:ea typeface="arial"/>
+                <a:cs typeface="arial"/>
+                <a:sym typeface="arial"/>
+              </a:rPr>
+              <a:t>무한하다</a:t>
+            </a:r>
+            <a:r>
+              <a:rPr lang="en-US" sz="2800" dirty="0">
+                <a:solidFill>
+                  <a:srgbClr val="000000"/>
+                </a:solidFill>
+                <a:latin typeface="arial"/>
+                <a:ea typeface="arial"/>
+                <a:cs typeface="arial"/>
+                <a:sym typeface="arial"/>
+              </a:rPr>
+              <a:t> (</a:t>
+            </a:r>
+            <a:r>
+              <a:rPr lang="en-US" sz="2800" dirty="0" err="1">
+                <a:solidFill>
+                  <a:srgbClr val="000000"/>
+                </a:solidFill>
+                <a:latin typeface="arial"/>
+                <a:ea typeface="arial"/>
+                <a:cs typeface="arial"/>
+                <a:sym typeface="arial"/>
+              </a:rPr>
+              <a:t>유클리드</a:t>
+            </a:r>
+            <a:r>
+              <a:rPr lang="en-US" sz="2800" dirty="0">
+                <a:solidFill>
+                  <a:srgbClr val="000000"/>
+                </a:solidFill>
+                <a:latin typeface="arial"/>
+                <a:ea typeface="arial"/>
+                <a:cs typeface="arial"/>
+                <a:sym typeface="arial"/>
+              </a:rPr>
+              <a:t>, </a:t>
+            </a:r>
+            <a:r>
+              <a:rPr lang="en-US" sz="2800" dirty="0" err="1">
+                <a:solidFill>
+                  <a:srgbClr val="000000"/>
+                </a:solidFill>
+                <a:latin typeface="arial"/>
+                <a:ea typeface="arial"/>
+                <a:cs typeface="arial"/>
+                <a:sym typeface="arial"/>
+              </a:rPr>
+              <a:t>오일러</a:t>
+            </a:r>
+            <a:r>
+              <a:rPr lang="en-US" sz="2800" dirty="0">
+                <a:solidFill>
+                  <a:srgbClr val="000000"/>
+                </a:solidFill>
+                <a:latin typeface="arial"/>
+                <a:ea typeface="arial"/>
+                <a:cs typeface="arial"/>
+                <a:sym typeface="arial"/>
+              </a:rPr>
+              <a:t> </a:t>
+            </a:r>
+            <a:r>
+              <a:rPr lang="en-US" sz="2800" dirty="0" err="1">
+                <a:solidFill>
+                  <a:srgbClr val="000000"/>
+                </a:solidFill>
+                <a:latin typeface="arial"/>
+                <a:ea typeface="arial"/>
+                <a:cs typeface="arial"/>
+                <a:sym typeface="arial"/>
+              </a:rPr>
+              <a:t>증명</a:t>
+            </a:r>
+            <a:r>
+              <a:rPr lang="en-US" sz="2800" dirty="0">
+                <a:solidFill>
+                  <a:srgbClr val="000000"/>
+                </a:solidFill>
+                <a:latin typeface="arial"/>
+                <a:ea typeface="arial"/>
+                <a:cs typeface="arial"/>
+                <a:sym typeface="arial"/>
+              </a:rPr>
+              <a:t>)</a:t>
+            </a:r>
+            <a:endParaRPr dirty="0"/>
+          </a:p>
+          <a:p>
+            <a:pPr marL="457200" marR="0" lvl="0" indent="-457200" algn="l" rtl="0">
+              <a:spcBef>
+                <a:spcPts val="0"/>
+              </a:spcBef>
+              <a:spcAft>
+                <a:spcPts val="0"/>
+              </a:spcAft>
+              <a:buClr>
+                <a:srgbClr val="000000"/>
+              </a:buClr>
+              <a:buSzPts val="2800"/>
+              <a:buFont typeface="arial"/>
+              <a:buChar char="-"/>
+            </a:pPr>
+            <a:r>
+              <a:rPr lang="en-US" sz="2800" dirty="0" err="1">
+                <a:solidFill>
+                  <a:srgbClr val="000000"/>
+                </a:solidFill>
+                <a:latin typeface="arial"/>
+                <a:ea typeface="arial"/>
+                <a:cs typeface="arial"/>
+                <a:sym typeface="arial"/>
+              </a:rPr>
+              <a:t>암호</a:t>
+            </a:r>
+            <a:r>
+              <a:rPr lang="en-US" sz="2800" dirty="0">
+                <a:solidFill>
+                  <a:srgbClr val="000000"/>
+                </a:solidFill>
+                <a:latin typeface="arial"/>
+                <a:ea typeface="arial"/>
+                <a:cs typeface="arial"/>
+                <a:sym typeface="arial"/>
+              </a:rPr>
+              <a:t> </a:t>
+            </a:r>
+            <a:r>
+              <a:rPr lang="en-US" sz="2800" dirty="0" err="1">
+                <a:solidFill>
+                  <a:srgbClr val="000000"/>
+                </a:solidFill>
+                <a:latin typeface="arial"/>
+                <a:ea typeface="arial"/>
+                <a:cs typeface="arial"/>
+                <a:sym typeface="arial"/>
+              </a:rPr>
+              <a:t>분야</a:t>
+            </a:r>
+            <a:r>
+              <a:rPr lang="en-US" sz="2800" dirty="0">
+                <a:solidFill>
+                  <a:srgbClr val="000000"/>
+                </a:solidFill>
+                <a:latin typeface="arial"/>
+                <a:ea typeface="arial"/>
+                <a:cs typeface="arial"/>
+                <a:sym typeface="arial"/>
+              </a:rPr>
+              <a:t> </a:t>
+            </a:r>
+            <a:r>
+              <a:rPr lang="en-US" sz="2800" dirty="0" err="1">
+                <a:solidFill>
+                  <a:srgbClr val="000000"/>
+                </a:solidFill>
+                <a:latin typeface="arial"/>
+                <a:ea typeface="arial"/>
+                <a:cs typeface="arial"/>
+                <a:sym typeface="arial"/>
+              </a:rPr>
+              <a:t>활용</a:t>
+            </a:r>
+            <a:endParaRPr sz="2800" dirty="0">
               <a:solidFill>
                 <a:srgbClr val="000000"/>
               </a:solidFill>
@@ -29447,14 +26694,37 @@
               </a:rPr>
               <a:t>		동적 계획법, </a:t>
             </a:r>
+          </a:p>
+          <a:p>
+            <a:pPr marL="0" marR="0" lvl="0" indent="0" algn="l" rtl="0">
+              <a:spcBef>
+                <a:spcPts val="0"/>
+              </a:spcBef>
+              <a:spcAft>
+                <a:spcPts val="0"/>
+              </a:spcAft>
+              <a:buNone/>
+            </a:pPr>
             <a:r>
-              <a:rPr lang="en-US" sz="2400" dirty="0">
+              <a:rPr lang="en-US" altLang="ko-KR" sz="2400" dirty="0">
                 <a:latin typeface="arial"/>
                 <a:ea typeface="arial"/>
                 <a:cs typeface="arial"/>
                 <a:sym typeface="arial"/>
               </a:rPr>
-              <a:t>overlap</a:t>
+              <a:t>		</a:t>
+            </a:r>
+            <a:r>
+              <a:rPr lang="ko-KR" altLang="en-US" sz="2400" dirty="0">
+                <a:solidFill>
+                  <a:srgbClr val="000000"/>
+                </a:solidFill>
+                <a:latin typeface="arial"/>
+                <a:ea typeface="arial"/>
+                <a:cs typeface="arial"/>
+                <a:sym typeface="arial"/>
+              </a:rPr>
+              <a:t>중복</a:t>
             </a:r>
             <a:r>
               <a:rPr lang="ko-KR" altLang="en-US" sz="2400" dirty="0">
@@ -29481,25 +26751,7 @@
                 <a:cs typeface="arial"/>
                 <a:sym typeface="arial"/>
               </a:rPr>
-              <a:t>들이 있으면 </a:t>
-            </a:r>
-            <a:r>
-              <a:rPr lang="en-US" altLang="ko-KR" sz="2400" dirty="0">
-                <a:latin typeface="arial"/>
-                <a:ea typeface="arial"/>
-                <a:cs typeface="arial"/>
-                <a:sym typeface="arial"/>
-              </a:rPr>
-              <a:t>		</a:t>
-            </a:r>
-            <a:r>
-              <a:rPr lang="ko-KR" altLang="en-US" sz="2400" dirty="0">
-                <a:latin typeface="arial"/>
-                <a:ea typeface="arial"/>
-                <a:cs typeface="arial"/>
-                <a:sym typeface="arial"/>
-              </a:rPr>
-              <a:t>사용 가능</a:t>
+              <a:t>들이 있으면 사용 가능</a:t>
             </a:r>
             <a:endParaRPr lang="en-US" altLang="ko-KR" sz="2400" dirty="0">
               <a:latin typeface="arial"/>
@@ -29788,898 +27040,6 @@
 </file>
 
 <file path=ppt/slides/slide5.xml><?xml version="1.0" encoding="utf-8"?>
-<p:sld xmlns:a="http://schemas.openxmlformats.org/drawingml/2006/main" xmlns:r="http://schemas.openxmlformats.org/officeDocument/2006/relationships" xmlns:p="http://schemas.openxmlformats.org/presentationml/2006/main">
-  <p:cSld>
-    <p:spTree>
-      <p:nvGrpSpPr>
-        <p:cNvPr id="1" name="Shape 253"/>
-        <p:cNvGrpSpPr/>
-        <p:nvPr/>
-      </p:nvGrpSpPr>
-      <p:grpSpPr>
-        <a:xfrm>
-          <a:off x="0" y="0"/>
-          <a:ext cx="0" cy="0"/>
-          <a:chOff x="0" y="0"/>
-          <a:chExt cx="0" cy="0"/>
-        </a:xfrm>
-      </p:grpSpPr>
-      <p:sp>
-        <p:nvSpPr>
-          <p:cNvPr id="254" name="Google Shape;254;p30"/>
-          <p:cNvSpPr txBox="1">
-            <a:spLocks noGrp="1"/>
-          </p:cNvSpPr>
-          <p:nvPr>
-            <p:ph type="title"/>
-          </p:nvPr>
-        </p:nvSpPr>
-        <p:spPr>
-          <a:xfrm>
-            <a:off x="1973151" y="143800"/>
-            <a:ext cx="4135268" cy="893660"/>
-          </a:xfrm>
-          <a:prstGeom prst="rect">
-            <a:avLst/>
-          </a:prstGeom>
-          <a:noFill/>
-          <a:ln>
-            <a:noFill/>
-          </a:ln>
-        </p:spPr>
-        <p:txBody>
-          <a:bodyPr spcFirstLastPara="1" wrap="square" lIns="91425" tIns="45700" rIns="91425" bIns="45700" anchor="ctr" anchorCtr="0">
-            <a:normAutofit/>
-          </a:bodyPr>
-          <a:lstStyle/>
-          <a:p>
-            <a:pPr marL="0" lvl="0" indent="0" algn="l" rtl="0">
-              <a:lnSpc>
-                <a:spcPct val="90000"/>
-              </a:lnSpc>
-              <a:spcBef>
-                <a:spcPts val="0"/>
-              </a:spcBef>
-              <a:spcAft>
-                <a:spcPts val="0"/>
-              </a:spcAft>
-              <a:buClr>
-                <a:schemeClr val="dk1"/>
-              </a:buClr>
-              <a:buSzPts val="4400"/>
-              <a:buFont typeface="Arial"/>
-              <a:buNone/>
-            </a:pPr>
-            <a:r>
-              <a:rPr lang="en-US" dirty="0">
-                <a:latin typeface="Arial"/>
-                <a:ea typeface="Arial"/>
-                <a:cs typeface="Arial"/>
-                <a:sym typeface="Arial"/>
-              </a:rPr>
-              <a:t>프로젝트 </a:t>
-            </a:r>
-            <a:r>
-              <a:rPr lang="en-US" dirty="0" err="1">
-                <a:latin typeface="Arial"/>
-                <a:ea typeface="Arial"/>
-                <a:cs typeface="Arial"/>
-                <a:sym typeface="Arial"/>
-              </a:rPr>
-              <a:t>소개</a:t>
-            </a:r>
-            <a:endParaRPr dirty="0"/>
-          </a:p>
-        </p:txBody>
-      </p:sp>
-      <p:sp>
-        <p:nvSpPr>
-          <p:cNvPr id="255" name="Google Shape;255;p30"/>
-          <p:cNvSpPr/>
-          <p:nvPr/>
-        </p:nvSpPr>
-        <p:spPr>
-          <a:xfrm>
-            <a:off x="0" y="0"/>
-            <a:ext cx="1376313" cy="6858000"/>
-          </a:xfrm>
-          <a:prstGeom prst="rect">
-            <a:avLst/>
-          </a:prstGeom>
-          <a:solidFill>
-            <a:srgbClr val="F2F2F2"/>
-          </a:solidFill>
-          <a:ln>
-            <a:noFill/>
-          </a:ln>
-        </p:spPr>
-        <p:txBody>
-          <a:bodyPr spcFirstLastPara="1" wrap="square" lIns="91425" tIns="45700" rIns="91425" bIns="45700" anchor="ctr" anchorCtr="0">
-            <a:noAutofit/>
-          </a:bodyPr>
-          <a:lstStyle/>
-          <a:p>
-            <a:pPr marL="0" marR="0" lvl="0" indent="0" algn="ctr" rtl="0">
-              <a:lnSpc>
-                <a:spcPct val="100000"/>
-              </a:lnSpc>
-              <a:spcBef>
-                <a:spcPts val="0"/>
-              </a:spcBef>
-              <a:spcAft>
-                <a:spcPts val="0"/>
-              </a:spcAft>
-              <a:buClr>
-                <a:schemeClr val="lt1"/>
-              </a:buClr>
-              <a:buSzPts val="1800"/>
-              <a:buFont typeface="Malgun Gothic"/>
-              <a:buNone/>
-            </a:pPr>
-            <a:endParaRPr sz="1800" b="0" i="0" u="none" strike="noStrike" cap="none">
-              <a:solidFill>
-                <a:srgbClr val="FFFFFF"/>
-              </a:solidFill>
-              <a:latin typeface="Malgun Gothic"/>
-              <a:ea typeface="Malgun Gothic"/>
-              <a:cs typeface="Malgun Gothic"/>
-              <a:sym typeface="Malgun Gothic"/>
-            </a:endParaRPr>
-          </a:p>
-        </p:txBody>
-      </p:sp>
-      <p:pic>
-        <p:nvPicPr>
-          <p:cNvPr id="256" name="Google Shape;256;p30" descr="News | ksjlab-koreauniv"/>
-          <p:cNvPicPr preferRelativeResize="0"/>
-          <p:nvPr/>
-        </p:nvPicPr>
-        <p:blipFill rotWithShape="1">
-          <a:blip r:embed="rId3">
-            <a:alphaModFix/>
-          </a:blip>
-          <a:srcRect/>
-          <a:stretch/>
-        </p:blipFill>
-        <p:spPr>
-          <a:xfrm>
-            <a:off x="427155" y="76819"/>
-            <a:ext cx="522002" cy="670092"/>
-          </a:xfrm>
-          <a:prstGeom prst="rect">
-            <a:avLst/>
-          </a:prstGeom>
-          <a:noFill/>
-          <a:ln>
-            <a:noFill/>
-          </a:ln>
-        </p:spPr>
-      </p:pic>
-      <p:sp>
-        <p:nvSpPr>
-          <p:cNvPr id="257" name="Google Shape;257;p30"/>
-          <p:cNvSpPr/>
-          <p:nvPr/>
-        </p:nvSpPr>
-        <p:spPr>
-          <a:xfrm>
-            <a:off x="6415" y="1468870"/>
-            <a:ext cx="1545996" cy="573420"/>
-          </a:xfrm>
-          <a:prstGeom prst="homePlate">
-            <a:avLst>
-              <a:gd name="adj" fmla="val 31038"/>
-            </a:avLst>
-          </a:prstGeom>
-          <a:solidFill>
-            <a:srgbClr val="323F4F"/>
-          </a:solidFill>
-          <a:ln>
-            <a:noFill/>
-          </a:ln>
-        </p:spPr>
-        <p:txBody>
-          <a:bodyPr spcFirstLastPara="1" wrap="square" lIns="91425" tIns="45700" rIns="91425" bIns="45700" anchor="ctr" anchorCtr="0">
-            <a:noAutofit/>
-          </a:bodyPr>
-          <a:lstStyle/>
-          <a:p>
-            <a:pPr marL="0" marR="0" lvl="0" indent="0" algn="ctr" rtl="0">
-              <a:lnSpc>
-                <a:spcPct val="100000"/>
-              </a:lnSpc>
-              <a:spcBef>
-                <a:spcPts val="0"/>
-              </a:spcBef>
-              <a:spcAft>
-                <a:spcPts val="0"/>
-              </a:spcAft>
-              <a:buClr>
-                <a:schemeClr val="lt1"/>
-              </a:buClr>
-              <a:buSzPts val="1800"/>
-              <a:buFont typeface="Malgun Gothic"/>
-              <a:buNone/>
-            </a:pPr>
-            <a:endParaRPr sz="1800" b="0" i="0" u="none" strike="noStrike" cap="none">
-              <a:solidFill>
-                <a:srgbClr val="FFFFFF"/>
-              </a:solidFill>
-              <a:latin typeface="Malgun Gothic"/>
-              <a:ea typeface="Malgun Gothic"/>
-              <a:cs typeface="Malgun Gothic"/>
-              <a:sym typeface="Malgun Gothic"/>
-            </a:endParaRPr>
-          </a:p>
-        </p:txBody>
-      </p:sp>
-      <p:sp>
-        <p:nvSpPr>
-          <p:cNvPr id="258" name="Google Shape;258;p30"/>
-          <p:cNvSpPr txBox="1"/>
-          <p:nvPr/>
-        </p:nvSpPr>
-        <p:spPr>
-          <a:xfrm>
-            <a:off x="257127" y="1037460"/>
-            <a:ext cx="862058" cy="307777"/>
-          </a:xfrm>
-          <a:prstGeom prst="rect">
-            <a:avLst/>
-          </a:prstGeom>
-          <a:noFill/>
-          <a:ln>
-            <a:noFill/>
-          </a:ln>
-        </p:spPr>
-        <p:txBody>
-          <a:bodyPr spcFirstLastPara="1" wrap="square" lIns="91425" tIns="45700" rIns="91425" bIns="45700" anchor="t" anchorCtr="0">
-            <a:spAutoFit/>
-          </a:bodyPr>
-          <a:lstStyle/>
-          <a:p>
-            <a:pPr marL="0" marR="0" lvl="0" indent="0" algn="ctr" rtl="0">
-              <a:lnSpc>
-                <a:spcPct val="100000"/>
-              </a:lnSpc>
-              <a:spcBef>
-                <a:spcPts val="0"/>
-              </a:spcBef>
-              <a:spcAft>
-                <a:spcPts val="0"/>
-              </a:spcAft>
-              <a:buClr>
-                <a:schemeClr val="dk1"/>
-              </a:buClr>
-              <a:buSzPts val="1400"/>
-              <a:buFont typeface="Times New Roman"/>
-              <a:buNone/>
-            </a:pPr>
-            <a:r>
-              <a:rPr lang="en-US" sz="1400" b="1" i="0" u="none" strike="noStrike" cap="none">
-                <a:solidFill>
-                  <a:schemeClr val="dk1"/>
-                </a:solidFill>
-                <a:latin typeface="Times New Roman"/>
-                <a:ea typeface="Times New Roman"/>
-                <a:cs typeface="Times New Roman"/>
-                <a:sym typeface="Times New Roman"/>
-              </a:rPr>
-              <a:t>소개</a:t>
-            </a:r>
-            <a:endParaRPr/>
-          </a:p>
-        </p:txBody>
-      </p:sp>
-      <p:cxnSp>
-        <p:nvCxnSpPr>
-          <p:cNvPr id="259" name="Google Shape;259;p30"/>
-          <p:cNvCxnSpPr/>
-          <p:nvPr/>
-        </p:nvCxnSpPr>
-        <p:spPr>
-          <a:xfrm>
-            <a:off x="1545996" y="1068367"/>
-            <a:ext cx="8996538" cy="0"/>
-          </a:xfrm>
-          <a:prstGeom prst="straightConnector1">
-            <a:avLst/>
-          </a:prstGeom>
-          <a:noFill/>
-          <a:ln w="12700" cap="flat" cmpd="sng">
-            <a:solidFill>
-              <a:schemeClr val="dk1"/>
-            </a:solidFill>
-            <a:prstDash val="solid"/>
-            <a:miter lim="800000"/>
-            <a:headEnd type="none" w="sm" len="sm"/>
-            <a:tailEnd type="none" w="sm" len="sm"/>
-          </a:ln>
-        </p:spPr>
-      </p:cxnSp>
-      <p:sp>
-        <p:nvSpPr>
-          <p:cNvPr id="260" name="Google Shape;260;p30"/>
-          <p:cNvSpPr txBox="1"/>
-          <p:nvPr/>
-        </p:nvSpPr>
-        <p:spPr>
-          <a:xfrm>
-            <a:off x="12828" y="1622559"/>
-            <a:ext cx="1362244" cy="307777"/>
-          </a:xfrm>
-          <a:prstGeom prst="rect">
-            <a:avLst/>
-          </a:prstGeom>
-          <a:noFill/>
-          <a:ln>
-            <a:noFill/>
-          </a:ln>
-        </p:spPr>
-        <p:txBody>
-          <a:bodyPr spcFirstLastPara="1" wrap="square" lIns="91425" tIns="45700" rIns="91425" bIns="45700" anchor="t" anchorCtr="0">
-            <a:spAutoFit/>
-          </a:bodyPr>
-          <a:lstStyle/>
-          <a:p>
-            <a:pPr marL="0" marR="0" lvl="0" indent="0" algn="ctr" rtl="0">
-              <a:lnSpc>
-                <a:spcPct val="100000"/>
-              </a:lnSpc>
-              <a:spcBef>
-                <a:spcPts val="0"/>
-              </a:spcBef>
-              <a:spcAft>
-                <a:spcPts val="0"/>
-              </a:spcAft>
-              <a:buClr>
-                <a:schemeClr val="lt1"/>
-              </a:buClr>
-              <a:buSzPts val="1400"/>
-              <a:buFont typeface="Times New Roman"/>
-              <a:buNone/>
-            </a:pPr>
-            <a:r>
-              <a:rPr lang="en-US" sz="1400" b="1" i="0" u="none" strike="noStrike" cap="none">
-                <a:solidFill>
-                  <a:schemeClr val="lt1"/>
-                </a:solidFill>
-                <a:latin typeface="Times New Roman"/>
-                <a:ea typeface="Times New Roman"/>
-                <a:cs typeface="Times New Roman"/>
-                <a:sym typeface="Times New Roman"/>
-              </a:rPr>
-              <a:t>Brute Force</a:t>
-            </a:r>
-            <a:endParaRPr sz="1400" b="1" i="0" u="none" strike="noStrike" cap="none">
-              <a:solidFill>
-                <a:schemeClr val="lt1"/>
-              </a:solidFill>
-              <a:latin typeface="Times New Roman"/>
-              <a:ea typeface="Times New Roman"/>
-              <a:cs typeface="Times New Roman"/>
-              <a:sym typeface="Times New Roman"/>
-            </a:endParaRPr>
-          </a:p>
-        </p:txBody>
-      </p:sp>
-      <p:sp>
-        <p:nvSpPr>
-          <p:cNvPr id="261" name="Google Shape;261;p30"/>
-          <p:cNvSpPr txBox="1"/>
-          <p:nvPr/>
-        </p:nvSpPr>
-        <p:spPr>
-          <a:xfrm>
-            <a:off x="269955" y="2196987"/>
-            <a:ext cx="862058" cy="307777"/>
-          </a:xfrm>
-          <a:prstGeom prst="rect">
-            <a:avLst/>
-          </a:prstGeom>
-          <a:noFill/>
-          <a:ln>
-            <a:noFill/>
-          </a:ln>
-        </p:spPr>
-        <p:txBody>
-          <a:bodyPr spcFirstLastPara="1" wrap="square" lIns="91425" tIns="45700" rIns="91425" bIns="45700" anchor="t" anchorCtr="0">
-            <a:spAutoFit/>
-          </a:bodyPr>
-          <a:lstStyle/>
-          <a:p>
-            <a:pPr marL="0" marR="0" lvl="0" indent="0" algn="ctr" rtl="0">
-              <a:lnSpc>
-                <a:spcPct val="100000"/>
-              </a:lnSpc>
-              <a:spcBef>
-                <a:spcPts val="0"/>
-              </a:spcBef>
-              <a:spcAft>
-                <a:spcPts val="0"/>
-              </a:spcAft>
-              <a:buClr>
-                <a:schemeClr val="dk1"/>
-              </a:buClr>
-              <a:buSzPts val="1400"/>
-              <a:buFont typeface="Times New Roman"/>
-              <a:buNone/>
-            </a:pPr>
-            <a:r>
-              <a:rPr lang="en-US" sz="1400" b="1" i="0" u="none" strike="noStrike" cap="none" dirty="0">
-                <a:solidFill>
-                  <a:schemeClr val="dk1"/>
-                </a:solidFill>
-                <a:latin typeface="Times New Roman"/>
-                <a:ea typeface="Times New Roman"/>
-                <a:cs typeface="Times New Roman"/>
-                <a:sym typeface="Times New Roman"/>
-              </a:rPr>
-              <a:t>DP</a:t>
-            </a:r>
-            <a:endParaRPr sz="1400" b="1" i="0" u="none" strike="noStrike" cap="none" dirty="0">
-              <a:solidFill>
-                <a:schemeClr val="dk1"/>
-              </a:solidFill>
-              <a:latin typeface="Times New Roman"/>
-              <a:ea typeface="Times New Roman"/>
-              <a:cs typeface="Times New Roman"/>
-              <a:sym typeface="Times New Roman"/>
-            </a:endParaRPr>
-          </a:p>
-        </p:txBody>
-      </p:sp>
-      <p:cxnSp>
-        <p:nvCxnSpPr>
-          <p:cNvPr id="262" name="Google Shape;262;p30"/>
-          <p:cNvCxnSpPr/>
-          <p:nvPr/>
-        </p:nvCxnSpPr>
-        <p:spPr>
-          <a:xfrm rot="10800000">
-            <a:off x="12828" y="2625096"/>
-            <a:ext cx="1376313" cy="0"/>
-          </a:xfrm>
-          <a:prstGeom prst="straightConnector1">
-            <a:avLst/>
-          </a:prstGeom>
-          <a:noFill/>
-          <a:ln w="9525" cap="flat" cmpd="sng">
-            <a:solidFill>
-              <a:schemeClr val="dk1"/>
-            </a:solidFill>
-            <a:prstDash val="solid"/>
-            <a:miter lim="800000"/>
-            <a:headEnd type="none" w="sm" len="sm"/>
-            <a:tailEnd type="none" w="sm" len="sm"/>
-          </a:ln>
-        </p:spPr>
-      </p:cxnSp>
-      <p:cxnSp>
-        <p:nvCxnSpPr>
-          <p:cNvPr id="263" name="Google Shape;263;p30"/>
-          <p:cNvCxnSpPr/>
-          <p:nvPr/>
-        </p:nvCxnSpPr>
-        <p:spPr>
-          <a:xfrm rot="10800000">
-            <a:off x="-1240" y="3189810"/>
-            <a:ext cx="1376313" cy="0"/>
-          </a:xfrm>
-          <a:prstGeom prst="straightConnector1">
-            <a:avLst/>
-          </a:prstGeom>
-          <a:noFill/>
-          <a:ln w="9525" cap="flat" cmpd="sng">
-            <a:solidFill>
-              <a:schemeClr val="dk1"/>
-            </a:solidFill>
-            <a:prstDash val="solid"/>
-            <a:miter lim="800000"/>
-            <a:headEnd type="none" w="sm" len="sm"/>
-            <a:tailEnd type="none" w="sm" len="sm"/>
-          </a:ln>
-        </p:spPr>
-      </p:cxnSp>
-      <p:sp>
-        <p:nvSpPr>
-          <p:cNvPr id="264" name="Google Shape;264;p30"/>
-          <p:cNvSpPr txBox="1"/>
-          <p:nvPr/>
-        </p:nvSpPr>
-        <p:spPr>
-          <a:xfrm>
-            <a:off x="12829" y="2733335"/>
-            <a:ext cx="1376312" cy="307777"/>
-          </a:xfrm>
-          <a:prstGeom prst="rect">
-            <a:avLst/>
-          </a:prstGeom>
-          <a:noFill/>
-          <a:ln>
-            <a:noFill/>
-          </a:ln>
-        </p:spPr>
-        <p:txBody>
-          <a:bodyPr spcFirstLastPara="1" wrap="square" lIns="91425" tIns="45700" rIns="91425" bIns="45700" anchor="t" anchorCtr="0">
-            <a:spAutoFit/>
-          </a:bodyPr>
-          <a:lstStyle/>
-          <a:p>
-            <a:pPr marL="0" marR="0" lvl="0" indent="0" algn="ctr" rtl="0">
-              <a:spcBef>
-                <a:spcPts val="0"/>
-              </a:spcBef>
-              <a:spcAft>
-                <a:spcPts val="0"/>
-              </a:spcAft>
-              <a:buNone/>
-            </a:pPr>
-            <a:r>
-              <a:rPr lang="en-US" sz="1400" b="1" dirty="0">
-                <a:solidFill>
-                  <a:schemeClr val="dk1"/>
-                </a:solidFill>
-                <a:latin typeface="Times New Roman"/>
-                <a:ea typeface="Times New Roman"/>
-                <a:cs typeface="Times New Roman"/>
-                <a:sym typeface="Times New Roman"/>
-              </a:rPr>
-              <a:t>Sieve</a:t>
-            </a:r>
-            <a:endParaRPr sz="1400" b="1" dirty="0">
-              <a:solidFill>
-                <a:schemeClr val="dk1"/>
-              </a:solidFill>
-              <a:latin typeface="Times New Roman"/>
-              <a:ea typeface="Times New Roman"/>
-              <a:cs typeface="Times New Roman"/>
-              <a:sym typeface="Times New Roman"/>
-            </a:endParaRPr>
-          </a:p>
-        </p:txBody>
-      </p:sp>
-      <p:cxnSp>
-        <p:nvCxnSpPr>
-          <p:cNvPr id="265" name="Google Shape;265;p30"/>
-          <p:cNvCxnSpPr/>
-          <p:nvPr/>
-        </p:nvCxnSpPr>
-        <p:spPr>
-          <a:xfrm rot="10800000">
-            <a:off x="12828" y="3764905"/>
-            <a:ext cx="1376313" cy="0"/>
-          </a:xfrm>
-          <a:prstGeom prst="straightConnector1">
-            <a:avLst/>
-          </a:prstGeom>
-          <a:noFill/>
-          <a:ln w="9525" cap="flat" cmpd="sng">
-            <a:solidFill>
-              <a:schemeClr val="dk1"/>
-            </a:solidFill>
-            <a:prstDash val="solid"/>
-            <a:miter lim="800000"/>
-            <a:headEnd type="none" w="sm" len="sm"/>
-            <a:tailEnd type="none" w="sm" len="sm"/>
-          </a:ln>
-        </p:spPr>
-      </p:cxnSp>
-      <p:sp>
-        <p:nvSpPr>
-          <p:cNvPr id="266" name="Google Shape;266;p30"/>
-          <p:cNvSpPr txBox="1"/>
-          <p:nvPr/>
-        </p:nvSpPr>
-        <p:spPr>
-          <a:xfrm>
-            <a:off x="6415" y="3326873"/>
-            <a:ext cx="1376312" cy="307777"/>
-          </a:xfrm>
-          <a:prstGeom prst="rect">
-            <a:avLst/>
-          </a:prstGeom>
-          <a:noFill/>
-          <a:ln>
-            <a:noFill/>
-          </a:ln>
-        </p:spPr>
-        <p:txBody>
-          <a:bodyPr spcFirstLastPara="1" wrap="square" lIns="91425" tIns="45700" rIns="91425" bIns="45700" anchor="t" anchorCtr="0">
-            <a:spAutoFit/>
-          </a:bodyPr>
-          <a:lstStyle/>
-          <a:p>
-            <a:pPr marL="0" marR="0" lvl="0" indent="0" algn="ctr" rtl="0">
-              <a:spcBef>
-                <a:spcPts val="0"/>
-              </a:spcBef>
-              <a:spcAft>
-                <a:spcPts val="0"/>
-              </a:spcAft>
-              <a:buNone/>
-            </a:pPr>
-            <a:r>
-              <a:rPr lang="en-US" sz="1400" b="1">
-                <a:solidFill>
-                  <a:schemeClr val="dk1"/>
-                </a:solidFill>
-                <a:latin typeface="Times New Roman"/>
-                <a:ea typeface="Times New Roman"/>
-                <a:cs typeface="Times New Roman"/>
-                <a:sym typeface="Times New Roman"/>
-              </a:rPr>
-              <a:t>결과</a:t>
-            </a:r>
-            <a:endParaRPr/>
-          </a:p>
-        </p:txBody>
-      </p:sp>
-      <p:sp>
-        <p:nvSpPr>
-          <p:cNvPr id="267" name="Google Shape;267;p30"/>
-          <p:cNvSpPr txBox="1"/>
-          <p:nvPr/>
-        </p:nvSpPr>
-        <p:spPr>
-          <a:xfrm>
-            <a:off x="1638822" y="1231049"/>
-            <a:ext cx="8903712" cy="584775"/>
-          </a:xfrm>
-          <a:prstGeom prst="rect">
-            <a:avLst/>
-          </a:prstGeom>
-          <a:noFill/>
-          <a:ln>
-            <a:noFill/>
-          </a:ln>
-        </p:spPr>
-        <p:txBody>
-          <a:bodyPr spcFirstLastPara="1" wrap="square" lIns="91425" tIns="45700" rIns="91425" bIns="45700" anchor="t" anchorCtr="0">
-            <a:spAutoFit/>
-          </a:bodyPr>
-          <a:lstStyle/>
-          <a:p>
-            <a:pPr marL="0" marR="0" lvl="0" indent="0" algn="ctr" rtl="0">
-              <a:spcBef>
-                <a:spcPts val="0"/>
-              </a:spcBef>
-              <a:spcAft>
-                <a:spcPts val="0"/>
-              </a:spcAft>
-              <a:buNone/>
-            </a:pPr>
-            <a:r>
-              <a:rPr lang="en-US" sz="3200" b="1" dirty="0">
-                <a:solidFill>
-                  <a:srgbClr val="000000"/>
-                </a:solidFill>
-                <a:latin typeface="Malgun Gothic"/>
-                <a:ea typeface="Malgun Gothic"/>
-                <a:cs typeface="Malgun Gothic"/>
-                <a:sym typeface="Malgun Gothic"/>
-              </a:rPr>
-              <a:t>Brute Force</a:t>
-            </a:r>
-            <a:endParaRPr dirty="0"/>
-          </a:p>
-        </p:txBody>
-      </p:sp>
-      <p:sp>
-        <p:nvSpPr>
-          <p:cNvPr id="268" name="Google Shape;268;p30"/>
-          <p:cNvSpPr txBox="1"/>
-          <p:nvPr/>
-        </p:nvSpPr>
-        <p:spPr>
-          <a:xfrm>
-            <a:off x="1656563" y="2040321"/>
-            <a:ext cx="8903712" cy="461624"/>
-          </a:xfrm>
-          <a:prstGeom prst="rect">
-            <a:avLst/>
-          </a:prstGeom>
-          <a:noFill/>
-          <a:ln>
-            <a:noFill/>
-          </a:ln>
-        </p:spPr>
-        <p:txBody>
-          <a:bodyPr spcFirstLastPara="1" wrap="square" lIns="91425" tIns="45700" rIns="91425" bIns="45700" anchor="t" anchorCtr="0">
-            <a:spAutoFit/>
-          </a:bodyPr>
-          <a:lstStyle/>
-          <a:p>
-            <a:pPr marL="0" marR="0" lvl="0" indent="0" algn="ctr" rtl="0">
-              <a:spcBef>
-                <a:spcPts val="0"/>
-              </a:spcBef>
-              <a:spcAft>
-                <a:spcPts val="0"/>
-              </a:spcAft>
-              <a:buNone/>
-            </a:pPr>
-            <a:r>
-              <a:rPr lang="en-US" sz="2400" b="1" dirty="0" err="1">
-                <a:solidFill>
-                  <a:srgbClr val="000000"/>
-                </a:solidFill>
-                <a:latin typeface="arial"/>
-                <a:ea typeface="arial"/>
-                <a:cs typeface="arial"/>
-                <a:sym typeface="arial"/>
-              </a:rPr>
-              <a:t>소수의</a:t>
-            </a:r>
-            <a:r>
-              <a:rPr lang="en-US" sz="2400" b="1" dirty="0">
-                <a:solidFill>
-                  <a:srgbClr val="000000"/>
-                </a:solidFill>
-                <a:latin typeface="arial"/>
-                <a:ea typeface="arial"/>
-                <a:cs typeface="arial"/>
-                <a:sym typeface="arial"/>
-              </a:rPr>
-              <a:t> 정의를 </a:t>
-            </a:r>
-            <a:r>
-              <a:rPr lang="en-US" sz="2400" b="1" dirty="0" err="1">
-                <a:solidFill>
-                  <a:srgbClr val="000000"/>
-                </a:solidFill>
-                <a:latin typeface="arial"/>
-                <a:ea typeface="arial"/>
-                <a:cs typeface="arial"/>
-                <a:sym typeface="arial"/>
-              </a:rPr>
-              <a:t>이용</a:t>
-            </a:r>
-            <a:r>
-              <a:rPr lang="ko-KR" altLang="en-US" sz="2400" b="1" dirty="0">
-                <a:latin typeface="arial"/>
-                <a:ea typeface="arial"/>
-                <a:cs typeface="arial"/>
-                <a:sym typeface="Wingdings" pitchFamily="2" charset="2"/>
-              </a:rPr>
-              <a:t> </a:t>
-            </a:r>
-            <a:r>
-              <a:rPr lang="en-US" altLang="ko-KR" sz="2400" b="1" dirty="0">
-                <a:latin typeface="arial"/>
-                <a:ea typeface="arial"/>
-                <a:cs typeface="arial"/>
-                <a:sym typeface="Wingdings" pitchFamily="2" charset="2"/>
-              </a:rPr>
-              <a:t>-</a:t>
-            </a:r>
-            <a:r>
-              <a:rPr lang="en-US" sz="2400" b="1" dirty="0">
-                <a:solidFill>
-                  <a:srgbClr val="000000"/>
-                </a:solidFill>
-                <a:latin typeface="arial"/>
-                <a:ea typeface="arial"/>
-                <a:cs typeface="arial"/>
-                <a:sym typeface="arial"/>
-              </a:rPr>
-              <a:t> 1부터 n</a:t>
-            </a:r>
-            <a:r>
-              <a:rPr lang="en-US" altLang="ko-KR" sz="2400" b="1" dirty="0">
-                <a:latin typeface="arial"/>
-                <a:ea typeface="arial"/>
-                <a:cs typeface="arial"/>
-                <a:sym typeface="arial"/>
-              </a:rPr>
-              <a:t>-1</a:t>
-            </a:r>
-            <a:r>
-              <a:rPr lang="ko-KR" altLang="en-US" sz="2400" b="1" dirty="0">
-                <a:latin typeface="arial"/>
-                <a:ea typeface="arial"/>
-                <a:cs typeface="arial"/>
-                <a:sym typeface="arial"/>
-              </a:rPr>
-              <a:t>까지</a:t>
-            </a:r>
-            <a:r>
-              <a:rPr lang="en-US" sz="2400" b="1" dirty="0">
-                <a:solidFill>
-                  <a:srgbClr val="000000"/>
-                </a:solidFill>
-                <a:latin typeface="arial"/>
-                <a:ea typeface="arial"/>
-                <a:cs typeface="arial"/>
-                <a:sym typeface="arial"/>
-              </a:rPr>
-              <a:t> </a:t>
-            </a:r>
-            <a:r>
-              <a:rPr lang="en-US" sz="2400" b="1" dirty="0" err="1">
-                <a:solidFill>
-                  <a:srgbClr val="000000"/>
-                </a:solidFill>
-                <a:latin typeface="arial"/>
-                <a:ea typeface="arial"/>
-                <a:cs typeface="arial"/>
-                <a:sym typeface="arial"/>
-              </a:rPr>
-              <a:t>대입하는</a:t>
-            </a:r>
-            <a:r>
-              <a:rPr lang="en-US" sz="2400" b="1" dirty="0">
-                <a:solidFill>
-                  <a:srgbClr val="000000"/>
-                </a:solidFill>
-                <a:latin typeface="arial"/>
-                <a:ea typeface="arial"/>
-                <a:cs typeface="arial"/>
-                <a:sym typeface="arial"/>
-              </a:rPr>
-              <a:t> </a:t>
-            </a:r>
-            <a:r>
-              <a:rPr lang="en-US" sz="2400" b="1" dirty="0" err="1">
-                <a:solidFill>
-                  <a:srgbClr val="000000"/>
-                </a:solidFill>
-                <a:latin typeface="arial"/>
-                <a:ea typeface="arial"/>
-                <a:cs typeface="arial"/>
-                <a:sym typeface="arial"/>
-              </a:rPr>
-              <a:t>방법</a:t>
-            </a:r>
-            <a:endParaRPr sz="2400" b="1" dirty="0">
-              <a:solidFill>
-                <a:srgbClr val="000000"/>
-              </a:solidFill>
-              <a:latin typeface="arial"/>
-              <a:ea typeface="arial"/>
-              <a:cs typeface="arial"/>
-              <a:sym typeface="arial"/>
-            </a:endParaRPr>
-          </a:p>
-        </p:txBody>
-      </p:sp>
-      <p:graphicFrame>
-        <p:nvGraphicFramePr>
-          <p:cNvPr id="3" name="다이어그램 2">
-            <a:extLst>
-              <a:ext uri="{FF2B5EF4-FFF2-40B4-BE49-F238E27FC236}">
-                <a16:creationId xmlns:a16="http://schemas.microsoft.com/office/drawing/2014/main" id="{729BEEED-E5D1-DC44-AA79-3F29BCF56CC4}"/>
-              </a:ext>
-            </a:extLst>
-          </p:cNvPr>
-          <p:cNvGraphicFramePr/>
-          <p:nvPr>
-            <p:extLst>
-              <p:ext uri="{D42A27DB-BD31-4B8C-83A1-F6EECF244321}">
-                <p14:modId xmlns:p14="http://schemas.microsoft.com/office/powerpoint/2010/main" val="2942724680"/>
-              </p:ext>
-            </p:extLst>
-          </p:nvPr>
-        </p:nvGraphicFramePr>
-        <p:xfrm>
-          <a:off x="1973151" y="2612255"/>
-          <a:ext cx="8186849" cy="3526078"/>
-        </p:xfrm>
-        <a:graphic>
-          <a:graphicData uri="http://schemas.openxmlformats.org/drawingml/2006/diagram">
-            <dgm:relIds xmlns:dgm="http://schemas.openxmlformats.org/drawingml/2006/diagram" xmlns:r="http://schemas.openxmlformats.org/officeDocument/2006/relationships" r:dm="rId4" r:lo="rId5" r:qs="rId6" r:cs="rId7"/>
-          </a:graphicData>
-        </a:graphic>
-      </p:graphicFrame>
-    </p:spTree>
-  </p:cSld>
-  <p:clrMapOvr>
-    <a:masterClrMapping/>
-  </p:clrMapOvr>
-</p:sld>
-</file>
-
-<file path=ppt/slides/slide6.xml><?xml version="1.0" encoding="utf-8"?>
 <p:sld xmlns:a="http://schemas.openxmlformats.org/drawingml/2006/main" xmlns:r="http://schemas.openxmlformats.org/officeDocument/2006/relationships" xmlns:p="http://schemas.openxmlformats.org/presentationml/2006/main">
   <p:cSld>
     <p:spTree>
@@ -31379,7 +27739,7 @@
         </p:blipFill>
         <p:spPr>
           <a:xfrm>
-            <a:off x="1565239" y="1930012"/>
+            <a:off x="2089132" y="1933400"/>
             <a:ext cx="6150434" cy="4780800"/>
           </a:xfrm>
           <a:prstGeom prst="rect">
@@ -31409,7 +27769,7 @@
         </p:blipFill>
         <p:spPr>
           <a:xfrm>
-            <a:off x="7732860" y="1926741"/>
+            <a:off x="8776287" y="1926741"/>
             <a:ext cx="1766247" cy="4787459"/>
           </a:xfrm>
           <a:prstGeom prst="rect">
@@ -31421,6 +27781,845 @@
     <p:extLst>
       <p:ext uri="{BB962C8B-B14F-4D97-AF65-F5344CB8AC3E}">
         <p14:creationId xmlns:p14="http://schemas.microsoft.com/office/powerpoint/2010/main" val="1795682440"/>
+      </p:ext>
+    </p:extLst>
+  </p:cSld>
+  <p:clrMapOvr>
+    <a:masterClrMapping/>
+  </p:clrMapOvr>
+</p:sld>
+</file>
+
+<file path=ppt/slides/slide6.xml><?xml version="1.0" encoding="utf-8"?>
+<p:sld xmlns:a="http://schemas.openxmlformats.org/drawingml/2006/main" xmlns:r="http://schemas.openxmlformats.org/officeDocument/2006/relationships" xmlns:p="http://schemas.openxmlformats.org/presentationml/2006/main">
+  <p:cSld>
+    <p:spTree>
+      <p:nvGrpSpPr>
+        <p:cNvPr id="1" name="Shape 253"/>
+        <p:cNvGrpSpPr/>
+        <p:nvPr/>
+      </p:nvGrpSpPr>
+      <p:grpSpPr>
+        <a:xfrm>
+          <a:off x="0" y="0"/>
+          <a:ext cx="0" cy="0"/>
+          <a:chOff x="0" y="0"/>
+          <a:chExt cx="0" cy="0"/>
+        </a:xfrm>
+      </p:grpSpPr>
+      <p:sp>
+        <p:nvSpPr>
+          <p:cNvPr id="254" name="Google Shape;254;p30"/>
+          <p:cNvSpPr txBox="1">
+            <a:spLocks noGrp="1"/>
+          </p:cNvSpPr>
+          <p:nvPr>
+            <p:ph type="title"/>
+          </p:nvPr>
+        </p:nvSpPr>
+        <p:spPr>
+          <a:xfrm>
+            <a:off x="1973151" y="143800"/>
+            <a:ext cx="4135268" cy="893660"/>
+          </a:xfrm>
+          <a:prstGeom prst="rect">
+            <a:avLst/>
+          </a:prstGeom>
+          <a:noFill/>
+          <a:ln>
+            <a:noFill/>
+          </a:ln>
+        </p:spPr>
+        <p:txBody>
+          <a:bodyPr spcFirstLastPara="1" wrap="square" lIns="91425" tIns="45700" rIns="91425" bIns="45700" anchor="ctr" anchorCtr="0">
+            <a:normAutofit/>
+          </a:bodyPr>
+          <a:lstStyle/>
+          <a:p>
+            <a:pPr marL="0" lvl="0" indent="0" algn="l" rtl="0">
+              <a:lnSpc>
+                <a:spcPct val="90000"/>
+              </a:lnSpc>
+              <a:spcBef>
+                <a:spcPts val="0"/>
+              </a:spcBef>
+              <a:spcAft>
+                <a:spcPts val="0"/>
+              </a:spcAft>
+              <a:buClr>
+                <a:schemeClr val="dk1"/>
+              </a:buClr>
+              <a:buSzPts val="4400"/>
+              <a:buFont typeface="Arial"/>
+              <a:buNone/>
+            </a:pPr>
+            <a:r>
+              <a:rPr lang="en-US" dirty="0">
+                <a:latin typeface="Arial"/>
+                <a:ea typeface="Arial"/>
+                <a:cs typeface="Arial"/>
+                <a:sym typeface="Arial"/>
+              </a:rPr>
+              <a:t>프로젝트 </a:t>
+            </a:r>
+            <a:r>
+              <a:rPr lang="en-US" dirty="0" err="1">
+                <a:latin typeface="Arial"/>
+                <a:ea typeface="Arial"/>
+                <a:cs typeface="Arial"/>
+                <a:sym typeface="Arial"/>
+              </a:rPr>
+              <a:t>소개</a:t>
+            </a:r>
+            <a:endParaRPr dirty="0"/>
+          </a:p>
+        </p:txBody>
+      </p:sp>
+      <p:sp>
+        <p:nvSpPr>
+          <p:cNvPr id="255" name="Google Shape;255;p30"/>
+          <p:cNvSpPr/>
+          <p:nvPr/>
+        </p:nvSpPr>
+        <p:spPr>
+          <a:xfrm>
+            <a:off x="0" y="0"/>
+            <a:ext cx="1376313" cy="6858000"/>
+          </a:xfrm>
+          <a:prstGeom prst="rect">
+            <a:avLst/>
+          </a:prstGeom>
+          <a:solidFill>
+            <a:srgbClr val="F2F2F2"/>
+          </a:solidFill>
+          <a:ln>
+            <a:noFill/>
+          </a:ln>
+        </p:spPr>
+        <p:txBody>
+          <a:bodyPr spcFirstLastPara="1" wrap="square" lIns="91425" tIns="45700" rIns="91425" bIns="45700" anchor="ctr" anchorCtr="0">
+            <a:noAutofit/>
+          </a:bodyPr>
+          <a:lstStyle/>
+          <a:p>
+            <a:pPr marL="0" marR="0" lvl="0" indent="0" algn="ctr" rtl="0">
+              <a:lnSpc>
+                <a:spcPct val="100000"/>
+              </a:lnSpc>
+              <a:spcBef>
+                <a:spcPts val="0"/>
+              </a:spcBef>
+              <a:spcAft>
+                <a:spcPts val="0"/>
+              </a:spcAft>
+              <a:buClr>
+                <a:schemeClr val="lt1"/>
+              </a:buClr>
+              <a:buSzPts val="1800"/>
+              <a:buFont typeface="Malgun Gothic"/>
+              <a:buNone/>
+            </a:pPr>
+            <a:endParaRPr sz="1800" b="0" i="0" u="none" strike="noStrike" cap="none">
+              <a:solidFill>
+                <a:srgbClr val="FFFFFF"/>
+              </a:solidFill>
+              <a:latin typeface="Malgun Gothic"/>
+              <a:ea typeface="Malgun Gothic"/>
+              <a:cs typeface="Malgun Gothic"/>
+              <a:sym typeface="Malgun Gothic"/>
+            </a:endParaRPr>
+          </a:p>
+        </p:txBody>
+      </p:sp>
+      <p:pic>
+        <p:nvPicPr>
+          <p:cNvPr id="256" name="Google Shape;256;p30" descr="News | ksjlab-koreauniv"/>
+          <p:cNvPicPr preferRelativeResize="0"/>
+          <p:nvPr/>
+        </p:nvPicPr>
+        <p:blipFill rotWithShape="1">
+          <a:blip r:embed="rId3">
+            <a:alphaModFix/>
+          </a:blip>
+          <a:srcRect/>
+          <a:stretch/>
+        </p:blipFill>
+        <p:spPr>
+          <a:xfrm>
+            <a:off x="427155" y="76819"/>
+            <a:ext cx="522002" cy="670092"/>
+          </a:xfrm>
+          <a:prstGeom prst="rect">
+            <a:avLst/>
+          </a:prstGeom>
+          <a:noFill/>
+          <a:ln>
+            <a:noFill/>
+          </a:ln>
+        </p:spPr>
+      </p:pic>
+      <p:sp>
+        <p:nvSpPr>
+          <p:cNvPr id="257" name="Google Shape;257;p30"/>
+          <p:cNvSpPr/>
+          <p:nvPr/>
+        </p:nvSpPr>
+        <p:spPr>
+          <a:xfrm>
+            <a:off x="6415" y="1468870"/>
+            <a:ext cx="1545996" cy="573420"/>
+          </a:xfrm>
+          <a:prstGeom prst="homePlate">
+            <a:avLst>
+              <a:gd name="adj" fmla="val 31038"/>
+            </a:avLst>
+          </a:prstGeom>
+          <a:solidFill>
+            <a:srgbClr val="323F4F"/>
+          </a:solidFill>
+          <a:ln>
+            <a:noFill/>
+          </a:ln>
+        </p:spPr>
+        <p:txBody>
+          <a:bodyPr spcFirstLastPara="1" wrap="square" lIns="91425" tIns="45700" rIns="91425" bIns="45700" anchor="ctr" anchorCtr="0">
+            <a:noAutofit/>
+          </a:bodyPr>
+          <a:lstStyle/>
+          <a:p>
+            <a:pPr marL="0" marR="0" lvl="0" indent="0" algn="ctr" rtl="0">
+              <a:lnSpc>
+                <a:spcPct val="100000"/>
+              </a:lnSpc>
+              <a:spcBef>
+                <a:spcPts val="0"/>
+              </a:spcBef>
+              <a:spcAft>
+                <a:spcPts val="0"/>
+              </a:spcAft>
+              <a:buClr>
+                <a:schemeClr val="lt1"/>
+              </a:buClr>
+              <a:buSzPts val="1800"/>
+              <a:buFont typeface="Malgun Gothic"/>
+              <a:buNone/>
+            </a:pPr>
+            <a:endParaRPr sz="1800" b="0" i="0" u="none" strike="noStrike" cap="none">
+              <a:solidFill>
+                <a:srgbClr val="FFFFFF"/>
+              </a:solidFill>
+              <a:latin typeface="Malgun Gothic"/>
+              <a:ea typeface="Malgun Gothic"/>
+              <a:cs typeface="Malgun Gothic"/>
+              <a:sym typeface="Malgun Gothic"/>
+            </a:endParaRPr>
+          </a:p>
+        </p:txBody>
+      </p:sp>
+      <p:sp>
+        <p:nvSpPr>
+          <p:cNvPr id="258" name="Google Shape;258;p30"/>
+          <p:cNvSpPr txBox="1"/>
+          <p:nvPr/>
+        </p:nvSpPr>
+        <p:spPr>
+          <a:xfrm>
+            <a:off x="257127" y="1037460"/>
+            <a:ext cx="862058" cy="307777"/>
+          </a:xfrm>
+          <a:prstGeom prst="rect">
+            <a:avLst/>
+          </a:prstGeom>
+          <a:noFill/>
+          <a:ln>
+            <a:noFill/>
+          </a:ln>
+        </p:spPr>
+        <p:txBody>
+          <a:bodyPr spcFirstLastPara="1" wrap="square" lIns="91425" tIns="45700" rIns="91425" bIns="45700" anchor="t" anchorCtr="0">
+            <a:spAutoFit/>
+          </a:bodyPr>
+          <a:lstStyle/>
+          <a:p>
+            <a:pPr marL="0" marR="0" lvl="0" indent="0" algn="ctr" rtl="0">
+              <a:lnSpc>
+                <a:spcPct val="100000"/>
+              </a:lnSpc>
+              <a:spcBef>
+                <a:spcPts val="0"/>
+              </a:spcBef>
+              <a:spcAft>
+                <a:spcPts val="0"/>
+              </a:spcAft>
+              <a:buClr>
+                <a:schemeClr val="dk1"/>
+              </a:buClr>
+              <a:buSzPts val="1400"/>
+              <a:buFont typeface="Times New Roman"/>
+              <a:buNone/>
+            </a:pPr>
+            <a:r>
+              <a:rPr lang="en-US" sz="1400" b="1" i="0" u="none" strike="noStrike" cap="none">
+                <a:solidFill>
+                  <a:schemeClr val="dk1"/>
+                </a:solidFill>
+                <a:latin typeface="Times New Roman"/>
+                <a:ea typeface="Times New Roman"/>
+                <a:cs typeface="Times New Roman"/>
+                <a:sym typeface="Times New Roman"/>
+              </a:rPr>
+              <a:t>소개</a:t>
+            </a:r>
+            <a:endParaRPr/>
+          </a:p>
+        </p:txBody>
+      </p:sp>
+      <p:cxnSp>
+        <p:nvCxnSpPr>
+          <p:cNvPr id="259" name="Google Shape;259;p30"/>
+          <p:cNvCxnSpPr/>
+          <p:nvPr/>
+        </p:nvCxnSpPr>
+        <p:spPr>
+          <a:xfrm>
+            <a:off x="1545996" y="1068367"/>
+            <a:ext cx="8996538" cy="0"/>
+          </a:xfrm>
+          <a:prstGeom prst="straightConnector1">
+            <a:avLst/>
+          </a:prstGeom>
+          <a:noFill/>
+          <a:ln w="12700" cap="flat" cmpd="sng">
+            <a:solidFill>
+              <a:schemeClr val="dk1"/>
+            </a:solidFill>
+            <a:prstDash val="solid"/>
+            <a:miter lim="800000"/>
+            <a:headEnd type="none" w="sm" len="sm"/>
+            <a:tailEnd type="none" w="sm" len="sm"/>
+          </a:ln>
+        </p:spPr>
+      </p:cxnSp>
+      <p:sp>
+        <p:nvSpPr>
+          <p:cNvPr id="260" name="Google Shape;260;p30"/>
+          <p:cNvSpPr txBox="1"/>
+          <p:nvPr/>
+        </p:nvSpPr>
+        <p:spPr>
+          <a:xfrm>
+            <a:off x="12828" y="1622559"/>
+            <a:ext cx="1362244" cy="307777"/>
+          </a:xfrm>
+          <a:prstGeom prst="rect">
+            <a:avLst/>
+          </a:prstGeom>
+          <a:noFill/>
+          <a:ln>
+            <a:noFill/>
+          </a:ln>
+        </p:spPr>
+        <p:txBody>
+          <a:bodyPr spcFirstLastPara="1" wrap="square" lIns="91425" tIns="45700" rIns="91425" bIns="45700" anchor="t" anchorCtr="0">
+            <a:spAutoFit/>
+          </a:bodyPr>
+          <a:lstStyle/>
+          <a:p>
+            <a:pPr marL="0" marR="0" lvl="0" indent="0" algn="ctr" rtl="0">
+              <a:lnSpc>
+                <a:spcPct val="100000"/>
+              </a:lnSpc>
+              <a:spcBef>
+                <a:spcPts val="0"/>
+              </a:spcBef>
+              <a:spcAft>
+                <a:spcPts val="0"/>
+              </a:spcAft>
+              <a:buClr>
+                <a:schemeClr val="lt1"/>
+              </a:buClr>
+              <a:buSzPts val="1400"/>
+              <a:buFont typeface="Times New Roman"/>
+              <a:buNone/>
+            </a:pPr>
+            <a:r>
+              <a:rPr lang="en-US" sz="1400" b="1" i="0" u="none" strike="noStrike" cap="none">
+                <a:solidFill>
+                  <a:schemeClr val="lt1"/>
+                </a:solidFill>
+                <a:latin typeface="Times New Roman"/>
+                <a:ea typeface="Times New Roman"/>
+                <a:cs typeface="Times New Roman"/>
+                <a:sym typeface="Times New Roman"/>
+              </a:rPr>
+              <a:t>Brute Force</a:t>
+            </a:r>
+            <a:endParaRPr sz="1400" b="1" i="0" u="none" strike="noStrike" cap="none">
+              <a:solidFill>
+                <a:schemeClr val="lt1"/>
+              </a:solidFill>
+              <a:latin typeface="Times New Roman"/>
+              <a:ea typeface="Times New Roman"/>
+              <a:cs typeface="Times New Roman"/>
+              <a:sym typeface="Times New Roman"/>
+            </a:endParaRPr>
+          </a:p>
+        </p:txBody>
+      </p:sp>
+      <p:sp>
+        <p:nvSpPr>
+          <p:cNvPr id="261" name="Google Shape;261;p30"/>
+          <p:cNvSpPr txBox="1"/>
+          <p:nvPr/>
+        </p:nvSpPr>
+        <p:spPr>
+          <a:xfrm>
+            <a:off x="269955" y="2182890"/>
+            <a:ext cx="862058" cy="307777"/>
+          </a:xfrm>
+          <a:prstGeom prst="rect">
+            <a:avLst/>
+          </a:prstGeom>
+          <a:noFill/>
+          <a:ln>
+            <a:noFill/>
+          </a:ln>
+        </p:spPr>
+        <p:txBody>
+          <a:bodyPr spcFirstLastPara="1" wrap="square" lIns="91425" tIns="45700" rIns="91425" bIns="45700" anchor="t" anchorCtr="0">
+            <a:spAutoFit/>
+          </a:bodyPr>
+          <a:lstStyle/>
+          <a:p>
+            <a:pPr marL="0" marR="0" lvl="0" indent="0" algn="ctr" rtl="0">
+              <a:lnSpc>
+                <a:spcPct val="100000"/>
+              </a:lnSpc>
+              <a:spcBef>
+                <a:spcPts val="0"/>
+              </a:spcBef>
+              <a:spcAft>
+                <a:spcPts val="0"/>
+              </a:spcAft>
+              <a:buClr>
+                <a:schemeClr val="dk1"/>
+              </a:buClr>
+              <a:buSzPts val="1400"/>
+              <a:buFont typeface="Times New Roman"/>
+              <a:buNone/>
+            </a:pPr>
+            <a:r>
+              <a:rPr lang="en-US" sz="1400" b="1" i="0" u="none" strike="noStrike" cap="none" dirty="0">
+                <a:solidFill>
+                  <a:schemeClr val="dk1"/>
+                </a:solidFill>
+                <a:latin typeface="Times New Roman"/>
+                <a:ea typeface="Times New Roman"/>
+                <a:cs typeface="Times New Roman"/>
+                <a:sym typeface="Times New Roman"/>
+              </a:rPr>
+              <a:t>DP</a:t>
+            </a:r>
+            <a:endParaRPr sz="1400" b="1" i="0" u="none" strike="noStrike" cap="none" dirty="0">
+              <a:solidFill>
+                <a:schemeClr val="dk1"/>
+              </a:solidFill>
+              <a:latin typeface="Times New Roman"/>
+              <a:ea typeface="Times New Roman"/>
+              <a:cs typeface="Times New Roman"/>
+              <a:sym typeface="Times New Roman"/>
+            </a:endParaRPr>
+          </a:p>
+        </p:txBody>
+      </p:sp>
+      <p:cxnSp>
+        <p:nvCxnSpPr>
+          <p:cNvPr id="262" name="Google Shape;262;p30"/>
+          <p:cNvCxnSpPr/>
+          <p:nvPr/>
+        </p:nvCxnSpPr>
+        <p:spPr>
+          <a:xfrm rot="10800000">
+            <a:off x="12828" y="2625096"/>
+            <a:ext cx="1376313" cy="0"/>
+          </a:xfrm>
+          <a:prstGeom prst="straightConnector1">
+            <a:avLst/>
+          </a:prstGeom>
+          <a:noFill/>
+          <a:ln w="9525" cap="flat" cmpd="sng">
+            <a:solidFill>
+              <a:schemeClr val="dk1"/>
+            </a:solidFill>
+            <a:prstDash val="solid"/>
+            <a:miter lim="800000"/>
+            <a:headEnd type="none" w="sm" len="sm"/>
+            <a:tailEnd type="none" w="sm" len="sm"/>
+          </a:ln>
+        </p:spPr>
+      </p:cxnSp>
+      <p:cxnSp>
+        <p:nvCxnSpPr>
+          <p:cNvPr id="263" name="Google Shape;263;p30"/>
+          <p:cNvCxnSpPr/>
+          <p:nvPr/>
+        </p:nvCxnSpPr>
+        <p:spPr>
+          <a:xfrm rot="10800000">
+            <a:off x="-1240" y="3189810"/>
+            <a:ext cx="1376313" cy="0"/>
+          </a:xfrm>
+          <a:prstGeom prst="straightConnector1">
+            <a:avLst/>
+          </a:prstGeom>
+          <a:noFill/>
+          <a:ln w="9525" cap="flat" cmpd="sng">
+            <a:solidFill>
+              <a:schemeClr val="dk1"/>
+            </a:solidFill>
+            <a:prstDash val="solid"/>
+            <a:miter lim="800000"/>
+            <a:headEnd type="none" w="sm" len="sm"/>
+            <a:tailEnd type="none" w="sm" len="sm"/>
+          </a:ln>
+        </p:spPr>
+      </p:cxnSp>
+      <p:sp>
+        <p:nvSpPr>
+          <p:cNvPr id="264" name="Google Shape;264;p30"/>
+          <p:cNvSpPr txBox="1"/>
+          <p:nvPr/>
+        </p:nvSpPr>
+        <p:spPr>
+          <a:xfrm>
+            <a:off x="12828" y="2730779"/>
+            <a:ext cx="1376312" cy="307777"/>
+          </a:xfrm>
+          <a:prstGeom prst="rect">
+            <a:avLst/>
+          </a:prstGeom>
+          <a:noFill/>
+          <a:ln>
+            <a:noFill/>
+          </a:ln>
+        </p:spPr>
+        <p:txBody>
+          <a:bodyPr spcFirstLastPara="1" wrap="square" lIns="91425" tIns="45700" rIns="91425" bIns="45700" anchor="t" anchorCtr="0">
+            <a:spAutoFit/>
+          </a:bodyPr>
+          <a:lstStyle/>
+          <a:p>
+            <a:pPr marL="0" marR="0" lvl="0" indent="0" algn="ctr" rtl="0">
+              <a:spcBef>
+                <a:spcPts val="0"/>
+              </a:spcBef>
+              <a:spcAft>
+                <a:spcPts val="0"/>
+              </a:spcAft>
+              <a:buNone/>
+            </a:pPr>
+            <a:r>
+              <a:rPr lang="en-US" sz="1400" b="1">
+                <a:solidFill>
+                  <a:schemeClr val="dk1"/>
+                </a:solidFill>
+                <a:latin typeface="Times New Roman"/>
+                <a:ea typeface="Times New Roman"/>
+                <a:cs typeface="Times New Roman"/>
+                <a:sym typeface="Times New Roman"/>
+              </a:rPr>
+              <a:t>Sieve</a:t>
+            </a:r>
+            <a:endParaRPr sz="1400" b="1">
+              <a:solidFill>
+                <a:schemeClr val="dk1"/>
+              </a:solidFill>
+              <a:latin typeface="Times New Roman"/>
+              <a:ea typeface="Times New Roman"/>
+              <a:cs typeface="Times New Roman"/>
+              <a:sym typeface="Times New Roman"/>
+            </a:endParaRPr>
+          </a:p>
+        </p:txBody>
+      </p:sp>
+      <p:cxnSp>
+        <p:nvCxnSpPr>
+          <p:cNvPr id="265" name="Google Shape;265;p30"/>
+          <p:cNvCxnSpPr/>
+          <p:nvPr/>
+        </p:nvCxnSpPr>
+        <p:spPr>
+          <a:xfrm rot="10800000">
+            <a:off x="12828" y="3764905"/>
+            <a:ext cx="1376313" cy="0"/>
+          </a:xfrm>
+          <a:prstGeom prst="straightConnector1">
+            <a:avLst/>
+          </a:prstGeom>
+          <a:noFill/>
+          <a:ln w="9525" cap="flat" cmpd="sng">
+            <a:solidFill>
+              <a:schemeClr val="dk1"/>
+            </a:solidFill>
+            <a:prstDash val="solid"/>
+            <a:miter lim="800000"/>
+            <a:headEnd type="none" w="sm" len="sm"/>
+            <a:tailEnd type="none" w="sm" len="sm"/>
+          </a:ln>
+        </p:spPr>
+      </p:cxnSp>
+      <p:sp>
+        <p:nvSpPr>
+          <p:cNvPr id="266" name="Google Shape;266;p30"/>
+          <p:cNvSpPr txBox="1"/>
+          <p:nvPr/>
+        </p:nvSpPr>
+        <p:spPr>
+          <a:xfrm>
+            <a:off x="6415" y="3326873"/>
+            <a:ext cx="1376312" cy="307777"/>
+          </a:xfrm>
+          <a:prstGeom prst="rect">
+            <a:avLst/>
+          </a:prstGeom>
+          <a:noFill/>
+          <a:ln>
+            <a:noFill/>
+          </a:ln>
+        </p:spPr>
+        <p:txBody>
+          <a:bodyPr spcFirstLastPara="1" wrap="square" lIns="91425" tIns="45700" rIns="91425" bIns="45700" anchor="t" anchorCtr="0">
+            <a:spAutoFit/>
+          </a:bodyPr>
+          <a:lstStyle/>
+          <a:p>
+            <a:pPr marL="0" marR="0" lvl="0" indent="0" algn="ctr" rtl="0">
+              <a:spcBef>
+                <a:spcPts val="0"/>
+              </a:spcBef>
+              <a:spcAft>
+                <a:spcPts val="0"/>
+              </a:spcAft>
+              <a:buNone/>
+            </a:pPr>
+            <a:r>
+              <a:rPr lang="en-US" sz="1400" b="1">
+                <a:solidFill>
+                  <a:schemeClr val="dk1"/>
+                </a:solidFill>
+                <a:latin typeface="Times New Roman"/>
+                <a:ea typeface="Times New Roman"/>
+                <a:cs typeface="Times New Roman"/>
+                <a:sym typeface="Times New Roman"/>
+              </a:rPr>
+              <a:t>결과</a:t>
+            </a:r>
+            <a:endParaRPr/>
+          </a:p>
+        </p:txBody>
+      </p:sp>
+      <p:sp>
+        <p:nvSpPr>
+          <p:cNvPr id="267" name="Google Shape;267;p30"/>
+          <p:cNvSpPr txBox="1"/>
+          <p:nvPr/>
+        </p:nvSpPr>
+        <p:spPr>
+          <a:xfrm>
+            <a:off x="1656563" y="1176482"/>
+            <a:ext cx="8903712" cy="584775"/>
+          </a:xfrm>
+          <a:prstGeom prst="rect">
+            <a:avLst/>
+          </a:prstGeom>
+          <a:noFill/>
+          <a:ln>
+            <a:noFill/>
+          </a:ln>
+        </p:spPr>
+        <p:txBody>
+          <a:bodyPr spcFirstLastPara="1" wrap="square" lIns="91425" tIns="45700" rIns="91425" bIns="45700" anchor="t" anchorCtr="0">
+            <a:spAutoFit/>
+          </a:bodyPr>
+          <a:lstStyle/>
+          <a:p>
+            <a:pPr marL="0" marR="0" lvl="0" indent="0" algn="ctr" rtl="0">
+              <a:spcBef>
+                <a:spcPts val="0"/>
+              </a:spcBef>
+              <a:spcAft>
+                <a:spcPts val="0"/>
+              </a:spcAft>
+              <a:buNone/>
+            </a:pPr>
+            <a:r>
+              <a:rPr lang="en-US" sz="3200" b="1" dirty="0">
+                <a:solidFill>
+                  <a:srgbClr val="000000"/>
+                </a:solidFill>
+                <a:latin typeface="Malgun Gothic"/>
+                <a:ea typeface="Malgun Gothic"/>
+                <a:cs typeface="Malgun Gothic"/>
+                <a:sym typeface="Malgun Gothic"/>
+              </a:rPr>
+              <a:t>Brute Force</a:t>
+            </a:r>
+            <a:endParaRPr dirty="0"/>
+          </a:p>
+        </p:txBody>
+      </p:sp>
+      <p:graphicFrame>
+        <p:nvGraphicFramePr>
+          <p:cNvPr id="7" name="표 6">
+            <a:extLst>
+              <a:ext uri="{FF2B5EF4-FFF2-40B4-BE49-F238E27FC236}">
+                <a16:creationId xmlns:a16="http://schemas.microsoft.com/office/drawing/2014/main" id="{CE264400-AA2D-B2EB-A255-C4B6191CE2FD}"/>
+              </a:ext>
+            </a:extLst>
+          </p:cNvPr>
+          <p:cNvGraphicFramePr>
+            <a:graphicFrameLocks noGrp="1"/>
+          </p:cNvGraphicFramePr>
+          <p:nvPr>
+            <p:extLst>
+              <p:ext uri="{D42A27DB-BD31-4B8C-83A1-F6EECF244321}">
+                <p14:modId xmlns:p14="http://schemas.microsoft.com/office/powerpoint/2010/main" val="3991910288"/>
+              </p:ext>
+            </p:extLst>
+          </p:nvPr>
+        </p:nvGraphicFramePr>
+        <p:xfrm>
+          <a:off x="3188615" y="2336778"/>
+          <a:ext cx="5839608" cy="3142866"/>
+        </p:xfrm>
+        <a:graphic>
+          <a:graphicData uri="http://schemas.openxmlformats.org/drawingml/2006/table">
+            <a:tbl>
+              <a:tblPr firstRow="1" bandRow="1">
+                <a:tableStyleId>{5C22544A-7EE6-4342-B048-85BDC9FD1C3A}</a:tableStyleId>
+              </a:tblPr>
+              <a:tblGrid>
+                <a:gridCol w="2903401">
+                  <a:extLst>
+                    <a:ext uri="{9D8B030D-6E8A-4147-A177-3AD203B41FA5}">
+                      <a16:colId xmlns:a16="http://schemas.microsoft.com/office/drawing/2014/main" val="676859362"/>
+                    </a:ext>
+                  </a:extLst>
+                </a:gridCol>
+                <a:gridCol w="2936207">
+                  <a:extLst>
+                    <a:ext uri="{9D8B030D-6E8A-4147-A177-3AD203B41FA5}">
+                      <a16:colId xmlns:a16="http://schemas.microsoft.com/office/drawing/2014/main" val="1990306996"/>
+                    </a:ext>
+                  </a:extLst>
+                </a:gridCol>
+              </a:tblGrid>
+              <a:tr h="1184269">
+                <a:tc>
+                  <a:txBody>
+                    <a:bodyPr/>
+                    <a:lstStyle/>
+                    <a:p>
+                      <a:pPr algn="ctr" latinLnBrk="1"/>
+                      <a:endParaRPr lang="en-US" altLang="ko-KR" sz="2400" dirty="0"/>
+                    </a:p>
+                    <a:p>
+                      <a:pPr algn="ctr" latinLnBrk="1"/>
+                      <a:r>
+                        <a:rPr lang="en-US" altLang="ko-KR" sz="2400" dirty="0"/>
+                        <a:t>Time Complexity</a:t>
+                      </a:r>
+                      <a:endParaRPr lang="ko-KR" altLang="en-US" sz="2400" dirty="0"/>
+                    </a:p>
+                  </a:txBody>
+                  <a:tcPr/>
+                </a:tc>
+                <a:tc>
+                  <a:txBody>
+                    <a:bodyPr/>
+                    <a:lstStyle/>
+                    <a:p>
+                      <a:pPr algn="ctr" latinLnBrk="1"/>
+                      <a:endParaRPr lang="en-US" altLang="ko-KR" sz="2400" dirty="0"/>
+                    </a:p>
+                    <a:p>
+                      <a:pPr algn="ctr" latinLnBrk="1"/>
+                      <a:r>
+                        <a:rPr lang="en-US" altLang="ko-KR" sz="2400" dirty="0"/>
+                        <a:t>Space Complexity</a:t>
+                      </a:r>
+                      <a:endParaRPr lang="ko-KR" altLang="en-US" sz="2400" dirty="0"/>
+                    </a:p>
+                  </a:txBody>
+                  <a:tcPr/>
+                </a:tc>
+                <a:extLst>
+                  <a:ext uri="{0D108BD9-81ED-4DB2-BD59-A6C34878D82A}">
+                    <a16:rowId xmlns:a16="http://schemas.microsoft.com/office/drawing/2014/main" val="457171998"/>
+                  </a:ext>
+                </a:extLst>
+              </a:tr>
+              <a:tr h="1958597">
+                <a:tc>
+                  <a:txBody>
+                    <a:bodyPr/>
+                    <a:lstStyle/>
+                    <a:p>
+                      <a:pPr algn="ctr" latinLnBrk="1"/>
+                      <a:endParaRPr lang="en-US" altLang="ko-KR" sz="2400" dirty="0"/>
+                    </a:p>
+                    <a:p>
+                      <a:pPr algn="ctr" latinLnBrk="1"/>
+                      <a:endParaRPr lang="en-US" altLang="ko-KR" sz="2400" dirty="0"/>
+                    </a:p>
+                    <a:p>
+                      <a:pPr algn="ctr" latinLnBrk="1"/>
+                      <a:r>
+                        <a:rPr lang="en-US" altLang="ko-KR" sz="2400" dirty="0"/>
+                        <a:t>O(n^2)</a:t>
+                      </a:r>
+                      <a:endParaRPr lang="ko-KR" altLang="en-US" sz="2400" dirty="0"/>
+                    </a:p>
+                  </a:txBody>
+                  <a:tcPr/>
+                </a:tc>
+                <a:tc>
+                  <a:txBody>
+                    <a:bodyPr/>
+                    <a:lstStyle/>
+                    <a:p>
+                      <a:pPr algn="ctr" latinLnBrk="1"/>
+                      <a:endParaRPr lang="en-US" altLang="ko-KR" sz="2400" dirty="0"/>
+                    </a:p>
+                    <a:p>
+                      <a:pPr algn="ctr" latinLnBrk="1"/>
+                      <a:endParaRPr lang="en-US" altLang="ko-KR" sz="2400" dirty="0"/>
+                    </a:p>
+                    <a:p>
+                      <a:pPr algn="ctr" latinLnBrk="1"/>
+                      <a:r>
+                        <a:rPr lang="en-US" altLang="ko-KR" sz="2400" dirty="0"/>
+                        <a:t>O(n)</a:t>
+                      </a:r>
+                      <a:endParaRPr lang="ko-KR" altLang="en-US" sz="2400" dirty="0"/>
+                    </a:p>
+                  </a:txBody>
+                  <a:tcPr/>
+                </a:tc>
+                <a:extLst>
+                  <a:ext uri="{0D108BD9-81ED-4DB2-BD59-A6C34878D82A}">
+                    <a16:rowId xmlns:a16="http://schemas.microsoft.com/office/drawing/2014/main" val="1248620150"/>
+                  </a:ext>
+                </a:extLst>
+              </a:tr>
+            </a:tbl>
+          </a:graphicData>
+        </a:graphic>
+      </p:graphicFrame>
+    </p:spTree>
+    <p:extLst>
+      <p:ext uri="{BB962C8B-B14F-4D97-AF65-F5344CB8AC3E}">
+        <p14:creationId xmlns:p14="http://schemas.microsoft.com/office/powerpoint/2010/main" val="3744311079"/>
       </p:ext>
     </p:extLst>
   </p:cSld>
@@ -31932,7 +29131,7 @@
         </p:nvSpPr>
         <p:spPr>
           <a:xfrm>
-            <a:off x="12829" y="2748877"/>
+            <a:off x="15778" y="2772510"/>
             <a:ext cx="1376312" cy="307777"/>
           </a:xfrm>
           <a:prstGeom prst="rect">
@@ -32055,6 +29254,88 @@
               <a:t>결과</a:t>
             </a:r>
             <a:endParaRPr/>
+          </a:p>
+        </p:txBody>
+      </p:sp>
+      <p:pic>
+        <p:nvPicPr>
+          <p:cNvPr id="3" name="그림 2">
+            <a:extLst>
+              <a:ext uri="{FF2B5EF4-FFF2-40B4-BE49-F238E27FC236}">
+                <a16:creationId xmlns:a16="http://schemas.microsoft.com/office/drawing/2014/main" id="{8A7271DC-EBF6-7B96-B53A-2EA9AE56E12A}"/>
+              </a:ext>
+            </a:extLst>
+          </p:cNvPr>
+          <p:cNvPicPr>
+            <a:picLocks noChangeAspect="1"/>
+          </p:cNvPicPr>
+          <p:nvPr/>
+        </p:nvPicPr>
+        <p:blipFill>
+          <a:blip r:embed="rId4"/>
+          <a:stretch>
+            <a:fillRect/>
+          </a:stretch>
+        </p:blipFill>
+        <p:spPr>
+          <a:xfrm>
+            <a:off x="3206226" y="1930336"/>
+            <a:ext cx="5804386" cy="4786214"/>
+          </a:xfrm>
+          <a:prstGeom prst="rect">
+            <a:avLst/>
+          </a:prstGeom>
+        </p:spPr>
+      </p:pic>
+      <p:sp>
+        <p:nvSpPr>
+          <p:cNvPr id="17" name="Google Shape;267;p30">
+            <a:extLst>
+              <a:ext uri="{FF2B5EF4-FFF2-40B4-BE49-F238E27FC236}">
+                <a16:creationId xmlns:a16="http://schemas.microsoft.com/office/drawing/2014/main" id="{E88A54FC-BF56-04B3-0D8B-24F0D8F6BC92}"/>
+              </a:ext>
+            </a:extLst>
+          </p:cNvPr>
+          <p:cNvSpPr txBox="1"/>
+          <p:nvPr/>
+        </p:nvSpPr>
+        <p:spPr>
+          <a:xfrm>
+            <a:off x="1656563" y="1176482"/>
+            <a:ext cx="8903712" cy="584735"/>
+          </a:xfrm>
+          <a:prstGeom prst="rect">
+            <a:avLst/>
+          </a:prstGeom>
+          <a:noFill/>
+          <a:ln>
+            <a:noFill/>
+          </a:ln>
+        </p:spPr>
+        <p:txBody>
+          <a:bodyPr spcFirstLastPara="1" wrap="square" lIns="91425" tIns="45700" rIns="91425" bIns="45700" anchor="t" anchorCtr="0">
+            <a:spAutoFit/>
+          </a:bodyPr>
+          <a:lstStyle/>
+          <a:p>
+            <a:pPr marL="0" marR="0" lvl="0" indent="0" algn="ctr" rtl="0">
+              <a:spcBef>
+                <a:spcPts val="0"/>
+              </a:spcBef>
+              <a:spcAft>
+                <a:spcPts val="0"/>
+              </a:spcAft>
+              <a:buNone/>
+            </a:pPr>
+            <a:r>
+              <a:rPr lang="en-US" sz="3200" b="1" dirty="0">
+                <a:latin typeface="Malgun Gothic"/>
+                <a:ea typeface="Malgun Gothic"/>
+                <a:sym typeface="Malgun Gothic"/>
+              </a:rPr>
+              <a:t>DP</a:t>
+            </a:r>
+            <a:endParaRPr dirty="0"/>
           </a:p>
         </p:txBody>
       </p:sp>
@@ -32702,8 +29983,8 @@
         </p:nvSpPr>
         <p:spPr>
           <a:xfrm>
-            <a:off x="1638822" y="1345236"/>
-            <a:ext cx="8903712" cy="1077218"/>
+            <a:off x="1638822" y="1208053"/>
+            <a:ext cx="8903712" cy="584735"/>
           </a:xfrm>
           <a:prstGeom prst="rect">
             <a:avLst/>
@@ -32729,7 +30010,7 @@
               <a:buNone/>
             </a:pPr>
             <a:r>
-              <a:rPr lang="en-US" sz="3200" b="1">
+              <a:rPr lang="en-US" sz="3200" b="1" dirty="0">
                 <a:solidFill>
                   <a:srgbClr val="000000"/>
                 </a:solidFill>
@@ -32740,30 +30021,40 @@
               </a:rPr>
               <a:t>Sieve</a:t>
             </a:r>
-            <a:endParaRPr/>
-          </a:p>
-          <a:p>
-            <a:pPr marL="0" marR="0" lvl="0" indent="0" algn="ctr" rtl="0">
-              <a:spcBef>
-                <a:spcPts val="0"/>
-              </a:spcBef>
-              <a:spcAft>
-                <a:spcPts val="0"/>
-              </a:spcAft>
-              <a:buNone/>
-            </a:pPr>
-            <a:endParaRPr sz="3200" b="1">
-              <a:solidFill>
-                <a:srgbClr val="000000"/>
-              </a:solidFill>
-              <a:latin typeface="arial"/>
-              <a:ea typeface="arial"/>
-              <a:cs typeface="arial"/>
-              <a:sym typeface="arial"/>
-            </a:endParaRPr>
+            <a:endParaRPr dirty="0"/>
           </a:p>
         </p:txBody>
       </p:sp>
+      <p:pic>
+        <p:nvPicPr>
+          <p:cNvPr id="3" name="그림 2">
+            <a:extLst>
+              <a:ext uri="{FF2B5EF4-FFF2-40B4-BE49-F238E27FC236}">
+                <a16:creationId xmlns:a16="http://schemas.microsoft.com/office/drawing/2014/main" id="{BEC3FBE4-5063-2A29-D9FB-83607D63AE33}"/>
+              </a:ext>
+            </a:extLst>
+          </p:cNvPr>
+          <p:cNvPicPr>
+            <a:picLocks noChangeAspect="1"/>
+          </p:cNvPicPr>
+          <p:nvPr/>
+        </p:nvPicPr>
+        <p:blipFill>
+          <a:blip r:embed="rId4"/>
+          <a:stretch>
+            <a:fillRect/>
+          </a:stretch>
+        </p:blipFill>
+        <p:spPr>
+          <a:xfrm>
+            <a:off x="3183526" y="1932474"/>
+            <a:ext cx="5929652" cy="4647982"/>
+          </a:xfrm>
+          <a:prstGeom prst="rect">
+            <a:avLst/>
+          </a:prstGeom>
+        </p:spPr>
+      </p:pic>
     </p:spTree>
   </p:cSld>
   <p:clrMapOvr>
@@ -33274,7 +30565,7 @@
         </p:nvSpPr>
         <p:spPr>
           <a:xfrm>
-            <a:off x="-7447" y="2786622"/>
+            <a:off x="15431" y="2827506"/>
             <a:ext cx="1376312" cy="307777"/>
           </a:xfrm>
           <a:prstGeom prst="rect">
@@ -33301,7 +30592,7 @@
               <a:buNone/>
             </a:pPr>
             <a:r>
-              <a:rPr lang="en-US" sz="1400" b="1">
+              <a:rPr lang="en-US" sz="1400" b="1" dirty="0">
                 <a:solidFill>
                   <a:schemeClr val="dk1"/>
                 </a:solidFill>
@@ -33312,7 +30603,7 @@
               </a:rPr>
               <a:t>Sieve</a:t>
             </a:r>
-            <a:endParaRPr sz="1400" b="1">
+            <a:endParaRPr sz="1400" b="1" dirty="0">
               <a:solidFill>
                 <a:schemeClr val="dk1"/>
               </a:solidFill>
